--- a/ideas/just-start/just-start.pptx
+++ b/ideas/just-start/just-start.pptx
@@ -2,20 +2,18 @@
 <file path=ppt/presentation.xml><?xml version="1.0" encoding="utf-8"?>
 <p:presentation xmlns:a="http://schemas.openxmlformats.org/drawingml/2006/main" xmlns:r="http://schemas.openxmlformats.org/officeDocument/2006/relationships" xmlns:p="http://schemas.openxmlformats.org/presentationml/2006/main" saveSubsetFonts="1">
   <p:sldMasterIdLst>
-    <p:sldMasterId id="2147483648" r:id="rId1"/>
+    <p:sldMasterId id="2147483660" r:id="rId1"/>
   </p:sldMasterIdLst>
   <p:sldIdLst>
     <p:sldId id="256" r:id="rId2"/>
-    <p:sldId id="257" r:id="rId3"/>
-    <p:sldId id="258" r:id="rId4"/>
   </p:sldIdLst>
-  <p:sldSz cx="12192000" cy="6858000"/>
+  <p:sldSz cx="9144000" cy="6858000" type="screen4x3"/>
   <p:notesSz cx="6858000" cy="9144000"/>
   <p:defaultTextStyle>
     <a:defPPr>
       <a:defRPr lang="en-US"/>
     </a:defPPr>
-    <a:lvl1pPr marL="0" algn="l" defTabSz="914400" rtl="0" eaLnBrk="1" latinLnBrk="0" hangingPunct="1">
+    <a:lvl1pPr marL="0" algn="l" defTabSz="457200" rtl="0" eaLnBrk="1" latinLnBrk="0" hangingPunct="1">
       <a:defRPr sz="1800" kern="1200">
         <a:solidFill>
           <a:schemeClr val="tx1"/>
@@ -25,7 +23,7 @@
         <a:cs typeface="+mn-cs"/>
       </a:defRPr>
     </a:lvl1pPr>
-    <a:lvl2pPr marL="457200" algn="l" defTabSz="914400" rtl="0" eaLnBrk="1" latinLnBrk="0" hangingPunct="1">
+    <a:lvl2pPr marL="457200" algn="l" defTabSz="457200" rtl="0" eaLnBrk="1" latinLnBrk="0" hangingPunct="1">
       <a:defRPr sz="1800" kern="1200">
         <a:solidFill>
           <a:schemeClr val="tx1"/>
@@ -35,7 +33,7 @@
         <a:cs typeface="+mn-cs"/>
       </a:defRPr>
     </a:lvl2pPr>
-    <a:lvl3pPr marL="914400" algn="l" defTabSz="914400" rtl="0" eaLnBrk="1" latinLnBrk="0" hangingPunct="1">
+    <a:lvl3pPr marL="914400" algn="l" defTabSz="457200" rtl="0" eaLnBrk="1" latinLnBrk="0" hangingPunct="1">
       <a:defRPr sz="1800" kern="1200">
         <a:solidFill>
           <a:schemeClr val="tx1"/>
@@ -45,7 +43,7 @@
         <a:cs typeface="+mn-cs"/>
       </a:defRPr>
     </a:lvl3pPr>
-    <a:lvl4pPr marL="1371600" algn="l" defTabSz="914400" rtl="0" eaLnBrk="1" latinLnBrk="0" hangingPunct="1">
+    <a:lvl4pPr marL="1371600" algn="l" defTabSz="457200" rtl="0" eaLnBrk="1" latinLnBrk="0" hangingPunct="1">
       <a:defRPr sz="1800" kern="1200">
         <a:solidFill>
           <a:schemeClr val="tx1"/>
@@ -55,7 +53,7 @@
         <a:cs typeface="+mn-cs"/>
       </a:defRPr>
     </a:lvl4pPr>
-    <a:lvl5pPr marL="1828800" algn="l" defTabSz="914400" rtl="0" eaLnBrk="1" latinLnBrk="0" hangingPunct="1">
+    <a:lvl5pPr marL="1828800" algn="l" defTabSz="457200" rtl="0" eaLnBrk="1" latinLnBrk="0" hangingPunct="1">
       <a:defRPr sz="1800" kern="1200">
         <a:solidFill>
           <a:schemeClr val="tx1"/>
@@ -65,7 +63,7 @@
         <a:cs typeface="+mn-cs"/>
       </a:defRPr>
     </a:lvl5pPr>
-    <a:lvl6pPr marL="2286000" algn="l" defTabSz="914400" rtl="0" eaLnBrk="1" latinLnBrk="0" hangingPunct="1">
+    <a:lvl6pPr marL="2286000" algn="l" defTabSz="457200" rtl="0" eaLnBrk="1" latinLnBrk="0" hangingPunct="1">
       <a:defRPr sz="1800" kern="1200">
         <a:solidFill>
           <a:schemeClr val="tx1"/>
@@ -75,7 +73,7 @@
         <a:cs typeface="+mn-cs"/>
       </a:defRPr>
     </a:lvl6pPr>
-    <a:lvl7pPr marL="2743200" algn="l" defTabSz="914400" rtl="0" eaLnBrk="1" latinLnBrk="0" hangingPunct="1">
+    <a:lvl7pPr marL="2743200" algn="l" defTabSz="457200" rtl="0" eaLnBrk="1" latinLnBrk="0" hangingPunct="1">
       <a:defRPr sz="1800" kern="1200">
         <a:solidFill>
           <a:schemeClr val="tx1"/>
@@ -85,7 +83,7 @@
         <a:cs typeface="+mn-cs"/>
       </a:defRPr>
     </a:lvl7pPr>
-    <a:lvl8pPr marL="3200400" algn="l" defTabSz="914400" rtl="0" eaLnBrk="1" latinLnBrk="0" hangingPunct="1">
+    <a:lvl8pPr marL="3200400" algn="l" defTabSz="457200" rtl="0" eaLnBrk="1" latinLnBrk="0" hangingPunct="1">
       <a:defRPr sz="1800" kern="1200">
         <a:solidFill>
           <a:schemeClr val="tx1"/>
@@ -95,7 +93,7 @@
         <a:cs typeface="+mn-cs"/>
       </a:defRPr>
     </a:lvl8pPr>
-    <a:lvl9pPr marL="3657600" algn="l" defTabSz="914400" rtl="0" eaLnBrk="1" latinLnBrk="0" hangingPunct="1">
+    <a:lvl9pPr marL="3657600" algn="l" defTabSz="457200" rtl="0" eaLnBrk="1" latinLnBrk="0" hangingPunct="1">
       <a:defRPr sz="1800" kern="1200">
         <a:solidFill>
           <a:schemeClr val="tx1"/>
@@ -118,6 +116,1906 @@
 <p1510:revInfo xmlns:a="http://schemas.openxmlformats.org/drawingml/2006/main" xmlns:r="http://schemas.openxmlformats.org/officeDocument/2006/relationships" xmlns:p1510="http://schemas.microsoft.com/office/powerpoint/2015/10/main"/>
 </file>
 
+<file path=ppt/charts/chart1.xml><?xml version="1.0" encoding="utf-8"?>
+<c:chartSpace xmlns:c="http://schemas.openxmlformats.org/drawingml/2006/chart" xmlns:a="http://schemas.openxmlformats.org/drawingml/2006/main" xmlns:r="http://schemas.openxmlformats.org/officeDocument/2006/relationships" xmlns:c16r2="http://schemas.microsoft.com/office/drawing/2015/06/chart">
+  <c:date1904 val="0"/>
+  <c:lang val="en-US"/>
+  <c:roundedCorners val="0"/>
+  <mc:AlternateContent xmlns:mc="http://schemas.openxmlformats.org/markup-compatibility/2006">
+    <mc:Choice xmlns:c14="http://schemas.microsoft.com/office/drawing/2007/8/2/chart" Requires="c14">
+      <c14:style val="102"/>
+    </mc:Choice>
+    <mc:Fallback>
+      <c:style val="2"/>
+    </mc:Fallback>
+  </mc:AlternateContent>
+  <c:chart>
+    <c:autoTitleDeleted val="0"/>
+    <c:plotArea>
+      <c:layout>
+        <c:manualLayout>
+          <c:layoutTarget val="inner"/>
+          <c:xMode val="edge"/>
+          <c:yMode val="edge"/>
+          <c:x val="1.7238222111221946E-2"/>
+          <c:y val="5.3640570548293409E-2"/>
+          <c:w val="0.96552355577755611"/>
+          <c:h val="0.89271885890341318"/>
+        </c:manualLayout>
+      </c:layout>
+      <c:areaChart>
+        <c:grouping val="standard"/>
+        <c:varyColors val="0"/>
+        <c:ser>
+          <c:idx val="0"/>
+          <c:order val="0"/>
+          <c:tx>
+            <c:strRef>
+              <c:f>Sheet1!$A$1</c:f>
+              <c:strCache>
+                <c:ptCount val="1"/>
+                <c:pt idx="0">
+                  <c:v>Impact</c:v>
+                </c:pt>
+              </c:strCache>
+            </c:strRef>
+          </c:tx>
+          <c:spPr>
+            <a:gradFill flip="none" rotWithShape="1">
+              <a:gsLst>
+                <a:gs pos="0">
+                  <a:schemeClr val="accent4">
+                    <a:lumMod val="89000"/>
+                  </a:schemeClr>
+                </a:gs>
+                <a:gs pos="23000">
+                  <a:schemeClr val="accent4">
+                    <a:lumMod val="89000"/>
+                  </a:schemeClr>
+                </a:gs>
+                <a:gs pos="69000">
+                  <a:schemeClr val="accent4">
+                    <a:lumMod val="75000"/>
+                  </a:schemeClr>
+                </a:gs>
+                <a:gs pos="97000">
+                  <a:schemeClr val="accent4">
+                    <a:lumMod val="70000"/>
+                  </a:schemeClr>
+                </a:gs>
+              </a:gsLst>
+              <a:path path="circle">
+                <a:fillToRect l="50000" t="50000" r="50000" b="50000"/>
+              </a:path>
+              <a:tileRect/>
+            </a:gradFill>
+            <a:ln w="25400">
+              <a:noFill/>
+            </a:ln>
+            <a:effectLst/>
+          </c:spPr>
+          <c:val>
+            <c:numRef>
+              <c:f>Sheet1!$A$2:$A$26</c:f>
+              <c:numCache>
+                <c:formatCode>General</c:formatCode>
+                <c:ptCount val="25"/>
+                <c:pt idx="0">
+                  <c:v>13</c:v>
+                </c:pt>
+                <c:pt idx="1">
+                  <c:v>13</c:v>
+                </c:pt>
+                <c:pt idx="2">
+                  <c:v>13</c:v>
+                </c:pt>
+                <c:pt idx="3">
+                  <c:v>13</c:v>
+                </c:pt>
+                <c:pt idx="4">
+                  <c:v>13</c:v>
+                </c:pt>
+                <c:pt idx="5">
+                  <c:v>15</c:v>
+                </c:pt>
+                <c:pt idx="6">
+                  <c:v>15</c:v>
+                </c:pt>
+                <c:pt idx="7">
+                  <c:v>15</c:v>
+                </c:pt>
+                <c:pt idx="8">
+                  <c:v>15</c:v>
+                </c:pt>
+                <c:pt idx="9">
+                  <c:v>15</c:v>
+                </c:pt>
+                <c:pt idx="10">
+                  <c:v>16</c:v>
+                </c:pt>
+                <c:pt idx="11">
+                  <c:v>17</c:v>
+                </c:pt>
+                <c:pt idx="12">
+                  <c:v>19</c:v>
+                </c:pt>
+                <c:pt idx="13">
+                  <c:v>19</c:v>
+                </c:pt>
+                <c:pt idx="14">
+                  <c:v>19</c:v>
+                </c:pt>
+                <c:pt idx="15">
+                  <c:v>23</c:v>
+                </c:pt>
+                <c:pt idx="16">
+                  <c:v>25</c:v>
+                </c:pt>
+                <c:pt idx="17">
+                  <c:v>25</c:v>
+                </c:pt>
+                <c:pt idx="18">
+                  <c:v>25</c:v>
+                </c:pt>
+                <c:pt idx="19">
+                  <c:v>27</c:v>
+                </c:pt>
+                <c:pt idx="20">
+                  <c:v>28</c:v>
+                </c:pt>
+                <c:pt idx="21">
+                  <c:v>29</c:v>
+                </c:pt>
+                <c:pt idx="22">
+                  <c:v>30</c:v>
+                </c:pt>
+                <c:pt idx="23">
+                  <c:v>30</c:v>
+                </c:pt>
+                <c:pt idx="24">
+                  <c:v>30</c:v>
+                </c:pt>
+              </c:numCache>
+            </c:numRef>
+          </c:val>
+          <c:extLst>
+            <c:ext xmlns:c16="http://schemas.microsoft.com/office/drawing/2014/chart" uri="{C3380CC4-5D6E-409C-BE32-E72D297353CC}">
+              <c16:uniqueId val="{00000000-1125-4EDF-9BBE-D179C27E926F}"/>
+            </c:ext>
+          </c:extLst>
+        </c:ser>
+        <c:ser>
+          <c:idx val="1"/>
+          <c:order val="1"/>
+          <c:tx>
+            <c:strRef>
+              <c:f>Sheet1!$B$1</c:f>
+              <c:strCache>
+                <c:ptCount val="1"/>
+                <c:pt idx="0">
+                  <c:v>Learning</c:v>
+                </c:pt>
+              </c:strCache>
+            </c:strRef>
+          </c:tx>
+          <c:spPr>
+            <a:gradFill flip="none" rotWithShape="1">
+              <a:gsLst>
+                <a:gs pos="0">
+                  <a:schemeClr val="accent6">
+                    <a:lumMod val="89000"/>
+                  </a:schemeClr>
+                </a:gs>
+                <a:gs pos="23000">
+                  <a:schemeClr val="accent6">
+                    <a:lumMod val="89000"/>
+                  </a:schemeClr>
+                </a:gs>
+                <a:gs pos="69000">
+                  <a:schemeClr val="accent6">
+                    <a:lumMod val="75000"/>
+                  </a:schemeClr>
+                </a:gs>
+                <a:gs pos="97000">
+                  <a:schemeClr val="accent6">
+                    <a:lumMod val="70000"/>
+                  </a:schemeClr>
+                </a:gs>
+              </a:gsLst>
+              <a:path path="circle">
+                <a:fillToRect l="50000" t="50000" r="50000" b="50000"/>
+              </a:path>
+              <a:tileRect/>
+            </a:gradFill>
+            <a:ln>
+              <a:noFill/>
+            </a:ln>
+            <a:effectLst/>
+          </c:spPr>
+          <c:val>
+            <c:numRef>
+              <c:f>Sheet1!$B$2:$B$26</c:f>
+              <c:numCache>
+                <c:formatCode>General</c:formatCode>
+                <c:ptCount val="25"/>
+                <c:pt idx="0">
+                  <c:v>2</c:v>
+                </c:pt>
+                <c:pt idx="1">
+                  <c:v>3</c:v>
+                </c:pt>
+                <c:pt idx="2">
+                  <c:v>2</c:v>
+                </c:pt>
+                <c:pt idx="3">
+                  <c:v>5</c:v>
+                </c:pt>
+                <c:pt idx="4">
+                  <c:v>5</c:v>
+                </c:pt>
+                <c:pt idx="5">
+                  <c:v>2</c:v>
+                </c:pt>
+                <c:pt idx="6">
+                  <c:v>2</c:v>
+                </c:pt>
+                <c:pt idx="7">
+                  <c:v>4</c:v>
+                </c:pt>
+                <c:pt idx="8">
+                  <c:v>3</c:v>
+                </c:pt>
+                <c:pt idx="9">
+                  <c:v>2</c:v>
+                </c:pt>
+                <c:pt idx="10">
+                  <c:v>5</c:v>
+                </c:pt>
+                <c:pt idx="11">
+                  <c:v>2</c:v>
+                </c:pt>
+                <c:pt idx="12">
+                  <c:v>6</c:v>
+                </c:pt>
+                <c:pt idx="13">
+                  <c:v>2</c:v>
+                </c:pt>
+                <c:pt idx="14">
+                  <c:v>2</c:v>
+                </c:pt>
+                <c:pt idx="15">
+                  <c:v>3</c:v>
+                </c:pt>
+                <c:pt idx="16">
+                  <c:v>4</c:v>
+                </c:pt>
+                <c:pt idx="17">
+                  <c:v>2</c:v>
+                </c:pt>
+                <c:pt idx="18">
+                  <c:v>5</c:v>
+                </c:pt>
+                <c:pt idx="19">
+                  <c:v>4</c:v>
+                </c:pt>
+                <c:pt idx="20">
+                  <c:v>3</c:v>
+                </c:pt>
+                <c:pt idx="21">
+                  <c:v>2</c:v>
+                </c:pt>
+                <c:pt idx="22">
+                  <c:v>4</c:v>
+                </c:pt>
+                <c:pt idx="23">
+                  <c:v>2</c:v>
+                </c:pt>
+                <c:pt idx="24">
+                  <c:v>3</c:v>
+                </c:pt>
+              </c:numCache>
+            </c:numRef>
+          </c:val>
+          <c:extLst>
+            <c:ext xmlns:c16="http://schemas.microsoft.com/office/drawing/2014/chart" uri="{C3380CC4-5D6E-409C-BE32-E72D297353CC}">
+              <c16:uniqueId val="{00000001-1125-4EDF-9BBE-D179C27E926F}"/>
+            </c:ext>
+          </c:extLst>
+        </c:ser>
+        <c:dLbls>
+          <c:showLegendKey val="0"/>
+          <c:showVal val="0"/>
+          <c:showCatName val="0"/>
+          <c:showSerName val="0"/>
+          <c:showPercent val="0"/>
+          <c:showBubbleSize val="0"/>
+        </c:dLbls>
+        <c:axId val="432115416"/>
+        <c:axId val="250243136"/>
+      </c:areaChart>
+      <c:catAx>
+        <c:axId val="432115416"/>
+        <c:scaling>
+          <c:orientation val="minMax"/>
+        </c:scaling>
+        <c:delete val="1"/>
+        <c:axPos val="b"/>
+        <c:numFmt formatCode="General" sourceLinked="1"/>
+        <c:majorTickMark val="out"/>
+        <c:minorTickMark val="none"/>
+        <c:tickLblPos val="nextTo"/>
+        <c:crossAx val="250243136"/>
+        <c:crosses val="autoZero"/>
+        <c:auto val="1"/>
+        <c:lblAlgn val="ctr"/>
+        <c:lblOffset val="100"/>
+        <c:noMultiLvlLbl val="0"/>
+      </c:catAx>
+      <c:valAx>
+        <c:axId val="250243136"/>
+        <c:scaling>
+          <c:orientation val="minMax"/>
+        </c:scaling>
+        <c:delete val="1"/>
+        <c:axPos val="l"/>
+        <c:majorGridlines>
+          <c:spPr>
+            <a:ln w="9525" cap="flat" cmpd="sng" algn="ctr">
+              <a:noFill/>
+              <a:round/>
+            </a:ln>
+            <a:effectLst/>
+          </c:spPr>
+        </c:majorGridlines>
+        <c:numFmt formatCode="General" sourceLinked="1"/>
+        <c:majorTickMark val="none"/>
+        <c:minorTickMark val="none"/>
+        <c:tickLblPos val="nextTo"/>
+        <c:crossAx val="432115416"/>
+        <c:crosses val="autoZero"/>
+        <c:crossBetween val="midCat"/>
+      </c:valAx>
+      <c:spPr>
+        <a:noFill/>
+        <a:ln>
+          <a:noFill/>
+        </a:ln>
+        <a:effectLst/>
+      </c:spPr>
+    </c:plotArea>
+    <c:plotVisOnly val="1"/>
+    <c:dispBlanksAs val="zero"/>
+    <c:showDLblsOverMax val="0"/>
+  </c:chart>
+  <c:spPr>
+    <a:noFill/>
+    <a:ln>
+      <a:noFill/>
+    </a:ln>
+    <a:effectLst/>
+  </c:spPr>
+  <c:txPr>
+    <a:bodyPr/>
+    <a:lstStyle/>
+    <a:p>
+      <a:pPr>
+        <a:defRPr/>
+      </a:pPr>
+      <a:endParaRPr lang="en-US"/>
+    </a:p>
+  </c:txPr>
+  <c:externalData r:id="rId3">
+    <c:autoUpdate val="0"/>
+  </c:externalData>
+</c:chartSpace>
+</file>
+
+<file path=ppt/charts/chart2.xml><?xml version="1.0" encoding="utf-8"?>
+<c:chartSpace xmlns:c="http://schemas.openxmlformats.org/drawingml/2006/chart" xmlns:a="http://schemas.openxmlformats.org/drawingml/2006/main" xmlns:r="http://schemas.openxmlformats.org/officeDocument/2006/relationships" xmlns:c16r2="http://schemas.microsoft.com/office/drawing/2015/06/chart">
+  <c:date1904 val="0"/>
+  <c:lang val="en-US"/>
+  <c:roundedCorners val="0"/>
+  <mc:AlternateContent xmlns:mc="http://schemas.openxmlformats.org/markup-compatibility/2006">
+    <mc:Choice xmlns:c14="http://schemas.microsoft.com/office/drawing/2007/8/2/chart" Requires="c14">
+      <c14:style val="102"/>
+    </mc:Choice>
+    <mc:Fallback>
+      <c:style val="2"/>
+    </mc:Fallback>
+  </mc:AlternateContent>
+  <c:chart>
+    <c:autoTitleDeleted val="0"/>
+    <c:plotArea>
+      <c:layout/>
+      <c:areaChart>
+        <c:grouping val="standard"/>
+        <c:varyColors val="0"/>
+        <c:ser>
+          <c:idx val="0"/>
+          <c:order val="0"/>
+          <c:tx>
+            <c:strRef>
+              <c:f>Sheet1!$A$1</c:f>
+              <c:strCache>
+                <c:ptCount val="1"/>
+                <c:pt idx="0">
+                  <c:v>Impact</c:v>
+                </c:pt>
+              </c:strCache>
+            </c:strRef>
+          </c:tx>
+          <c:spPr>
+            <a:gradFill flip="none" rotWithShape="1">
+              <a:gsLst>
+                <a:gs pos="0">
+                  <a:schemeClr val="accent4">
+                    <a:lumMod val="89000"/>
+                  </a:schemeClr>
+                </a:gs>
+                <a:gs pos="23000">
+                  <a:schemeClr val="accent4">
+                    <a:lumMod val="89000"/>
+                  </a:schemeClr>
+                </a:gs>
+                <a:gs pos="69000">
+                  <a:schemeClr val="accent4">
+                    <a:lumMod val="75000"/>
+                  </a:schemeClr>
+                </a:gs>
+                <a:gs pos="97000">
+                  <a:schemeClr val="accent4">
+                    <a:lumMod val="70000"/>
+                  </a:schemeClr>
+                </a:gs>
+              </a:gsLst>
+              <a:path path="circle">
+                <a:fillToRect l="50000" t="50000" r="50000" b="50000"/>
+              </a:path>
+              <a:tileRect/>
+            </a:gradFill>
+            <a:ln w="25400">
+              <a:noFill/>
+            </a:ln>
+            <a:effectLst/>
+          </c:spPr>
+          <c:val>
+            <c:numRef>
+              <c:f>Sheet1!$A$2:$A$26</c:f>
+              <c:numCache>
+                <c:formatCode>General</c:formatCode>
+                <c:ptCount val="25"/>
+                <c:pt idx="0">
+                  <c:v>5</c:v>
+                </c:pt>
+                <c:pt idx="1">
+                  <c:v>5</c:v>
+                </c:pt>
+                <c:pt idx="2">
+                  <c:v>7</c:v>
+                </c:pt>
+                <c:pt idx="3">
+                  <c:v>9</c:v>
+                </c:pt>
+                <c:pt idx="4">
+                  <c:v>12</c:v>
+                </c:pt>
+                <c:pt idx="5">
+                  <c:v>15</c:v>
+                </c:pt>
+                <c:pt idx="6">
+                  <c:v>16</c:v>
+                </c:pt>
+                <c:pt idx="7">
+                  <c:v>17</c:v>
+                </c:pt>
+                <c:pt idx="8">
+                  <c:v>20</c:v>
+                </c:pt>
+                <c:pt idx="9">
+                  <c:v>23</c:v>
+                </c:pt>
+                <c:pt idx="10">
+                  <c:v>30</c:v>
+                </c:pt>
+                <c:pt idx="11">
+                  <c:v>30</c:v>
+                </c:pt>
+                <c:pt idx="12">
+                  <c:v>30</c:v>
+                </c:pt>
+                <c:pt idx="13">
+                  <c:v>35</c:v>
+                </c:pt>
+                <c:pt idx="14">
+                  <c:v>37</c:v>
+                </c:pt>
+                <c:pt idx="15">
+                  <c:v>45</c:v>
+                </c:pt>
+                <c:pt idx="16">
+                  <c:v>45</c:v>
+                </c:pt>
+                <c:pt idx="17">
+                  <c:v>45</c:v>
+                </c:pt>
+                <c:pt idx="18">
+                  <c:v>50</c:v>
+                </c:pt>
+                <c:pt idx="19">
+                  <c:v>50</c:v>
+                </c:pt>
+                <c:pt idx="20">
+                  <c:v>55</c:v>
+                </c:pt>
+                <c:pt idx="21">
+                  <c:v>55</c:v>
+                </c:pt>
+                <c:pt idx="22">
+                  <c:v>55</c:v>
+                </c:pt>
+                <c:pt idx="23">
+                  <c:v>61</c:v>
+                </c:pt>
+                <c:pt idx="24">
+                  <c:v>64</c:v>
+                </c:pt>
+              </c:numCache>
+            </c:numRef>
+          </c:val>
+          <c:extLst>
+            <c:ext xmlns:c16="http://schemas.microsoft.com/office/drawing/2014/chart" uri="{C3380CC4-5D6E-409C-BE32-E72D297353CC}">
+              <c16:uniqueId val="{00000000-464D-46E5-9B33-38BFAF763627}"/>
+            </c:ext>
+          </c:extLst>
+        </c:ser>
+        <c:ser>
+          <c:idx val="1"/>
+          <c:order val="1"/>
+          <c:tx>
+            <c:strRef>
+              <c:f>Sheet1!$B$1</c:f>
+              <c:strCache>
+                <c:ptCount val="1"/>
+                <c:pt idx="0">
+                  <c:v>Learning</c:v>
+                </c:pt>
+              </c:strCache>
+            </c:strRef>
+          </c:tx>
+          <c:spPr>
+            <a:gradFill flip="none" rotWithShape="1">
+              <a:gsLst>
+                <a:gs pos="0">
+                  <a:schemeClr val="accent6">
+                    <a:lumMod val="89000"/>
+                  </a:schemeClr>
+                </a:gs>
+                <a:gs pos="23000">
+                  <a:schemeClr val="accent6">
+                    <a:lumMod val="89000"/>
+                  </a:schemeClr>
+                </a:gs>
+                <a:gs pos="69000">
+                  <a:schemeClr val="accent6">
+                    <a:lumMod val="75000"/>
+                  </a:schemeClr>
+                </a:gs>
+                <a:gs pos="97000">
+                  <a:schemeClr val="accent6">
+                    <a:lumMod val="70000"/>
+                  </a:schemeClr>
+                </a:gs>
+              </a:gsLst>
+              <a:path path="circle">
+                <a:fillToRect l="50000" t="50000" r="50000" b="50000"/>
+              </a:path>
+              <a:tileRect/>
+            </a:gradFill>
+            <a:ln>
+              <a:noFill/>
+            </a:ln>
+            <a:effectLst/>
+          </c:spPr>
+          <c:val>
+            <c:numRef>
+              <c:f>Sheet1!$B$2:$B$26</c:f>
+              <c:numCache>
+                <c:formatCode>General</c:formatCode>
+                <c:ptCount val="25"/>
+                <c:pt idx="0">
+                  <c:v>0</c:v>
+                </c:pt>
+                <c:pt idx="1">
+                  <c:v>0</c:v>
+                </c:pt>
+                <c:pt idx="2">
+                  <c:v>2</c:v>
+                </c:pt>
+                <c:pt idx="3">
+                  <c:v>4</c:v>
+                </c:pt>
+                <c:pt idx="4">
+                  <c:v>7</c:v>
+                </c:pt>
+                <c:pt idx="5">
+                  <c:v>10</c:v>
+                </c:pt>
+                <c:pt idx="6">
+                  <c:v>11</c:v>
+                </c:pt>
+                <c:pt idx="7">
+                  <c:v>12</c:v>
+                </c:pt>
+                <c:pt idx="8">
+                  <c:v>15</c:v>
+                </c:pt>
+                <c:pt idx="9">
+                  <c:v>18</c:v>
+                </c:pt>
+                <c:pt idx="10">
+                  <c:v>25</c:v>
+                </c:pt>
+                <c:pt idx="11">
+                  <c:v>25</c:v>
+                </c:pt>
+                <c:pt idx="12">
+                  <c:v>25</c:v>
+                </c:pt>
+                <c:pt idx="13">
+                  <c:v>30</c:v>
+                </c:pt>
+                <c:pt idx="14">
+                  <c:v>32</c:v>
+                </c:pt>
+                <c:pt idx="15">
+                  <c:v>40</c:v>
+                </c:pt>
+                <c:pt idx="16">
+                  <c:v>40</c:v>
+                </c:pt>
+                <c:pt idx="17">
+                  <c:v>40</c:v>
+                </c:pt>
+                <c:pt idx="18">
+                  <c:v>45</c:v>
+                </c:pt>
+                <c:pt idx="19">
+                  <c:v>45</c:v>
+                </c:pt>
+                <c:pt idx="20">
+                  <c:v>50</c:v>
+                </c:pt>
+                <c:pt idx="21">
+                  <c:v>50</c:v>
+                </c:pt>
+                <c:pt idx="22">
+                  <c:v>50</c:v>
+                </c:pt>
+                <c:pt idx="23">
+                  <c:v>56</c:v>
+                </c:pt>
+                <c:pt idx="24">
+                  <c:v>59</c:v>
+                </c:pt>
+              </c:numCache>
+            </c:numRef>
+          </c:val>
+          <c:extLst>
+            <c:ext xmlns:c16="http://schemas.microsoft.com/office/drawing/2014/chart" uri="{C3380CC4-5D6E-409C-BE32-E72D297353CC}">
+              <c16:uniqueId val="{00000003-464D-46E5-9B33-38BFAF763627}"/>
+            </c:ext>
+          </c:extLst>
+        </c:ser>
+        <c:dLbls>
+          <c:showLegendKey val="0"/>
+          <c:showVal val="0"/>
+          <c:showCatName val="0"/>
+          <c:showSerName val="0"/>
+          <c:showPercent val="0"/>
+          <c:showBubbleSize val="0"/>
+        </c:dLbls>
+        <c:axId val="432115416"/>
+        <c:axId val="250243136"/>
+      </c:areaChart>
+      <c:catAx>
+        <c:axId val="432115416"/>
+        <c:scaling>
+          <c:orientation val="minMax"/>
+        </c:scaling>
+        <c:delete val="1"/>
+        <c:axPos val="b"/>
+        <c:numFmt formatCode="General" sourceLinked="1"/>
+        <c:majorTickMark val="out"/>
+        <c:minorTickMark val="none"/>
+        <c:tickLblPos val="nextTo"/>
+        <c:crossAx val="250243136"/>
+        <c:crosses val="autoZero"/>
+        <c:auto val="1"/>
+        <c:lblAlgn val="ctr"/>
+        <c:lblOffset val="100"/>
+        <c:noMultiLvlLbl val="0"/>
+      </c:catAx>
+      <c:valAx>
+        <c:axId val="250243136"/>
+        <c:scaling>
+          <c:orientation val="minMax"/>
+        </c:scaling>
+        <c:delete val="1"/>
+        <c:axPos val="l"/>
+        <c:majorGridlines>
+          <c:spPr>
+            <a:ln w="9525" cap="flat" cmpd="sng" algn="ctr">
+              <a:noFill/>
+              <a:round/>
+            </a:ln>
+            <a:effectLst/>
+          </c:spPr>
+        </c:majorGridlines>
+        <c:numFmt formatCode="General" sourceLinked="1"/>
+        <c:majorTickMark val="none"/>
+        <c:minorTickMark val="none"/>
+        <c:tickLblPos val="nextTo"/>
+        <c:crossAx val="432115416"/>
+        <c:crosses val="autoZero"/>
+        <c:crossBetween val="midCat"/>
+      </c:valAx>
+      <c:spPr>
+        <a:noFill/>
+        <a:ln>
+          <a:noFill/>
+        </a:ln>
+        <a:effectLst/>
+      </c:spPr>
+    </c:plotArea>
+    <c:plotVisOnly val="1"/>
+    <c:dispBlanksAs val="zero"/>
+    <c:showDLblsOverMax val="0"/>
+  </c:chart>
+  <c:spPr>
+    <a:noFill/>
+    <a:ln>
+      <a:noFill/>
+    </a:ln>
+    <a:effectLst/>
+  </c:spPr>
+  <c:txPr>
+    <a:bodyPr/>
+    <a:lstStyle/>
+    <a:p>
+      <a:pPr>
+        <a:defRPr/>
+      </a:pPr>
+      <a:endParaRPr lang="en-US"/>
+    </a:p>
+  </c:txPr>
+  <c:externalData r:id="rId3">
+    <c:autoUpdate val="0"/>
+  </c:externalData>
+</c:chartSpace>
+</file>
+
+<file path=ppt/charts/colors1.xml><?xml version="1.0" encoding="utf-8"?>
+<cs:colorStyle xmlns:cs="http://schemas.microsoft.com/office/drawing/2012/chartStyle" xmlns:a="http://schemas.openxmlformats.org/drawingml/2006/main" meth="cycle" id="10">
+  <a:schemeClr val="accent1"/>
+  <a:schemeClr val="accent2"/>
+  <a:schemeClr val="accent3"/>
+  <a:schemeClr val="accent4"/>
+  <a:schemeClr val="accent5"/>
+  <a:schemeClr val="accent6"/>
+  <cs:variation/>
+  <cs:variation>
+    <a:lumMod val="60000"/>
+  </cs:variation>
+  <cs:variation>
+    <a:lumMod val="80000"/>
+    <a:lumOff val="20000"/>
+  </cs:variation>
+  <cs:variation>
+    <a:lumMod val="80000"/>
+  </cs:variation>
+  <cs:variation>
+    <a:lumMod val="60000"/>
+    <a:lumOff val="40000"/>
+  </cs:variation>
+  <cs:variation>
+    <a:lumMod val="50000"/>
+  </cs:variation>
+  <cs:variation>
+    <a:lumMod val="70000"/>
+    <a:lumOff val="30000"/>
+  </cs:variation>
+  <cs:variation>
+    <a:lumMod val="70000"/>
+  </cs:variation>
+  <cs:variation>
+    <a:lumMod val="50000"/>
+    <a:lumOff val="50000"/>
+  </cs:variation>
+</cs:colorStyle>
+</file>
+
+<file path=ppt/charts/colors2.xml><?xml version="1.0" encoding="utf-8"?>
+<cs:colorStyle xmlns:cs="http://schemas.microsoft.com/office/drawing/2012/chartStyle" xmlns:a="http://schemas.openxmlformats.org/drawingml/2006/main" meth="cycle" id="10">
+  <a:schemeClr val="accent1"/>
+  <a:schemeClr val="accent2"/>
+  <a:schemeClr val="accent3"/>
+  <a:schemeClr val="accent4"/>
+  <a:schemeClr val="accent5"/>
+  <a:schemeClr val="accent6"/>
+  <cs:variation/>
+  <cs:variation>
+    <a:lumMod val="60000"/>
+  </cs:variation>
+  <cs:variation>
+    <a:lumMod val="80000"/>
+    <a:lumOff val="20000"/>
+  </cs:variation>
+  <cs:variation>
+    <a:lumMod val="80000"/>
+  </cs:variation>
+  <cs:variation>
+    <a:lumMod val="60000"/>
+    <a:lumOff val="40000"/>
+  </cs:variation>
+  <cs:variation>
+    <a:lumMod val="50000"/>
+  </cs:variation>
+  <cs:variation>
+    <a:lumMod val="70000"/>
+    <a:lumOff val="30000"/>
+  </cs:variation>
+  <cs:variation>
+    <a:lumMod val="70000"/>
+  </cs:variation>
+  <cs:variation>
+    <a:lumMod val="50000"/>
+    <a:lumOff val="50000"/>
+  </cs:variation>
+</cs:colorStyle>
+</file>
+
+<file path=ppt/charts/style1.xml><?xml version="1.0" encoding="utf-8"?>
+<cs:chartStyle xmlns:cs="http://schemas.microsoft.com/office/drawing/2012/chartStyle" xmlns:a="http://schemas.openxmlformats.org/drawingml/2006/main" id="276">
+  <cs:axisTitle>
+    <cs:lnRef idx="0"/>
+    <cs:fillRef idx="0"/>
+    <cs:effectRef idx="0"/>
+    <cs:fontRef idx="minor">
+      <a:schemeClr val="tx1">
+        <a:lumMod val="65000"/>
+        <a:lumOff val="35000"/>
+      </a:schemeClr>
+    </cs:fontRef>
+    <cs:defRPr sz="1330" kern="1200"/>
+  </cs:axisTitle>
+  <cs:categoryAxis>
+    <cs:lnRef idx="0"/>
+    <cs:fillRef idx="0"/>
+    <cs:effectRef idx="0"/>
+    <cs:fontRef idx="minor">
+      <a:schemeClr val="tx1">
+        <a:lumMod val="65000"/>
+        <a:lumOff val="35000"/>
+      </a:schemeClr>
+    </cs:fontRef>
+    <cs:spPr>
+      <a:ln w="9525" cap="flat" cmpd="sng" algn="ctr">
+        <a:solidFill>
+          <a:schemeClr val="tx1">
+            <a:lumMod val="15000"/>
+            <a:lumOff val="85000"/>
+          </a:schemeClr>
+        </a:solidFill>
+        <a:round/>
+      </a:ln>
+    </cs:spPr>
+    <cs:defRPr sz="1197" kern="1200"/>
+  </cs:categoryAxis>
+  <cs:chartArea mods="allowNoFillOverride allowNoLineOverride">
+    <cs:lnRef idx="0"/>
+    <cs:fillRef idx="0"/>
+    <cs:effectRef idx="0"/>
+    <cs:fontRef idx="minor">
+      <a:schemeClr val="tx1"/>
+    </cs:fontRef>
+    <cs:spPr>
+      <a:solidFill>
+        <a:schemeClr val="bg1"/>
+      </a:solidFill>
+      <a:ln w="9525" cap="flat" cmpd="sng" algn="ctr">
+        <a:solidFill>
+          <a:schemeClr val="tx1">
+            <a:lumMod val="15000"/>
+            <a:lumOff val="85000"/>
+          </a:schemeClr>
+        </a:solidFill>
+        <a:round/>
+      </a:ln>
+    </cs:spPr>
+    <cs:defRPr sz="1330" kern="1200"/>
+  </cs:chartArea>
+  <cs:dataLabel>
+    <cs:lnRef idx="0"/>
+    <cs:fillRef idx="0"/>
+    <cs:effectRef idx="0"/>
+    <cs:fontRef idx="minor">
+      <a:schemeClr val="tx1">
+        <a:lumMod val="75000"/>
+        <a:lumOff val="25000"/>
+      </a:schemeClr>
+    </cs:fontRef>
+    <cs:defRPr sz="1197" kern="1200"/>
+  </cs:dataLabel>
+  <cs:dataLabelCallout>
+    <cs:lnRef idx="0"/>
+    <cs:fillRef idx="0"/>
+    <cs:effectRef idx="0"/>
+    <cs:fontRef idx="minor">
+      <a:schemeClr val="dk1">
+        <a:lumMod val="65000"/>
+        <a:lumOff val="35000"/>
+      </a:schemeClr>
+    </cs:fontRef>
+    <cs:spPr>
+      <a:solidFill>
+        <a:schemeClr val="lt1"/>
+      </a:solidFill>
+      <a:ln>
+        <a:solidFill>
+          <a:schemeClr val="dk1">
+            <a:lumMod val="25000"/>
+            <a:lumOff val="75000"/>
+          </a:schemeClr>
+        </a:solidFill>
+      </a:ln>
+    </cs:spPr>
+    <cs:defRPr sz="1197" kern="1200"/>
+    <cs:bodyPr rot="0" spcFirstLastPara="1" vertOverflow="clip" horzOverflow="clip" vert="horz" wrap="square" lIns="36576" tIns="18288" rIns="36576" bIns="18288" anchor="ctr" anchorCtr="1">
+      <a:spAutoFit/>
+    </cs:bodyPr>
+  </cs:dataLabelCallout>
+  <cs:dataPoint>
+    <cs:lnRef idx="0"/>
+    <cs:fillRef idx="1">
+      <cs:styleClr val="auto"/>
+    </cs:fillRef>
+    <cs:effectRef idx="0"/>
+    <cs:fontRef idx="minor">
+      <a:schemeClr val="tx1"/>
+    </cs:fontRef>
+  </cs:dataPoint>
+  <cs:dataPoint3D>
+    <cs:lnRef idx="0"/>
+    <cs:fillRef idx="1">
+      <cs:styleClr val="auto"/>
+    </cs:fillRef>
+    <cs:effectRef idx="0"/>
+    <cs:fontRef idx="minor">
+      <a:schemeClr val="tx1"/>
+    </cs:fontRef>
+  </cs:dataPoint3D>
+  <cs:dataPointLine>
+    <cs:lnRef idx="0">
+      <cs:styleClr val="auto"/>
+    </cs:lnRef>
+    <cs:fillRef idx="1"/>
+    <cs:effectRef idx="0"/>
+    <cs:fontRef idx="minor">
+      <a:schemeClr val="tx1"/>
+    </cs:fontRef>
+    <cs:spPr>
+      <a:ln w="28575" cap="rnd">
+        <a:solidFill>
+          <a:schemeClr val="phClr"/>
+        </a:solidFill>
+        <a:round/>
+      </a:ln>
+    </cs:spPr>
+  </cs:dataPointLine>
+  <cs:dataPointMarker>
+    <cs:lnRef idx="0">
+      <cs:styleClr val="auto"/>
+    </cs:lnRef>
+    <cs:fillRef idx="1">
+      <cs:styleClr val="auto"/>
+    </cs:fillRef>
+    <cs:effectRef idx="0"/>
+    <cs:fontRef idx="minor">
+      <a:schemeClr val="tx1"/>
+    </cs:fontRef>
+    <cs:spPr>
+      <a:ln w="9525">
+        <a:solidFill>
+          <a:schemeClr val="phClr"/>
+        </a:solidFill>
+      </a:ln>
+    </cs:spPr>
+  </cs:dataPointMarker>
+  <cs:dataPointMarkerLayout symbol="circle" size="5"/>
+  <cs:dataPointWireframe>
+    <cs:lnRef idx="0">
+      <cs:styleClr val="auto"/>
+    </cs:lnRef>
+    <cs:fillRef idx="1"/>
+    <cs:effectRef idx="0"/>
+    <cs:fontRef idx="minor">
+      <a:schemeClr val="tx1"/>
+    </cs:fontRef>
+    <cs:spPr>
+      <a:ln w="9525" cap="rnd">
+        <a:solidFill>
+          <a:schemeClr val="phClr"/>
+        </a:solidFill>
+        <a:round/>
+      </a:ln>
+    </cs:spPr>
+  </cs:dataPointWireframe>
+  <cs:dataTable>
+    <cs:lnRef idx="0"/>
+    <cs:fillRef idx="0"/>
+    <cs:effectRef idx="0"/>
+    <cs:fontRef idx="minor">
+      <a:schemeClr val="tx1">
+        <a:lumMod val="65000"/>
+        <a:lumOff val="35000"/>
+      </a:schemeClr>
+    </cs:fontRef>
+    <cs:spPr>
+      <a:noFill/>
+      <a:ln w="9525" cap="flat" cmpd="sng" algn="ctr">
+        <a:solidFill>
+          <a:schemeClr val="tx1">
+            <a:lumMod val="15000"/>
+            <a:lumOff val="85000"/>
+          </a:schemeClr>
+        </a:solidFill>
+        <a:round/>
+      </a:ln>
+    </cs:spPr>
+    <cs:defRPr sz="1197" kern="1200"/>
+  </cs:dataTable>
+  <cs:downBar>
+    <cs:lnRef idx="0"/>
+    <cs:fillRef idx="0"/>
+    <cs:effectRef idx="0"/>
+    <cs:fontRef idx="minor">
+      <a:schemeClr val="tx1"/>
+    </cs:fontRef>
+    <cs:spPr>
+      <a:solidFill>
+        <a:schemeClr val="dk1">
+          <a:lumMod val="75000"/>
+          <a:lumOff val="25000"/>
+        </a:schemeClr>
+      </a:solidFill>
+      <a:ln w="9525" cap="flat" cmpd="sng" algn="ctr">
+        <a:solidFill>
+          <a:schemeClr val="tx1">
+            <a:lumMod val="65000"/>
+            <a:lumOff val="35000"/>
+          </a:schemeClr>
+        </a:solidFill>
+        <a:round/>
+      </a:ln>
+    </cs:spPr>
+  </cs:downBar>
+  <cs:dropLine>
+    <cs:lnRef idx="0"/>
+    <cs:fillRef idx="0"/>
+    <cs:effectRef idx="0"/>
+    <cs:fontRef idx="minor">
+      <a:schemeClr val="tx1"/>
+    </cs:fontRef>
+    <cs:spPr>
+      <a:ln w="9525" cap="flat" cmpd="sng" algn="ctr">
+        <a:solidFill>
+          <a:schemeClr val="tx1">
+            <a:lumMod val="35000"/>
+            <a:lumOff val="65000"/>
+          </a:schemeClr>
+        </a:solidFill>
+        <a:round/>
+      </a:ln>
+    </cs:spPr>
+  </cs:dropLine>
+  <cs:errorBar>
+    <cs:lnRef idx="0"/>
+    <cs:fillRef idx="0"/>
+    <cs:effectRef idx="0"/>
+    <cs:fontRef idx="minor">
+      <a:schemeClr val="tx1"/>
+    </cs:fontRef>
+    <cs:spPr>
+      <a:ln w="9525" cap="flat" cmpd="sng" algn="ctr">
+        <a:solidFill>
+          <a:schemeClr val="tx1">
+            <a:lumMod val="65000"/>
+            <a:lumOff val="35000"/>
+          </a:schemeClr>
+        </a:solidFill>
+        <a:round/>
+      </a:ln>
+    </cs:spPr>
+  </cs:errorBar>
+  <cs:floor>
+    <cs:lnRef idx="0"/>
+    <cs:fillRef idx="0"/>
+    <cs:effectRef idx="0"/>
+    <cs:fontRef idx="minor">
+      <a:schemeClr val="tx1"/>
+    </cs:fontRef>
+    <cs:spPr>
+      <a:ln w="9525" cap="flat" cmpd="sng" algn="ctr">
+        <a:solidFill>
+          <a:schemeClr val="tx1">
+            <a:lumMod val="15000"/>
+            <a:lumOff val="85000"/>
+          </a:schemeClr>
+        </a:solidFill>
+        <a:round/>
+      </a:ln>
+    </cs:spPr>
+  </cs:floor>
+  <cs:gridlineMajor>
+    <cs:lnRef idx="0"/>
+    <cs:fillRef idx="0"/>
+    <cs:effectRef idx="0"/>
+    <cs:fontRef idx="minor">
+      <a:schemeClr val="tx1"/>
+    </cs:fontRef>
+    <cs:spPr>
+      <a:ln w="9525" cap="flat" cmpd="sng" algn="ctr">
+        <a:solidFill>
+          <a:schemeClr val="tx1">
+            <a:lumMod val="15000"/>
+            <a:lumOff val="85000"/>
+          </a:schemeClr>
+        </a:solidFill>
+        <a:round/>
+      </a:ln>
+    </cs:spPr>
+  </cs:gridlineMajor>
+  <cs:gridlineMinor>
+    <cs:lnRef idx="0"/>
+    <cs:fillRef idx="0"/>
+    <cs:effectRef idx="0"/>
+    <cs:fontRef idx="minor">
+      <a:schemeClr val="tx1"/>
+    </cs:fontRef>
+    <cs:spPr>
+      <a:ln w="9525" cap="flat" cmpd="sng" algn="ctr">
+        <a:solidFill>
+          <a:schemeClr val="tx1">
+            <a:lumMod val="5000"/>
+            <a:lumOff val="95000"/>
+          </a:schemeClr>
+        </a:solidFill>
+        <a:round/>
+      </a:ln>
+    </cs:spPr>
+  </cs:gridlineMinor>
+  <cs:hiLoLine>
+    <cs:lnRef idx="0"/>
+    <cs:fillRef idx="0"/>
+    <cs:effectRef idx="0"/>
+    <cs:fontRef idx="minor">
+      <a:schemeClr val="tx1"/>
+    </cs:fontRef>
+    <cs:spPr>
+      <a:ln w="9525" cap="flat" cmpd="sng" algn="ctr">
+        <a:solidFill>
+          <a:schemeClr val="tx1">
+            <a:lumMod val="50000"/>
+            <a:lumOff val="50000"/>
+          </a:schemeClr>
+        </a:solidFill>
+        <a:round/>
+      </a:ln>
+    </cs:spPr>
+  </cs:hiLoLine>
+  <cs:leaderLine>
+    <cs:lnRef idx="0"/>
+    <cs:fillRef idx="0"/>
+    <cs:effectRef idx="0"/>
+    <cs:fontRef idx="minor">
+      <a:schemeClr val="tx1"/>
+    </cs:fontRef>
+    <cs:spPr>
+      <a:ln w="9525" cap="flat" cmpd="sng" algn="ctr">
+        <a:solidFill>
+          <a:schemeClr val="tx1">
+            <a:lumMod val="35000"/>
+            <a:lumOff val="65000"/>
+          </a:schemeClr>
+        </a:solidFill>
+        <a:round/>
+      </a:ln>
+    </cs:spPr>
+  </cs:leaderLine>
+  <cs:legend>
+    <cs:lnRef idx="0"/>
+    <cs:fillRef idx="0"/>
+    <cs:effectRef idx="0"/>
+    <cs:fontRef idx="minor">
+      <a:schemeClr val="tx1">
+        <a:lumMod val="65000"/>
+        <a:lumOff val="35000"/>
+      </a:schemeClr>
+    </cs:fontRef>
+    <cs:defRPr sz="1197" kern="1200"/>
+  </cs:legend>
+  <cs:plotArea mods="allowNoFillOverride allowNoLineOverride">
+    <cs:lnRef idx="0"/>
+    <cs:fillRef idx="0"/>
+    <cs:effectRef idx="0"/>
+    <cs:fontRef idx="minor">
+      <a:schemeClr val="tx1"/>
+    </cs:fontRef>
+  </cs:plotArea>
+  <cs:plotArea3D mods="allowNoFillOverride allowNoLineOverride">
+    <cs:lnRef idx="0"/>
+    <cs:fillRef idx="0"/>
+    <cs:effectRef idx="0"/>
+    <cs:fontRef idx="minor">
+      <a:schemeClr val="tx1"/>
+    </cs:fontRef>
+  </cs:plotArea3D>
+  <cs:seriesAxis>
+    <cs:lnRef idx="0"/>
+    <cs:fillRef idx="0"/>
+    <cs:effectRef idx="0"/>
+    <cs:fontRef idx="minor">
+      <a:schemeClr val="tx1">
+        <a:lumMod val="65000"/>
+        <a:lumOff val="35000"/>
+      </a:schemeClr>
+    </cs:fontRef>
+    <cs:spPr>
+      <a:ln w="9525" cap="flat" cmpd="sng" algn="ctr">
+        <a:solidFill>
+          <a:schemeClr val="tx1">
+            <a:lumMod val="15000"/>
+            <a:lumOff val="85000"/>
+          </a:schemeClr>
+        </a:solidFill>
+        <a:round/>
+      </a:ln>
+    </cs:spPr>
+    <cs:defRPr sz="1197" kern="1200"/>
+  </cs:seriesAxis>
+  <cs:seriesLine>
+    <cs:lnRef idx="0"/>
+    <cs:fillRef idx="0"/>
+    <cs:effectRef idx="0"/>
+    <cs:fontRef idx="minor">
+      <a:schemeClr val="tx1"/>
+    </cs:fontRef>
+    <cs:spPr>
+      <a:ln w="9525" cap="flat" cmpd="sng" algn="ctr">
+        <a:solidFill>
+          <a:schemeClr val="tx1">
+            <a:lumMod val="35000"/>
+            <a:lumOff val="65000"/>
+          </a:schemeClr>
+        </a:solidFill>
+        <a:round/>
+      </a:ln>
+    </cs:spPr>
+  </cs:seriesLine>
+  <cs:title>
+    <cs:lnRef idx="0"/>
+    <cs:fillRef idx="0"/>
+    <cs:effectRef idx="0"/>
+    <cs:fontRef idx="minor">
+      <a:schemeClr val="tx1">
+        <a:lumMod val="65000"/>
+        <a:lumOff val="35000"/>
+      </a:schemeClr>
+    </cs:fontRef>
+    <cs:defRPr sz="1862" b="0" kern="1200" spc="0" baseline="0"/>
+  </cs:title>
+  <cs:trendline>
+    <cs:lnRef idx="0">
+      <cs:styleClr val="auto"/>
+    </cs:lnRef>
+    <cs:fillRef idx="0"/>
+    <cs:effectRef idx="0"/>
+    <cs:fontRef idx="minor">
+      <a:schemeClr val="tx1"/>
+    </cs:fontRef>
+    <cs:spPr>
+      <a:ln w="19050" cap="rnd">
+        <a:solidFill>
+          <a:schemeClr val="phClr"/>
+        </a:solidFill>
+        <a:prstDash val="sysDot"/>
+      </a:ln>
+    </cs:spPr>
+  </cs:trendline>
+  <cs:trendlineLabel>
+    <cs:lnRef idx="0"/>
+    <cs:fillRef idx="0"/>
+    <cs:effectRef idx="0"/>
+    <cs:fontRef idx="minor">
+      <a:schemeClr val="tx1">
+        <a:lumMod val="65000"/>
+        <a:lumOff val="35000"/>
+      </a:schemeClr>
+    </cs:fontRef>
+    <cs:defRPr sz="1197" kern="1200"/>
+  </cs:trendlineLabel>
+  <cs:upBar>
+    <cs:lnRef idx="0"/>
+    <cs:fillRef idx="0"/>
+    <cs:effectRef idx="0"/>
+    <cs:fontRef idx="minor">
+      <a:schemeClr val="tx1"/>
+    </cs:fontRef>
+    <cs:spPr>
+      <a:solidFill>
+        <a:schemeClr val="lt1"/>
+      </a:solidFill>
+      <a:ln w="9525" cap="flat" cmpd="sng" algn="ctr">
+        <a:solidFill>
+          <a:schemeClr val="tx1">
+            <a:lumMod val="65000"/>
+            <a:lumOff val="35000"/>
+          </a:schemeClr>
+        </a:solidFill>
+        <a:round/>
+      </a:ln>
+    </cs:spPr>
+  </cs:upBar>
+  <cs:valueAxis>
+    <cs:lnRef idx="0"/>
+    <cs:fillRef idx="0"/>
+    <cs:effectRef idx="0"/>
+    <cs:fontRef idx="minor">
+      <a:schemeClr val="tx1">
+        <a:lumMod val="65000"/>
+        <a:lumOff val="35000"/>
+      </a:schemeClr>
+    </cs:fontRef>
+    <cs:defRPr sz="1197" kern="1200"/>
+  </cs:valueAxis>
+  <cs:wall>
+    <cs:lnRef idx="0"/>
+    <cs:fillRef idx="0"/>
+    <cs:effectRef idx="0"/>
+    <cs:fontRef idx="minor">
+      <a:schemeClr val="tx1"/>
+    </cs:fontRef>
+    <cs:spPr>
+      <a:noFill/>
+      <a:ln>
+        <a:noFill/>
+      </a:ln>
+    </cs:spPr>
+  </cs:wall>
+</cs:chartStyle>
+</file>
+
+<file path=ppt/charts/style2.xml><?xml version="1.0" encoding="utf-8"?>
+<cs:chartStyle xmlns:cs="http://schemas.microsoft.com/office/drawing/2012/chartStyle" xmlns:a="http://schemas.openxmlformats.org/drawingml/2006/main" id="276">
+  <cs:axisTitle>
+    <cs:lnRef idx="0"/>
+    <cs:fillRef idx="0"/>
+    <cs:effectRef idx="0"/>
+    <cs:fontRef idx="minor">
+      <a:schemeClr val="tx1">
+        <a:lumMod val="65000"/>
+        <a:lumOff val="35000"/>
+      </a:schemeClr>
+    </cs:fontRef>
+    <cs:defRPr sz="1330" kern="1200"/>
+  </cs:axisTitle>
+  <cs:categoryAxis>
+    <cs:lnRef idx="0"/>
+    <cs:fillRef idx="0"/>
+    <cs:effectRef idx="0"/>
+    <cs:fontRef idx="minor">
+      <a:schemeClr val="tx1">
+        <a:lumMod val="65000"/>
+        <a:lumOff val="35000"/>
+      </a:schemeClr>
+    </cs:fontRef>
+    <cs:spPr>
+      <a:ln w="9525" cap="flat" cmpd="sng" algn="ctr">
+        <a:solidFill>
+          <a:schemeClr val="tx1">
+            <a:lumMod val="15000"/>
+            <a:lumOff val="85000"/>
+          </a:schemeClr>
+        </a:solidFill>
+        <a:round/>
+      </a:ln>
+    </cs:spPr>
+    <cs:defRPr sz="1197" kern="1200"/>
+  </cs:categoryAxis>
+  <cs:chartArea mods="allowNoFillOverride allowNoLineOverride">
+    <cs:lnRef idx="0"/>
+    <cs:fillRef idx="0"/>
+    <cs:effectRef idx="0"/>
+    <cs:fontRef idx="minor">
+      <a:schemeClr val="tx1"/>
+    </cs:fontRef>
+    <cs:spPr>
+      <a:solidFill>
+        <a:schemeClr val="bg1"/>
+      </a:solidFill>
+      <a:ln w="9525" cap="flat" cmpd="sng" algn="ctr">
+        <a:solidFill>
+          <a:schemeClr val="tx1">
+            <a:lumMod val="15000"/>
+            <a:lumOff val="85000"/>
+          </a:schemeClr>
+        </a:solidFill>
+        <a:round/>
+      </a:ln>
+    </cs:spPr>
+    <cs:defRPr sz="1330" kern="1200"/>
+  </cs:chartArea>
+  <cs:dataLabel>
+    <cs:lnRef idx="0"/>
+    <cs:fillRef idx="0"/>
+    <cs:effectRef idx="0"/>
+    <cs:fontRef idx="minor">
+      <a:schemeClr val="tx1">
+        <a:lumMod val="75000"/>
+        <a:lumOff val="25000"/>
+      </a:schemeClr>
+    </cs:fontRef>
+    <cs:defRPr sz="1197" kern="1200"/>
+  </cs:dataLabel>
+  <cs:dataLabelCallout>
+    <cs:lnRef idx="0"/>
+    <cs:fillRef idx="0"/>
+    <cs:effectRef idx="0"/>
+    <cs:fontRef idx="minor">
+      <a:schemeClr val="dk1">
+        <a:lumMod val="65000"/>
+        <a:lumOff val="35000"/>
+      </a:schemeClr>
+    </cs:fontRef>
+    <cs:spPr>
+      <a:solidFill>
+        <a:schemeClr val="lt1"/>
+      </a:solidFill>
+      <a:ln>
+        <a:solidFill>
+          <a:schemeClr val="dk1">
+            <a:lumMod val="25000"/>
+            <a:lumOff val="75000"/>
+          </a:schemeClr>
+        </a:solidFill>
+      </a:ln>
+    </cs:spPr>
+    <cs:defRPr sz="1197" kern="1200"/>
+    <cs:bodyPr rot="0" spcFirstLastPara="1" vertOverflow="clip" horzOverflow="clip" vert="horz" wrap="square" lIns="36576" tIns="18288" rIns="36576" bIns="18288" anchor="ctr" anchorCtr="1">
+      <a:spAutoFit/>
+    </cs:bodyPr>
+  </cs:dataLabelCallout>
+  <cs:dataPoint>
+    <cs:lnRef idx="0"/>
+    <cs:fillRef idx="1">
+      <cs:styleClr val="auto"/>
+    </cs:fillRef>
+    <cs:effectRef idx="0"/>
+    <cs:fontRef idx="minor">
+      <a:schemeClr val="tx1"/>
+    </cs:fontRef>
+  </cs:dataPoint>
+  <cs:dataPoint3D>
+    <cs:lnRef idx="0"/>
+    <cs:fillRef idx="1">
+      <cs:styleClr val="auto"/>
+    </cs:fillRef>
+    <cs:effectRef idx="0"/>
+    <cs:fontRef idx="minor">
+      <a:schemeClr val="tx1"/>
+    </cs:fontRef>
+  </cs:dataPoint3D>
+  <cs:dataPointLine>
+    <cs:lnRef idx="0">
+      <cs:styleClr val="auto"/>
+    </cs:lnRef>
+    <cs:fillRef idx="1"/>
+    <cs:effectRef idx="0"/>
+    <cs:fontRef idx="minor">
+      <a:schemeClr val="tx1"/>
+    </cs:fontRef>
+    <cs:spPr>
+      <a:ln w="28575" cap="rnd">
+        <a:solidFill>
+          <a:schemeClr val="phClr"/>
+        </a:solidFill>
+        <a:round/>
+      </a:ln>
+    </cs:spPr>
+  </cs:dataPointLine>
+  <cs:dataPointMarker>
+    <cs:lnRef idx="0">
+      <cs:styleClr val="auto"/>
+    </cs:lnRef>
+    <cs:fillRef idx="1">
+      <cs:styleClr val="auto"/>
+    </cs:fillRef>
+    <cs:effectRef idx="0"/>
+    <cs:fontRef idx="minor">
+      <a:schemeClr val="tx1"/>
+    </cs:fontRef>
+    <cs:spPr>
+      <a:ln w="9525">
+        <a:solidFill>
+          <a:schemeClr val="phClr"/>
+        </a:solidFill>
+      </a:ln>
+    </cs:spPr>
+  </cs:dataPointMarker>
+  <cs:dataPointMarkerLayout symbol="circle" size="5"/>
+  <cs:dataPointWireframe>
+    <cs:lnRef idx="0">
+      <cs:styleClr val="auto"/>
+    </cs:lnRef>
+    <cs:fillRef idx="1"/>
+    <cs:effectRef idx="0"/>
+    <cs:fontRef idx="minor">
+      <a:schemeClr val="tx1"/>
+    </cs:fontRef>
+    <cs:spPr>
+      <a:ln w="9525" cap="rnd">
+        <a:solidFill>
+          <a:schemeClr val="phClr"/>
+        </a:solidFill>
+        <a:round/>
+      </a:ln>
+    </cs:spPr>
+  </cs:dataPointWireframe>
+  <cs:dataTable>
+    <cs:lnRef idx="0"/>
+    <cs:fillRef idx="0"/>
+    <cs:effectRef idx="0"/>
+    <cs:fontRef idx="minor">
+      <a:schemeClr val="tx1">
+        <a:lumMod val="65000"/>
+        <a:lumOff val="35000"/>
+      </a:schemeClr>
+    </cs:fontRef>
+    <cs:spPr>
+      <a:noFill/>
+      <a:ln w="9525" cap="flat" cmpd="sng" algn="ctr">
+        <a:solidFill>
+          <a:schemeClr val="tx1">
+            <a:lumMod val="15000"/>
+            <a:lumOff val="85000"/>
+          </a:schemeClr>
+        </a:solidFill>
+        <a:round/>
+      </a:ln>
+    </cs:spPr>
+    <cs:defRPr sz="1197" kern="1200"/>
+  </cs:dataTable>
+  <cs:downBar>
+    <cs:lnRef idx="0"/>
+    <cs:fillRef idx="0"/>
+    <cs:effectRef idx="0"/>
+    <cs:fontRef idx="minor">
+      <a:schemeClr val="tx1"/>
+    </cs:fontRef>
+    <cs:spPr>
+      <a:solidFill>
+        <a:schemeClr val="dk1">
+          <a:lumMod val="75000"/>
+          <a:lumOff val="25000"/>
+        </a:schemeClr>
+      </a:solidFill>
+      <a:ln w="9525" cap="flat" cmpd="sng" algn="ctr">
+        <a:solidFill>
+          <a:schemeClr val="tx1">
+            <a:lumMod val="65000"/>
+            <a:lumOff val="35000"/>
+          </a:schemeClr>
+        </a:solidFill>
+        <a:round/>
+      </a:ln>
+    </cs:spPr>
+  </cs:downBar>
+  <cs:dropLine>
+    <cs:lnRef idx="0"/>
+    <cs:fillRef idx="0"/>
+    <cs:effectRef idx="0"/>
+    <cs:fontRef idx="minor">
+      <a:schemeClr val="tx1"/>
+    </cs:fontRef>
+    <cs:spPr>
+      <a:ln w="9525" cap="flat" cmpd="sng" algn="ctr">
+        <a:solidFill>
+          <a:schemeClr val="tx1">
+            <a:lumMod val="35000"/>
+            <a:lumOff val="65000"/>
+          </a:schemeClr>
+        </a:solidFill>
+        <a:round/>
+      </a:ln>
+    </cs:spPr>
+  </cs:dropLine>
+  <cs:errorBar>
+    <cs:lnRef idx="0"/>
+    <cs:fillRef idx="0"/>
+    <cs:effectRef idx="0"/>
+    <cs:fontRef idx="minor">
+      <a:schemeClr val="tx1"/>
+    </cs:fontRef>
+    <cs:spPr>
+      <a:ln w="9525" cap="flat" cmpd="sng" algn="ctr">
+        <a:solidFill>
+          <a:schemeClr val="tx1">
+            <a:lumMod val="65000"/>
+            <a:lumOff val="35000"/>
+          </a:schemeClr>
+        </a:solidFill>
+        <a:round/>
+      </a:ln>
+    </cs:spPr>
+  </cs:errorBar>
+  <cs:floor>
+    <cs:lnRef idx="0"/>
+    <cs:fillRef idx="0"/>
+    <cs:effectRef idx="0"/>
+    <cs:fontRef idx="minor">
+      <a:schemeClr val="tx1"/>
+    </cs:fontRef>
+    <cs:spPr>
+      <a:ln w="9525" cap="flat" cmpd="sng" algn="ctr">
+        <a:solidFill>
+          <a:schemeClr val="tx1">
+            <a:lumMod val="15000"/>
+            <a:lumOff val="85000"/>
+          </a:schemeClr>
+        </a:solidFill>
+        <a:round/>
+      </a:ln>
+    </cs:spPr>
+  </cs:floor>
+  <cs:gridlineMajor>
+    <cs:lnRef idx="0"/>
+    <cs:fillRef idx="0"/>
+    <cs:effectRef idx="0"/>
+    <cs:fontRef idx="minor">
+      <a:schemeClr val="tx1"/>
+    </cs:fontRef>
+    <cs:spPr>
+      <a:ln w="9525" cap="flat" cmpd="sng" algn="ctr">
+        <a:solidFill>
+          <a:schemeClr val="tx1">
+            <a:lumMod val="15000"/>
+            <a:lumOff val="85000"/>
+          </a:schemeClr>
+        </a:solidFill>
+        <a:round/>
+      </a:ln>
+    </cs:spPr>
+  </cs:gridlineMajor>
+  <cs:gridlineMinor>
+    <cs:lnRef idx="0"/>
+    <cs:fillRef idx="0"/>
+    <cs:effectRef idx="0"/>
+    <cs:fontRef idx="minor">
+      <a:schemeClr val="tx1"/>
+    </cs:fontRef>
+    <cs:spPr>
+      <a:ln w="9525" cap="flat" cmpd="sng" algn="ctr">
+        <a:solidFill>
+          <a:schemeClr val="tx1">
+            <a:lumMod val="5000"/>
+            <a:lumOff val="95000"/>
+          </a:schemeClr>
+        </a:solidFill>
+        <a:round/>
+      </a:ln>
+    </cs:spPr>
+  </cs:gridlineMinor>
+  <cs:hiLoLine>
+    <cs:lnRef idx="0"/>
+    <cs:fillRef idx="0"/>
+    <cs:effectRef idx="0"/>
+    <cs:fontRef idx="minor">
+      <a:schemeClr val="tx1"/>
+    </cs:fontRef>
+    <cs:spPr>
+      <a:ln w="9525" cap="flat" cmpd="sng" algn="ctr">
+        <a:solidFill>
+          <a:schemeClr val="tx1">
+            <a:lumMod val="50000"/>
+            <a:lumOff val="50000"/>
+          </a:schemeClr>
+        </a:solidFill>
+        <a:round/>
+      </a:ln>
+    </cs:spPr>
+  </cs:hiLoLine>
+  <cs:leaderLine>
+    <cs:lnRef idx="0"/>
+    <cs:fillRef idx="0"/>
+    <cs:effectRef idx="0"/>
+    <cs:fontRef idx="minor">
+      <a:schemeClr val="tx1"/>
+    </cs:fontRef>
+    <cs:spPr>
+      <a:ln w="9525" cap="flat" cmpd="sng" algn="ctr">
+        <a:solidFill>
+          <a:schemeClr val="tx1">
+            <a:lumMod val="35000"/>
+            <a:lumOff val="65000"/>
+          </a:schemeClr>
+        </a:solidFill>
+        <a:round/>
+      </a:ln>
+    </cs:spPr>
+  </cs:leaderLine>
+  <cs:legend>
+    <cs:lnRef idx="0"/>
+    <cs:fillRef idx="0"/>
+    <cs:effectRef idx="0"/>
+    <cs:fontRef idx="minor">
+      <a:schemeClr val="tx1">
+        <a:lumMod val="65000"/>
+        <a:lumOff val="35000"/>
+      </a:schemeClr>
+    </cs:fontRef>
+    <cs:defRPr sz="1197" kern="1200"/>
+  </cs:legend>
+  <cs:plotArea mods="allowNoFillOverride allowNoLineOverride">
+    <cs:lnRef idx="0"/>
+    <cs:fillRef idx="0"/>
+    <cs:effectRef idx="0"/>
+    <cs:fontRef idx="minor">
+      <a:schemeClr val="tx1"/>
+    </cs:fontRef>
+  </cs:plotArea>
+  <cs:plotArea3D mods="allowNoFillOverride allowNoLineOverride">
+    <cs:lnRef idx="0"/>
+    <cs:fillRef idx="0"/>
+    <cs:effectRef idx="0"/>
+    <cs:fontRef idx="minor">
+      <a:schemeClr val="tx1"/>
+    </cs:fontRef>
+  </cs:plotArea3D>
+  <cs:seriesAxis>
+    <cs:lnRef idx="0"/>
+    <cs:fillRef idx="0"/>
+    <cs:effectRef idx="0"/>
+    <cs:fontRef idx="minor">
+      <a:schemeClr val="tx1">
+        <a:lumMod val="65000"/>
+        <a:lumOff val="35000"/>
+      </a:schemeClr>
+    </cs:fontRef>
+    <cs:spPr>
+      <a:ln w="9525" cap="flat" cmpd="sng" algn="ctr">
+        <a:solidFill>
+          <a:schemeClr val="tx1">
+            <a:lumMod val="15000"/>
+            <a:lumOff val="85000"/>
+          </a:schemeClr>
+        </a:solidFill>
+        <a:round/>
+      </a:ln>
+    </cs:spPr>
+    <cs:defRPr sz="1197" kern="1200"/>
+  </cs:seriesAxis>
+  <cs:seriesLine>
+    <cs:lnRef idx="0"/>
+    <cs:fillRef idx="0"/>
+    <cs:effectRef idx="0"/>
+    <cs:fontRef idx="minor">
+      <a:schemeClr val="tx1"/>
+    </cs:fontRef>
+    <cs:spPr>
+      <a:ln w="9525" cap="flat" cmpd="sng" algn="ctr">
+        <a:solidFill>
+          <a:schemeClr val="tx1">
+            <a:lumMod val="35000"/>
+            <a:lumOff val="65000"/>
+          </a:schemeClr>
+        </a:solidFill>
+        <a:round/>
+      </a:ln>
+    </cs:spPr>
+  </cs:seriesLine>
+  <cs:title>
+    <cs:lnRef idx="0"/>
+    <cs:fillRef idx="0"/>
+    <cs:effectRef idx="0"/>
+    <cs:fontRef idx="minor">
+      <a:schemeClr val="tx1">
+        <a:lumMod val="65000"/>
+        <a:lumOff val="35000"/>
+      </a:schemeClr>
+    </cs:fontRef>
+    <cs:defRPr sz="1862" b="0" kern="1200" spc="0" baseline="0"/>
+  </cs:title>
+  <cs:trendline>
+    <cs:lnRef idx="0">
+      <cs:styleClr val="auto"/>
+    </cs:lnRef>
+    <cs:fillRef idx="0"/>
+    <cs:effectRef idx="0"/>
+    <cs:fontRef idx="minor">
+      <a:schemeClr val="tx1"/>
+    </cs:fontRef>
+    <cs:spPr>
+      <a:ln w="19050" cap="rnd">
+        <a:solidFill>
+          <a:schemeClr val="phClr"/>
+        </a:solidFill>
+        <a:prstDash val="sysDot"/>
+      </a:ln>
+    </cs:spPr>
+  </cs:trendline>
+  <cs:trendlineLabel>
+    <cs:lnRef idx="0"/>
+    <cs:fillRef idx="0"/>
+    <cs:effectRef idx="0"/>
+    <cs:fontRef idx="minor">
+      <a:schemeClr val="tx1">
+        <a:lumMod val="65000"/>
+        <a:lumOff val="35000"/>
+      </a:schemeClr>
+    </cs:fontRef>
+    <cs:defRPr sz="1197" kern="1200"/>
+  </cs:trendlineLabel>
+  <cs:upBar>
+    <cs:lnRef idx="0"/>
+    <cs:fillRef idx="0"/>
+    <cs:effectRef idx="0"/>
+    <cs:fontRef idx="minor">
+      <a:schemeClr val="tx1"/>
+    </cs:fontRef>
+    <cs:spPr>
+      <a:solidFill>
+        <a:schemeClr val="lt1"/>
+      </a:solidFill>
+      <a:ln w="9525" cap="flat" cmpd="sng" algn="ctr">
+        <a:solidFill>
+          <a:schemeClr val="tx1">
+            <a:lumMod val="65000"/>
+            <a:lumOff val="35000"/>
+          </a:schemeClr>
+        </a:solidFill>
+        <a:round/>
+      </a:ln>
+    </cs:spPr>
+  </cs:upBar>
+  <cs:valueAxis>
+    <cs:lnRef idx="0"/>
+    <cs:fillRef idx="0"/>
+    <cs:effectRef idx="0"/>
+    <cs:fontRef idx="minor">
+      <a:schemeClr val="tx1">
+        <a:lumMod val="65000"/>
+        <a:lumOff val="35000"/>
+      </a:schemeClr>
+    </cs:fontRef>
+    <cs:defRPr sz="1197" kern="1200"/>
+  </cs:valueAxis>
+  <cs:wall>
+    <cs:lnRef idx="0"/>
+    <cs:fillRef idx="0"/>
+    <cs:effectRef idx="0"/>
+    <cs:fontRef idx="minor">
+      <a:schemeClr val="tx1"/>
+    </cs:fontRef>
+    <cs:spPr>
+      <a:noFill/>
+      <a:ln>
+        <a:noFill/>
+      </a:ln>
+    </cs:spPr>
+  </cs:wall>
+</cs:chartStyle>
+</file>
+
 <file path=ppt/slideLayouts/slideLayout1.xml><?xml version="1.0" encoding="utf-8"?>
 <p:sldLayout xmlns:a="http://schemas.openxmlformats.org/drawingml/2006/main" xmlns:r="http://schemas.openxmlformats.org/officeDocument/2006/relationships" xmlns:p="http://schemas.openxmlformats.org/presentationml/2006/main" type="title" preserve="1">
   <p:cSld name="Title Slide">
@@ -137,13 +2035,7 @@
       </p:grpSpPr>
       <p:sp>
         <p:nvSpPr>
-          <p:cNvPr id="2" name="Title 1">
-            <a:extLst>
-              <a:ext uri="{FF2B5EF4-FFF2-40B4-BE49-F238E27FC236}">
-                <a16:creationId xmlns:a16="http://schemas.microsoft.com/office/drawing/2014/main" id="{43408A01-FEA9-490F-AB9A-C0C8E908B07F}"/>
-              </a:ext>
-            </a:extLst>
-          </p:cNvPr>
+          <p:cNvPr id="2" name="Title 1"/>
           <p:cNvSpPr>
             <a:spLocks noGrp="1"/>
           </p:cNvSpPr>
@@ -153,8 +2045,8 @@
         </p:nvSpPr>
         <p:spPr>
           <a:xfrm>
-            <a:off x="1524000" y="1122363"/>
-            <a:ext cx="9144000" cy="2387600"/>
+            <a:off x="685800" y="1122363"/>
+            <a:ext cx="7772400" cy="2387600"/>
           </a:xfrm>
         </p:spPr>
         <p:txBody>
@@ -169,19 +2061,13 @@
               <a:rPr lang="en-US"/>
               <a:t>Click to edit Master title style</a:t>
             </a:r>
-            <a:endParaRPr lang="en-ZA"/>
-          </a:p>
-        </p:txBody>
-      </p:sp>
-      <p:sp>
-        <p:nvSpPr>
-          <p:cNvPr id="3" name="Subtitle 2">
-            <a:extLst>
-              <a:ext uri="{FF2B5EF4-FFF2-40B4-BE49-F238E27FC236}">
-                <a16:creationId xmlns:a16="http://schemas.microsoft.com/office/drawing/2014/main" id="{CFFFD1EB-6E38-4C32-B825-50F152F83FCD}"/>
-              </a:ext>
-            </a:extLst>
-          </p:cNvPr>
+            <a:endParaRPr lang="en-US" dirty="0"/>
+          </a:p>
+        </p:txBody>
+      </p:sp>
+      <p:sp>
+        <p:nvSpPr>
+          <p:cNvPr id="3" name="Subtitle 2"/>
           <p:cNvSpPr>
             <a:spLocks noGrp="1"/>
           </p:cNvSpPr>
@@ -191,8 +2077,8 @@
         </p:nvSpPr>
         <p:spPr>
           <a:xfrm>
-            <a:off x="1524000" y="3602038"/>
-            <a:ext cx="9144000" cy="1655762"/>
+            <a:off x="1143000" y="3602038"/>
+            <a:ext cx="6858000" cy="1655762"/>
           </a:xfrm>
         </p:spPr>
         <p:txBody>
@@ -240,19 +2126,13 @@
               <a:rPr lang="en-US"/>
               <a:t>Click to edit Master subtitle style</a:t>
             </a:r>
-            <a:endParaRPr lang="en-ZA"/>
-          </a:p>
-        </p:txBody>
-      </p:sp>
-      <p:sp>
-        <p:nvSpPr>
-          <p:cNvPr id="4" name="Date Placeholder 3">
-            <a:extLst>
-              <a:ext uri="{FF2B5EF4-FFF2-40B4-BE49-F238E27FC236}">
-                <a16:creationId xmlns:a16="http://schemas.microsoft.com/office/drawing/2014/main" id="{E65718B2-2F0E-4620-809D-F41A437B40A7}"/>
-              </a:ext>
-            </a:extLst>
-          </p:cNvPr>
+            <a:endParaRPr lang="en-US" dirty="0"/>
+          </a:p>
+        </p:txBody>
+      </p:sp>
+      <p:sp>
+        <p:nvSpPr>
+          <p:cNvPr id="4" name="Date Placeholder 3"/>
           <p:cNvSpPr>
             <a:spLocks noGrp="1"/>
           </p:cNvSpPr>
@@ -267,7 +2147,7 @@
           <a:p>
             <a:fld id="{2F6BFBA6-5BB3-42AA-81F5-A6946EDBE6F3}" type="datetimeFigureOut">
               <a:rPr lang="en-ZA" smtClean="0"/>
-              <a:t>2017/09/06</a:t>
+              <a:t>2017/09/22</a:t>
             </a:fld>
             <a:endParaRPr lang="en-ZA"/>
           </a:p>
@@ -275,13 +2155,7 @@
       </p:sp>
       <p:sp>
         <p:nvSpPr>
-          <p:cNvPr id="5" name="Footer Placeholder 4">
-            <a:extLst>
-              <a:ext uri="{FF2B5EF4-FFF2-40B4-BE49-F238E27FC236}">
-                <a16:creationId xmlns:a16="http://schemas.microsoft.com/office/drawing/2014/main" id="{D8CE58CC-BE6D-4830-9258-673B9C7FD58C}"/>
-              </a:ext>
-            </a:extLst>
-          </p:cNvPr>
+          <p:cNvPr id="5" name="Footer Placeholder 4"/>
           <p:cNvSpPr>
             <a:spLocks noGrp="1"/>
           </p:cNvSpPr>
@@ -300,13 +2174,7 @@
       </p:sp>
       <p:sp>
         <p:nvSpPr>
-          <p:cNvPr id="6" name="Slide Number Placeholder 5">
-            <a:extLst>
-              <a:ext uri="{FF2B5EF4-FFF2-40B4-BE49-F238E27FC236}">
-                <a16:creationId xmlns:a16="http://schemas.microsoft.com/office/drawing/2014/main" id="{42255B5D-7841-4DEA-BDE7-40D586A9F60C}"/>
-              </a:ext>
-            </a:extLst>
-          </p:cNvPr>
+          <p:cNvPr id="6" name="Slide Number Placeholder 5"/>
           <p:cNvSpPr>
             <a:spLocks noGrp="1"/>
           </p:cNvSpPr>
@@ -330,7 +2198,7 @@
     </p:spTree>
     <p:extLst>
       <p:ext uri="{BB962C8B-B14F-4D97-AF65-F5344CB8AC3E}">
-        <p14:creationId xmlns:p14="http://schemas.microsoft.com/office/powerpoint/2010/main" val="2427957059"/>
+        <p14:creationId xmlns:p14="http://schemas.microsoft.com/office/powerpoint/2010/main" val="2063571356"/>
       </p:ext>
     </p:extLst>
   </p:cSld>
@@ -359,13 +2227,7 @@
       </p:grpSpPr>
       <p:sp>
         <p:nvSpPr>
-          <p:cNvPr id="2" name="Title 1">
-            <a:extLst>
-              <a:ext uri="{FF2B5EF4-FFF2-40B4-BE49-F238E27FC236}">
-                <a16:creationId xmlns:a16="http://schemas.microsoft.com/office/drawing/2014/main" id="{B088905F-A4B6-4CD7-9BBA-424BFAB39C43}"/>
-              </a:ext>
-            </a:extLst>
-          </p:cNvPr>
+          <p:cNvPr id="2" name="Title 1"/>
           <p:cNvSpPr>
             <a:spLocks noGrp="1"/>
           </p:cNvSpPr>
@@ -382,19 +2244,13 @@
               <a:rPr lang="en-US"/>
               <a:t>Click to edit Master title style</a:t>
             </a:r>
-            <a:endParaRPr lang="en-ZA"/>
-          </a:p>
-        </p:txBody>
-      </p:sp>
-      <p:sp>
-        <p:nvSpPr>
-          <p:cNvPr id="3" name="Vertical Text Placeholder 2">
-            <a:extLst>
-              <a:ext uri="{FF2B5EF4-FFF2-40B4-BE49-F238E27FC236}">
-                <a16:creationId xmlns:a16="http://schemas.microsoft.com/office/drawing/2014/main" id="{A78CD1B5-7848-449A-8656-05033D24CDC9}"/>
-              </a:ext>
-            </a:extLst>
-          </p:cNvPr>
+            <a:endParaRPr lang="en-US" dirty="0"/>
+          </a:p>
+        </p:txBody>
+      </p:sp>
+      <p:sp>
+        <p:nvSpPr>
+          <p:cNvPr id="3" name="Vertical Text Placeholder 2"/>
           <p:cNvSpPr>
             <a:spLocks noGrp="1"/>
           </p:cNvSpPr>
@@ -440,19 +2296,13 @@
               <a:rPr lang="en-US"/>
               <a:t>Fifth level</a:t>
             </a:r>
-            <a:endParaRPr lang="en-ZA"/>
-          </a:p>
-        </p:txBody>
-      </p:sp>
-      <p:sp>
-        <p:nvSpPr>
-          <p:cNvPr id="4" name="Date Placeholder 3">
-            <a:extLst>
-              <a:ext uri="{FF2B5EF4-FFF2-40B4-BE49-F238E27FC236}">
-                <a16:creationId xmlns:a16="http://schemas.microsoft.com/office/drawing/2014/main" id="{998F499D-6BF3-4F1E-9900-C0F27934877D}"/>
-              </a:ext>
-            </a:extLst>
-          </p:cNvPr>
+            <a:endParaRPr lang="en-US" dirty="0"/>
+          </a:p>
+        </p:txBody>
+      </p:sp>
+      <p:sp>
+        <p:nvSpPr>
+          <p:cNvPr id="4" name="Date Placeholder 3"/>
           <p:cNvSpPr>
             <a:spLocks noGrp="1"/>
           </p:cNvSpPr>
@@ -467,7 +2317,7 @@
           <a:p>
             <a:fld id="{2F6BFBA6-5BB3-42AA-81F5-A6946EDBE6F3}" type="datetimeFigureOut">
               <a:rPr lang="en-ZA" smtClean="0"/>
-              <a:t>2017/09/06</a:t>
+              <a:t>2017/09/22</a:t>
             </a:fld>
             <a:endParaRPr lang="en-ZA"/>
           </a:p>
@@ -475,13 +2325,7 @@
       </p:sp>
       <p:sp>
         <p:nvSpPr>
-          <p:cNvPr id="5" name="Footer Placeholder 4">
-            <a:extLst>
-              <a:ext uri="{FF2B5EF4-FFF2-40B4-BE49-F238E27FC236}">
-                <a16:creationId xmlns:a16="http://schemas.microsoft.com/office/drawing/2014/main" id="{B63E57AC-6C70-4D62-8A72-7D3D448EC582}"/>
-              </a:ext>
-            </a:extLst>
-          </p:cNvPr>
+          <p:cNvPr id="5" name="Footer Placeholder 4"/>
           <p:cNvSpPr>
             <a:spLocks noGrp="1"/>
           </p:cNvSpPr>
@@ -500,13 +2344,7 @@
       </p:sp>
       <p:sp>
         <p:nvSpPr>
-          <p:cNvPr id="6" name="Slide Number Placeholder 5">
-            <a:extLst>
-              <a:ext uri="{FF2B5EF4-FFF2-40B4-BE49-F238E27FC236}">
-                <a16:creationId xmlns:a16="http://schemas.microsoft.com/office/drawing/2014/main" id="{D8075926-6308-4F6B-972D-FE33723B29EE}"/>
-              </a:ext>
-            </a:extLst>
-          </p:cNvPr>
+          <p:cNvPr id="6" name="Slide Number Placeholder 5"/>
           <p:cNvSpPr>
             <a:spLocks noGrp="1"/>
           </p:cNvSpPr>
@@ -530,7 +2368,7 @@
     </p:spTree>
     <p:extLst>
       <p:ext uri="{BB962C8B-B14F-4D97-AF65-F5344CB8AC3E}">
-        <p14:creationId xmlns:p14="http://schemas.microsoft.com/office/powerpoint/2010/main" val="1896970569"/>
+        <p14:creationId xmlns:p14="http://schemas.microsoft.com/office/powerpoint/2010/main" val="825413879"/>
       </p:ext>
     </p:extLst>
   </p:cSld>
@@ -559,13 +2397,7 @@
       </p:grpSpPr>
       <p:sp>
         <p:nvSpPr>
-          <p:cNvPr id="2" name="Vertical Title 1">
-            <a:extLst>
-              <a:ext uri="{FF2B5EF4-FFF2-40B4-BE49-F238E27FC236}">
-                <a16:creationId xmlns:a16="http://schemas.microsoft.com/office/drawing/2014/main" id="{7EA7A5A4-7085-46D8-944D-152FB9D664A2}"/>
-              </a:ext>
-            </a:extLst>
-          </p:cNvPr>
+          <p:cNvPr id="2" name="Vertical Title 1"/>
           <p:cNvSpPr>
             <a:spLocks noGrp="1"/>
           </p:cNvSpPr>
@@ -575,8 +2407,8 @@
         </p:nvSpPr>
         <p:spPr>
           <a:xfrm>
-            <a:off x="8724900" y="365125"/>
-            <a:ext cx="2628900" cy="5811838"/>
+            <a:off x="6543675" y="365125"/>
+            <a:ext cx="1971675" cy="5811838"/>
           </a:xfrm>
         </p:spPr>
         <p:txBody>
@@ -587,19 +2419,13 @@
               <a:rPr lang="en-US"/>
               <a:t>Click to edit Master title style</a:t>
             </a:r>
-            <a:endParaRPr lang="en-ZA"/>
-          </a:p>
-        </p:txBody>
-      </p:sp>
-      <p:sp>
-        <p:nvSpPr>
-          <p:cNvPr id="3" name="Vertical Text Placeholder 2">
-            <a:extLst>
-              <a:ext uri="{FF2B5EF4-FFF2-40B4-BE49-F238E27FC236}">
-                <a16:creationId xmlns:a16="http://schemas.microsoft.com/office/drawing/2014/main" id="{3A8836DC-C0D1-4082-829C-F6AED408BF94}"/>
-              </a:ext>
-            </a:extLst>
-          </p:cNvPr>
+            <a:endParaRPr lang="en-US" dirty="0"/>
+          </a:p>
+        </p:txBody>
+      </p:sp>
+      <p:sp>
+        <p:nvSpPr>
+          <p:cNvPr id="3" name="Vertical Text Placeholder 2"/>
           <p:cNvSpPr>
             <a:spLocks noGrp="1"/>
           </p:cNvSpPr>
@@ -609,8 +2435,8 @@
         </p:nvSpPr>
         <p:spPr>
           <a:xfrm>
-            <a:off x="838200" y="365125"/>
-            <a:ext cx="7734300" cy="5811838"/>
+            <a:off x="628650" y="365125"/>
+            <a:ext cx="5800725" cy="5811838"/>
           </a:xfrm>
         </p:spPr>
         <p:txBody>
@@ -650,19 +2476,13 @@
               <a:rPr lang="en-US"/>
               <a:t>Fifth level</a:t>
             </a:r>
-            <a:endParaRPr lang="en-ZA"/>
-          </a:p>
-        </p:txBody>
-      </p:sp>
-      <p:sp>
-        <p:nvSpPr>
-          <p:cNvPr id="4" name="Date Placeholder 3">
-            <a:extLst>
-              <a:ext uri="{FF2B5EF4-FFF2-40B4-BE49-F238E27FC236}">
-                <a16:creationId xmlns:a16="http://schemas.microsoft.com/office/drawing/2014/main" id="{B2EE17BD-25B6-4716-84FB-1E7821BFA19B}"/>
-              </a:ext>
-            </a:extLst>
-          </p:cNvPr>
+            <a:endParaRPr lang="en-US" dirty="0"/>
+          </a:p>
+        </p:txBody>
+      </p:sp>
+      <p:sp>
+        <p:nvSpPr>
+          <p:cNvPr id="4" name="Date Placeholder 3"/>
           <p:cNvSpPr>
             <a:spLocks noGrp="1"/>
           </p:cNvSpPr>
@@ -677,7 +2497,7 @@
           <a:p>
             <a:fld id="{2F6BFBA6-5BB3-42AA-81F5-A6946EDBE6F3}" type="datetimeFigureOut">
               <a:rPr lang="en-ZA" smtClean="0"/>
-              <a:t>2017/09/06</a:t>
+              <a:t>2017/09/22</a:t>
             </a:fld>
             <a:endParaRPr lang="en-ZA"/>
           </a:p>
@@ -685,13 +2505,7 @@
       </p:sp>
       <p:sp>
         <p:nvSpPr>
-          <p:cNvPr id="5" name="Footer Placeholder 4">
-            <a:extLst>
-              <a:ext uri="{FF2B5EF4-FFF2-40B4-BE49-F238E27FC236}">
-                <a16:creationId xmlns:a16="http://schemas.microsoft.com/office/drawing/2014/main" id="{557ED388-63BD-4B15-8B43-F915B2EEFDE8}"/>
-              </a:ext>
-            </a:extLst>
-          </p:cNvPr>
+          <p:cNvPr id="5" name="Footer Placeholder 4"/>
           <p:cNvSpPr>
             <a:spLocks noGrp="1"/>
           </p:cNvSpPr>
@@ -710,13 +2524,7 @@
       </p:sp>
       <p:sp>
         <p:nvSpPr>
-          <p:cNvPr id="6" name="Slide Number Placeholder 5">
-            <a:extLst>
-              <a:ext uri="{FF2B5EF4-FFF2-40B4-BE49-F238E27FC236}">
-                <a16:creationId xmlns:a16="http://schemas.microsoft.com/office/drawing/2014/main" id="{51AAE99A-8347-4E5F-A74A-8C1006584604}"/>
-              </a:ext>
-            </a:extLst>
-          </p:cNvPr>
+          <p:cNvPr id="6" name="Slide Number Placeholder 5"/>
           <p:cNvSpPr>
             <a:spLocks noGrp="1"/>
           </p:cNvSpPr>
@@ -740,7 +2548,7 @@
     </p:spTree>
     <p:extLst>
       <p:ext uri="{BB962C8B-B14F-4D97-AF65-F5344CB8AC3E}">
-        <p14:creationId xmlns:p14="http://schemas.microsoft.com/office/powerpoint/2010/main" val="1463647177"/>
+        <p14:creationId xmlns:p14="http://schemas.microsoft.com/office/powerpoint/2010/main" val="3222630239"/>
       </p:ext>
     </p:extLst>
   </p:cSld>
@@ -769,13 +2577,7 @@
       </p:grpSpPr>
       <p:sp>
         <p:nvSpPr>
-          <p:cNvPr id="2" name="Title 1">
-            <a:extLst>
-              <a:ext uri="{FF2B5EF4-FFF2-40B4-BE49-F238E27FC236}">
-                <a16:creationId xmlns:a16="http://schemas.microsoft.com/office/drawing/2014/main" id="{6564BEF1-1507-462D-A594-2E2D639C2BE0}"/>
-              </a:ext>
-            </a:extLst>
-          </p:cNvPr>
+          <p:cNvPr id="2" name="Title 1"/>
           <p:cNvSpPr>
             <a:spLocks noGrp="1"/>
           </p:cNvSpPr>
@@ -792,19 +2594,13 @@
               <a:rPr lang="en-US"/>
               <a:t>Click to edit Master title style</a:t>
             </a:r>
-            <a:endParaRPr lang="en-ZA"/>
-          </a:p>
-        </p:txBody>
-      </p:sp>
-      <p:sp>
-        <p:nvSpPr>
-          <p:cNvPr id="3" name="Content Placeholder 2">
-            <a:extLst>
-              <a:ext uri="{FF2B5EF4-FFF2-40B4-BE49-F238E27FC236}">
-                <a16:creationId xmlns:a16="http://schemas.microsoft.com/office/drawing/2014/main" id="{9A0942A0-9643-45D6-8621-325B8062E38E}"/>
-              </a:ext>
-            </a:extLst>
-          </p:cNvPr>
+            <a:endParaRPr lang="en-US" dirty="0"/>
+          </a:p>
+        </p:txBody>
+      </p:sp>
+      <p:sp>
+        <p:nvSpPr>
+          <p:cNvPr id="3" name="Content Placeholder 2"/>
           <p:cNvSpPr>
             <a:spLocks noGrp="1"/>
           </p:cNvSpPr>
@@ -850,19 +2646,13 @@
               <a:rPr lang="en-US"/>
               <a:t>Fifth level</a:t>
             </a:r>
-            <a:endParaRPr lang="en-ZA"/>
-          </a:p>
-        </p:txBody>
-      </p:sp>
-      <p:sp>
-        <p:nvSpPr>
-          <p:cNvPr id="4" name="Date Placeholder 3">
-            <a:extLst>
-              <a:ext uri="{FF2B5EF4-FFF2-40B4-BE49-F238E27FC236}">
-                <a16:creationId xmlns:a16="http://schemas.microsoft.com/office/drawing/2014/main" id="{5ACD761A-7CB0-4ED6-A98D-4459FE5E8791}"/>
-              </a:ext>
-            </a:extLst>
-          </p:cNvPr>
+            <a:endParaRPr lang="en-US" dirty="0"/>
+          </a:p>
+        </p:txBody>
+      </p:sp>
+      <p:sp>
+        <p:nvSpPr>
+          <p:cNvPr id="4" name="Date Placeholder 3"/>
           <p:cNvSpPr>
             <a:spLocks noGrp="1"/>
           </p:cNvSpPr>
@@ -877,7 +2667,7 @@
           <a:p>
             <a:fld id="{2F6BFBA6-5BB3-42AA-81F5-A6946EDBE6F3}" type="datetimeFigureOut">
               <a:rPr lang="en-ZA" smtClean="0"/>
-              <a:t>2017/09/06</a:t>
+              <a:t>2017/09/22</a:t>
             </a:fld>
             <a:endParaRPr lang="en-ZA"/>
           </a:p>
@@ -885,13 +2675,7 @@
       </p:sp>
       <p:sp>
         <p:nvSpPr>
-          <p:cNvPr id="5" name="Footer Placeholder 4">
-            <a:extLst>
-              <a:ext uri="{FF2B5EF4-FFF2-40B4-BE49-F238E27FC236}">
-                <a16:creationId xmlns:a16="http://schemas.microsoft.com/office/drawing/2014/main" id="{AF838304-AAF0-424C-B863-8EDA4D308164}"/>
-              </a:ext>
-            </a:extLst>
-          </p:cNvPr>
+          <p:cNvPr id="5" name="Footer Placeholder 4"/>
           <p:cNvSpPr>
             <a:spLocks noGrp="1"/>
           </p:cNvSpPr>
@@ -910,13 +2694,7 @@
       </p:sp>
       <p:sp>
         <p:nvSpPr>
-          <p:cNvPr id="6" name="Slide Number Placeholder 5">
-            <a:extLst>
-              <a:ext uri="{FF2B5EF4-FFF2-40B4-BE49-F238E27FC236}">
-                <a16:creationId xmlns:a16="http://schemas.microsoft.com/office/drawing/2014/main" id="{BDF76699-AE6D-44F5-923B-F485AB55680B}"/>
-              </a:ext>
-            </a:extLst>
-          </p:cNvPr>
+          <p:cNvPr id="6" name="Slide Number Placeholder 5"/>
           <p:cNvSpPr>
             <a:spLocks noGrp="1"/>
           </p:cNvSpPr>
@@ -940,7 +2718,7 @@
     </p:spTree>
     <p:extLst>
       <p:ext uri="{BB962C8B-B14F-4D97-AF65-F5344CB8AC3E}">
-        <p14:creationId xmlns:p14="http://schemas.microsoft.com/office/powerpoint/2010/main" val="3302877721"/>
+        <p14:creationId xmlns:p14="http://schemas.microsoft.com/office/powerpoint/2010/main" val="3796282017"/>
       </p:ext>
     </p:extLst>
   </p:cSld>
@@ -969,13 +2747,7 @@
       </p:grpSpPr>
       <p:sp>
         <p:nvSpPr>
-          <p:cNvPr id="2" name="Title 1">
-            <a:extLst>
-              <a:ext uri="{FF2B5EF4-FFF2-40B4-BE49-F238E27FC236}">
-                <a16:creationId xmlns:a16="http://schemas.microsoft.com/office/drawing/2014/main" id="{6F78EA19-CE0D-403E-BF12-E21A9B8F77B4}"/>
-              </a:ext>
-            </a:extLst>
-          </p:cNvPr>
+          <p:cNvPr id="2" name="Title 1"/>
           <p:cNvSpPr>
             <a:spLocks noGrp="1"/>
           </p:cNvSpPr>
@@ -985,8 +2757,8 @@
         </p:nvSpPr>
         <p:spPr>
           <a:xfrm>
-            <a:off x="831850" y="1709738"/>
-            <a:ext cx="10515600" cy="2852737"/>
+            <a:off x="623888" y="1709739"/>
+            <a:ext cx="7886700" cy="2852737"/>
           </a:xfrm>
         </p:spPr>
         <p:txBody>
@@ -1001,19 +2773,13 @@
               <a:rPr lang="en-US"/>
               <a:t>Click to edit Master title style</a:t>
             </a:r>
-            <a:endParaRPr lang="en-ZA"/>
-          </a:p>
-        </p:txBody>
-      </p:sp>
-      <p:sp>
-        <p:nvSpPr>
-          <p:cNvPr id="3" name="Text Placeholder 2">
-            <a:extLst>
-              <a:ext uri="{FF2B5EF4-FFF2-40B4-BE49-F238E27FC236}">
-                <a16:creationId xmlns:a16="http://schemas.microsoft.com/office/drawing/2014/main" id="{AFB0E4FC-5B10-4E90-8622-826DF783E7D5}"/>
-              </a:ext>
-            </a:extLst>
-          </p:cNvPr>
+            <a:endParaRPr lang="en-US" dirty="0"/>
+          </a:p>
+        </p:txBody>
+      </p:sp>
+      <p:sp>
+        <p:nvSpPr>
+          <p:cNvPr id="3" name="Text Placeholder 2"/>
           <p:cNvSpPr>
             <a:spLocks noGrp="1"/>
           </p:cNvSpPr>
@@ -1023,8 +2789,8 @@
         </p:nvSpPr>
         <p:spPr>
           <a:xfrm>
-            <a:off x="831850" y="4589463"/>
-            <a:ext cx="10515600" cy="1500187"/>
+            <a:off x="623888" y="4589464"/>
+            <a:ext cx="7886700" cy="1500187"/>
           </a:xfrm>
         </p:spPr>
         <p:txBody>
@@ -1034,9 +2800,7 @@
               <a:buNone/>
               <a:defRPr sz="2400">
                 <a:solidFill>
-                  <a:schemeClr val="tx1">
-                    <a:tint val="75000"/>
-                  </a:schemeClr>
+                  <a:schemeClr val="tx1"/>
                 </a:solidFill>
               </a:defRPr>
             </a:lvl1pPr>
@@ -1132,13 +2896,7 @@
       </p:sp>
       <p:sp>
         <p:nvSpPr>
-          <p:cNvPr id="4" name="Date Placeholder 3">
-            <a:extLst>
-              <a:ext uri="{FF2B5EF4-FFF2-40B4-BE49-F238E27FC236}">
-                <a16:creationId xmlns:a16="http://schemas.microsoft.com/office/drawing/2014/main" id="{8CE9B138-14FF-41E0-BE34-5ECAE0504455}"/>
-              </a:ext>
-            </a:extLst>
-          </p:cNvPr>
+          <p:cNvPr id="4" name="Date Placeholder 3"/>
           <p:cNvSpPr>
             <a:spLocks noGrp="1"/>
           </p:cNvSpPr>
@@ -1153,7 +2911,7 @@
           <a:p>
             <a:fld id="{2F6BFBA6-5BB3-42AA-81F5-A6946EDBE6F3}" type="datetimeFigureOut">
               <a:rPr lang="en-ZA" smtClean="0"/>
-              <a:t>2017/09/06</a:t>
+              <a:t>2017/09/22</a:t>
             </a:fld>
             <a:endParaRPr lang="en-ZA"/>
           </a:p>
@@ -1161,13 +2919,7 @@
       </p:sp>
       <p:sp>
         <p:nvSpPr>
-          <p:cNvPr id="5" name="Footer Placeholder 4">
-            <a:extLst>
-              <a:ext uri="{FF2B5EF4-FFF2-40B4-BE49-F238E27FC236}">
-                <a16:creationId xmlns:a16="http://schemas.microsoft.com/office/drawing/2014/main" id="{D2C6070F-DA49-498F-B39D-1587B4D91494}"/>
-              </a:ext>
-            </a:extLst>
-          </p:cNvPr>
+          <p:cNvPr id="5" name="Footer Placeholder 4"/>
           <p:cNvSpPr>
             <a:spLocks noGrp="1"/>
           </p:cNvSpPr>
@@ -1186,13 +2938,7 @@
       </p:sp>
       <p:sp>
         <p:nvSpPr>
-          <p:cNvPr id="6" name="Slide Number Placeholder 5">
-            <a:extLst>
-              <a:ext uri="{FF2B5EF4-FFF2-40B4-BE49-F238E27FC236}">
-                <a16:creationId xmlns:a16="http://schemas.microsoft.com/office/drawing/2014/main" id="{DD8E2523-5290-4AAC-8298-B1E0A2127FDD}"/>
-              </a:ext>
-            </a:extLst>
-          </p:cNvPr>
+          <p:cNvPr id="6" name="Slide Number Placeholder 5"/>
           <p:cNvSpPr>
             <a:spLocks noGrp="1"/>
           </p:cNvSpPr>
@@ -1216,7 +2962,7 @@
     </p:spTree>
     <p:extLst>
       <p:ext uri="{BB962C8B-B14F-4D97-AF65-F5344CB8AC3E}">
-        <p14:creationId xmlns:p14="http://schemas.microsoft.com/office/powerpoint/2010/main" val="1299566417"/>
+        <p14:creationId xmlns:p14="http://schemas.microsoft.com/office/powerpoint/2010/main" val="2632808296"/>
       </p:ext>
     </p:extLst>
   </p:cSld>
@@ -1245,13 +2991,7 @@
       </p:grpSpPr>
       <p:sp>
         <p:nvSpPr>
-          <p:cNvPr id="2" name="Title 1">
-            <a:extLst>
-              <a:ext uri="{FF2B5EF4-FFF2-40B4-BE49-F238E27FC236}">
-                <a16:creationId xmlns:a16="http://schemas.microsoft.com/office/drawing/2014/main" id="{9CDE8232-8B42-4003-BF55-CACF246B1263}"/>
-              </a:ext>
-            </a:extLst>
-          </p:cNvPr>
+          <p:cNvPr id="2" name="Title 1"/>
           <p:cNvSpPr>
             <a:spLocks noGrp="1"/>
           </p:cNvSpPr>
@@ -1268,19 +3008,13 @@
               <a:rPr lang="en-US"/>
               <a:t>Click to edit Master title style</a:t>
             </a:r>
-            <a:endParaRPr lang="en-ZA"/>
-          </a:p>
-        </p:txBody>
-      </p:sp>
-      <p:sp>
-        <p:nvSpPr>
-          <p:cNvPr id="3" name="Content Placeholder 2">
-            <a:extLst>
-              <a:ext uri="{FF2B5EF4-FFF2-40B4-BE49-F238E27FC236}">
-                <a16:creationId xmlns:a16="http://schemas.microsoft.com/office/drawing/2014/main" id="{FC77D303-86A5-487E-8DB9-CD4D1FF04800}"/>
-              </a:ext>
-            </a:extLst>
-          </p:cNvPr>
+            <a:endParaRPr lang="en-US" dirty="0"/>
+          </a:p>
+        </p:txBody>
+      </p:sp>
+      <p:sp>
+        <p:nvSpPr>
+          <p:cNvPr id="3" name="Content Placeholder 2"/>
           <p:cNvSpPr>
             <a:spLocks noGrp="1"/>
           </p:cNvSpPr>
@@ -1290,8 +3024,8 @@
         </p:nvSpPr>
         <p:spPr>
           <a:xfrm>
-            <a:off x="838200" y="1825625"/>
-            <a:ext cx="5181600" cy="4351338"/>
+            <a:off x="628650" y="1825625"/>
+            <a:ext cx="3886200" cy="4351338"/>
           </a:xfrm>
         </p:spPr>
         <p:txBody>
@@ -1331,19 +3065,13 @@
               <a:rPr lang="en-US"/>
               <a:t>Fifth level</a:t>
             </a:r>
-            <a:endParaRPr lang="en-ZA"/>
-          </a:p>
-        </p:txBody>
-      </p:sp>
-      <p:sp>
-        <p:nvSpPr>
-          <p:cNvPr id="4" name="Content Placeholder 3">
-            <a:extLst>
-              <a:ext uri="{FF2B5EF4-FFF2-40B4-BE49-F238E27FC236}">
-                <a16:creationId xmlns:a16="http://schemas.microsoft.com/office/drawing/2014/main" id="{1EBFFFEE-A2A6-4E07-B375-5602D4C59465}"/>
-              </a:ext>
-            </a:extLst>
-          </p:cNvPr>
+            <a:endParaRPr lang="en-US" dirty="0"/>
+          </a:p>
+        </p:txBody>
+      </p:sp>
+      <p:sp>
+        <p:nvSpPr>
+          <p:cNvPr id="4" name="Content Placeholder 3"/>
           <p:cNvSpPr>
             <a:spLocks noGrp="1"/>
           </p:cNvSpPr>
@@ -1353,8 +3081,8 @@
         </p:nvSpPr>
         <p:spPr>
           <a:xfrm>
-            <a:off x="6172200" y="1825625"/>
-            <a:ext cx="5181600" cy="4351338"/>
+            <a:off x="4629150" y="1825625"/>
+            <a:ext cx="3886200" cy="4351338"/>
           </a:xfrm>
         </p:spPr>
         <p:txBody>
@@ -1394,19 +3122,13 @@
               <a:rPr lang="en-US"/>
               <a:t>Fifth level</a:t>
             </a:r>
-            <a:endParaRPr lang="en-ZA"/>
-          </a:p>
-        </p:txBody>
-      </p:sp>
-      <p:sp>
-        <p:nvSpPr>
-          <p:cNvPr id="5" name="Date Placeholder 4">
-            <a:extLst>
-              <a:ext uri="{FF2B5EF4-FFF2-40B4-BE49-F238E27FC236}">
-                <a16:creationId xmlns:a16="http://schemas.microsoft.com/office/drawing/2014/main" id="{D6D17AD7-DB61-402D-A01C-B42EA6F1D9E1}"/>
-              </a:ext>
-            </a:extLst>
-          </p:cNvPr>
+            <a:endParaRPr lang="en-US" dirty="0"/>
+          </a:p>
+        </p:txBody>
+      </p:sp>
+      <p:sp>
+        <p:nvSpPr>
+          <p:cNvPr id="5" name="Date Placeholder 4"/>
           <p:cNvSpPr>
             <a:spLocks noGrp="1"/>
           </p:cNvSpPr>
@@ -1421,7 +3143,7 @@
           <a:p>
             <a:fld id="{2F6BFBA6-5BB3-42AA-81F5-A6946EDBE6F3}" type="datetimeFigureOut">
               <a:rPr lang="en-ZA" smtClean="0"/>
-              <a:t>2017/09/06</a:t>
+              <a:t>2017/09/22</a:t>
             </a:fld>
             <a:endParaRPr lang="en-ZA"/>
           </a:p>
@@ -1429,13 +3151,7 @@
       </p:sp>
       <p:sp>
         <p:nvSpPr>
-          <p:cNvPr id="6" name="Footer Placeholder 5">
-            <a:extLst>
-              <a:ext uri="{FF2B5EF4-FFF2-40B4-BE49-F238E27FC236}">
-                <a16:creationId xmlns:a16="http://schemas.microsoft.com/office/drawing/2014/main" id="{794730E2-C1CD-4E45-9AE6-8E4A697705C0}"/>
-              </a:ext>
-            </a:extLst>
-          </p:cNvPr>
+          <p:cNvPr id="6" name="Footer Placeholder 5"/>
           <p:cNvSpPr>
             <a:spLocks noGrp="1"/>
           </p:cNvSpPr>
@@ -1454,13 +3170,7 @@
       </p:sp>
       <p:sp>
         <p:nvSpPr>
-          <p:cNvPr id="7" name="Slide Number Placeholder 6">
-            <a:extLst>
-              <a:ext uri="{FF2B5EF4-FFF2-40B4-BE49-F238E27FC236}">
-                <a16:creationId xmlns:a16="http://schemas.microsoft.com/office/drawing/2014/main" id="{E0FF1C15-9831-4B12-B24B-FAF603E3AC18}"/>
-              </a:ext>
-            </a:extLst>
-          </p:cNvPr>
+          <p:cNvPr id="7" name="Slide Number Placeholder 6"/>
           <p:cNvSpPr>
             <a:spLocks noGrp="1"/>
           </p:cNvSpPr>
@@ -1484,7 +3194,7 @@
     </p:spTree>
     <p:extLst>
       <p:ext uri="{BB962C8B-B14F-4D97-AF65-F5344CB8AC3E}">
-        <p14:creationId xmlns:p14="http://schemas.microsoft.com/office/powerpoint/2010/main" val="923309048"/>
+        <p14:creationId xmlns:p14="http://schemas.microsoft.com/office/powerpoint/2010/main" val="1799361718"/>
       </p:ext>
     </p:extLst>
   </p:cSld>
@@ -1513,13 +3223,7 @@
       </p:grpSpPr>
       <p:sp>
         <p:nvSpPr>
-          <p:cNvPr id="2" name="Title 1">
-            <a:extLst>
-              <a:ext uri="{FF2B5EF4-FFF2-40B4-BE49-F238E27FC236}">
-                <a16:creationId xmlns:a16="http://schemas.microsoft.com/office/drawing/2014/main" id="{91CCF2BF-07F1-4B32-B212-95C72249DACC}"/>
-              </a:ext>
-            </a:extLst>
-          </p:cNvPr>
+          <p:cNvPr id="2" name="Title 1"/>
           <p:cNvSpPr>
             <a:spLocks noGrp="1"/>
           </p:cNvSpPr>
@@ -1529,8 +3233,8 @@
         </p:nvSpPr>
         <p:spPr>
           <a:xfrm>
-            <a:off x="839788" y="365125"/>
-            <a:ext cx="10515600" cy="1325563"/>
+            <a:off x="629841" y="365126"/>
+            <a:ext cx="7886700" cy="1325563"/>
           </a:xfrm>
         </p:spPr>
         <p:txBody>
@@ -1541,19 +3245,13 @@
               <a:rPr lang="en-US"/>
               <a:t>Click to edit Master title style</a:t>
             </a:r>
-            <a:endParaRPr lang="en-ZA"/>
-          </a:p>
-        </p:txBody>
-      </p:sp>
-      <p:sp>
-        <p:nvSpPr>
-          <p:cNvPr id="3" name="Text Placeholder 2">
-            <a:extLst>
-              <a:ext uri="{FF2B5EF4-FFF2-40B4-BE49-F238E27FC236}">
-                <a16:creationId xmlns:a16="http://schemas.microsoft.com/office/drawing/2014/main" id="{FC81573D-8493-4463-961C-B3741EE13450}"/>
-              </a:ext>
-            </a:extLst>
-          </p:cNvPr>
+            <a:endParaRPr lang="en-US" dirty="0"/>
+          </a:p>
+        </p:txBody>
+      </p:sp>
+      <p:sp>
+        <p:nvSpPr>
+          <p:cNvPr id="3" name="Text Placeholder 2"/>
           <p:cNvSpPr>
             <a:spLocks noGrp="1"/>
           </p:cNvSpPr>
@@ -1563,8 +3261,8 @@
         </p:nvSpPr>
         <p:spPr>
           <a:xfrm>
-            <a:off x="839788" y="1681163"/>
-            <a:ext cx="5157787" cy="823912"/>
+            <a:off x="629842" y="1681163"/>
+            <a:ext cx="3868340" cy="823912"/>
           </a:xfrm>
         </p:spPr>
         <p:txBody>
@@ -1618,13 +3316,7 @@
       </p:sp>
       <p:sp>
         <p:nvSpPr>
-          <p:cNvPr id="4" name="Content Placeholder 3">
-            <a:extLst>
-              <a:ext uri="{FF2B5EF4-FFF2-40B4-BE49-F238E27FC236}">
-                <a16:creationId xmlns:a16="http://schemas.microsoft.com/office/drawing/2014/main" id="{6E1D0C51-2A92-4F7C-9028-18BC8BAE3102}"/>
-              </a:ext>
-            </a:extLst>
-          </p:cNvPr>
+          <p:cNvPr id="4" name="Content Placeholder 3"/>
           <p:cNvSpPr>
             <a:spLocks noGrp="1"/>
           </p:cNvSpPr>
@@ -1634,8 +3326,8 @@
         </p:nvSpPr>
         <p:spPr>
           <a:xfrm>
-            <a:off x="839788" y="2505075"/>
-            <a:ext cx="5157787" cy="3684588"/>
+            <a:off x="629842" y="2505075"/>
+            <a:ext cx="3868340" cy="3684588"/>
           </a:xfrm>
         </p:spPr>
         <p:txBody>
@@ -1675,19 +3367,13 @@
               <a:rPr lang="en-US"/>
               <a:t>Fifth level</a:t>
             </a:r>
-            <a:endParaRPr lang="en-ZA"/>
-          </a:p>
-        </p:txBody>
-      </p:sp>
-      <p:sp>
-        <p:nvSpPr>
-          <p:cNvPr id="5" name="Text Placeholder 4">
-            <a:extLst>
-              <a:ext uri="{FF2B5EF4-FFF2-40B4-BE49-F238E27FC236}">
-                <a16:creationId xmlns:a16="http://schemas.microsoft.com/office/drawing/2014/main" id="{40C17D30-062B-4515-A65D-EF004CF6C3FA}"/>
-              </a:ext>
-            </a:extLst>
-          </p:cNvPr>
+            <a:endParaRPr lang="en-US" dirty="0"/>
+          </a:p>
+        </p:txBody>
+      </p:sp>
+      <p:sp>
+        <p:nvSpPr>
+          <p:cNvPr id="5" name="Text Placeholder 4"/>
           <p:cNvSpPr>
             <a:spLocks noGrp="1"/>
           </p:cNvSpPr>
@@ -1697,8 +3383,8 @@
         </p:nvSpPr>
         <p:spPr>
           <a:xfrm>
-            <a:off x="6172200" y="1681163"/>
-            <a:ext cx="5183188" cy="823912"/>
+            <a:off x="4629150" y="1681163"/>
+            <a:ext cx="3887391" cy="823912"/>
           </a:xfrm>
         </p:spPr>
         <p:txBody>
@@ -1752,13 +3438,7 @@
       </p:sp>
       <p:sp>
         <p:nvSpPr>
-          <p:cNvPr id="6" name="Content Placeholder 5">
-            <a:extLst>
-              <a:ext uri="{FF2B5EF4-FFF2-40B4-BE49-F238E27FC236}">
-                <a16:creationId xmlns:a16="http://schemas.microsoft.com/office/drawing/2014/main" id="{69BAC588-AB9B-4362-9370-2765C523CB5F}"/>
-              </a:ext>
-            </a:extLst>
-          </p:cNvPr>
+          <p:cNvPr id="6" name="Content Placeholder 5"/>
           <p:cNvSpPr>
             <a:spLocks noGrp="1"/>
           </p:cNvSpPr>
@@ -1768,8 +3448,8 @@
         </p:nvSpPr>
         <p:spPr>
           <a:xfrm>
-            <a:off x="6172200" y="2505075"/>
-            <a:ext cx="5183188" cy="3684588"/>
+            <a:off x="4629150" y="2505075"/>
+            <a:ext cx="3887391" cy="3684588"/>
           </a:xfrm>
         </p:spPr>
         <p:txBody>
@@ -1809,19 +3489,13 @@
               <a:rPr lang="en-US"/>
               <a:t>Fifth level</a:t>
             </a:r>
-            <a:endParaRPr lang="en-ZA"/>
-          </a:p>
-        </p:txBody>
-      </p:sp>
-      <p:sp>
-        <p:nvSpPr>
-          <p:cNvPr id="7" name="Date Placeholder 6">
-            <a:extLst>
-              <a:ext uri="{FF2B5EF4-FFF2-40B4-BE49-F238E27FC236}">
-                <a16:creationId xmlns:a16="http://schemas.microsoft.com/office/drawing/2014/main" id="{75B90EB9-45A1-474D-8188-1DE0B132F399}"/>
-              </a:ext>
-            </a:extLst>
-          </p:cNvPr>
+            <a:endParaRPr lang="en-US" dirty="0"/>
+          </a:p>
+        </p:txBody>
+      </p:sp>
+      <p:sp>
+        <p:nvSpPr>
+          <p:cNvPr id="7" name="Date Placeholder 6"/>
           <p:cNvSpPr>
             <a:spLocks noGrp="1"/>
           </p:cNvSpPr>
@@ -1836,7 +3510,7 @@
           <a:p>
             <a:fld id="{2F6BFBA6-5BB3-42AA-81F5-A6946EDBE6F3}" type="datetimeFigureOut">
               <a:rPr lang="en-ZA" smtClean="0"/>
-              <a:t>2017/09/06</a:t>
+              <a:t>2017/09/22</a:t>
             </a:fld>
             <a:endParaRPr lang="en-ZA"/>
           </a:p>
@@ -1844,13 +3518,7 @@
       </p:sp>
       <p:sp>
         <p:nvSpPr>
-          <p:cNvPr id="8" name="Footer Placeholder 7">
-            <a:extLst>
-              <a:ext uri="{FF2B5EF4-FFF2-40B4-BE49-F238E27FC236}">
-                <a16:creationId xmlns:a16="http://schemas.microsoft.com/office/drawing/2014/main" id="{36953522-61C9-4210-99C0-07885C9D650A}"/>
-              </a:ext>
-            </a:extLst>
-          </p:cNvPr>
+          <p:cNvPr id="8" name="Footer Placeholder 7"/>
           <p:cNvSpPr>
             <a:spLocks noGrp="1"/>
           </p:cNvSpPr>
@@ -1869,13 +3537,7 @@
       </p:sp>
       <p:sp>
         <p:nvSpPr>
-          <p:cNvPr id="9" name="Slide Number Placeholder 8">
-            <a:extLst>
-              <a:ext uri="{FF2B5EF4-FFF2-40B4-BE49-F238E27FC236}">
-                <a16:creationId xmlns:a16="http://schemas.microsoft.com/office/drawing/2014/main" id="{478A2665-CD12-43BF-BC11-A01FAD12CE7E}"/>
-              </a:ext>
-            </a:extLst>
-          </p:cNvPr>
+          <p:cNvPr id="9" name="Slide Number Placeholder 8"/>
           <p:cNvSpPr>
             <a:spLocks noGrp="1"/>
           </p:cNvSpPr>
@@ -1899,7 +3561,7 @@
     </p:spTree>
     <p:extLst>
       <p:ext uri="{BB962C8B-B14F-4D97-AF65-F5344CB8AC3E}">
-        <p14:creationId xmlns:p14="http://schemas.microsoft.com/office/powerpoint/2010/main" val="56046418"/>
+        <p14:creationId xmlns:p14="http://schemas.microsoft.com/office/powerpoint/2010/main" val="1544639364"/>
       </p:ext>
     </p:extLst>
   </p:cSld>
@@ -1928,13 +3590,7 @@
       </p:grpSpPr>
       <p:sp>
         <p:nvSpPr>
-          <p:cNvPr id="2" name="Title 1">
-            <a:extLst>
-              <a:ext uri="{FF2B5EF4-FFF2-40B4-BE49-F238E27FC236}">
-                <a16:creationId xmlns:a16="http://schemas.microsoft.com/office/drawing/2014/main" id="{951A73A0-7C7B-4FF2-B227-E7BBE765E8F3}"/>
-              </a:ext>
-            </a:extLst>
-          </p:cNvPr>
+          <p:cNvPr id="2" name="Title 1"/>
           <p:cNvSpPr>
             <a:spLocks noGrp="1"/>
           </p:cNvSpPr>
@@ -1951,19 +3607,13 @@
               <a:rPr lang="en-US"/>
               <a:t>Click to edit Master title style</a:t>
             </a:r>
-            <a:endParaRPr lang="en-ZA"/>
-          </a:p>
-        </p:txBody>
-      </p:sp>
-      <p:sp>
-        <p:nvSpPr>
-          <p:cNvPr id="3" name="Date Placeholder 2">
-            <a:extLst>
-              <a:ext uri="{FF2B5EF4-FFF2-40B4-BE49-F238E27FC236}">
-                <a16:creationId xmlns:a16="http://schemas.microsoft.com/office/drawing/2014/main" id="{095D9252-EB0B-45F1-BE98-8EE2BC9C2DB2}"/>
-              </a:ext>
-            </a:extLst>
-          </p:cNvPr>
+            <a:endParaRPr lang="en-US" dirty="0"/>
+          </a:p>
+        </p:txBody>
+      </p:sp>
+      <p:sp>
+        <p:nvSpPr>
+          <p:cNvPr id="3" name="Date Placeholder 2"/>
           <p:cNvSpPr>
             <a:spLocks noGrp="1"/>
           </p:cNvSpPr>
@@ -1978,7 +3628,7 @@
           <a:p>
             <a:fld id="{2F6BFBA6-5BB3-42AA-81F5-A6946EDBE6F3}" type="datetimeFigureOut">
               <a:rPr lang="en-ZA" smtClean="0"/>
-              <a:t>2017/09/06</a:t>
+              <a:t>2017/09/22</a:t>
             </a:fld>
             <a:endParaRPr lang="en-ZA"/>
           </a:p>
@@ -1986,13 +3636,7 @@
       </p:sp>
       <p:sp>
         <p:nvSpPr>
-          <p:cNvPr id="4" name="Footer Placeholder 3">
-            <a:extLst>
-              <a:ext uri="{FF2B5EF4-FFF2-40B4-BE49-F238E27FC236}">
-                <a16:creationId xmlns:a16="http://schemas.microsoft.com/office/drawing/2014/main" id="{4499A7F6-AFB1-4521-9A63-313E05B6ECD6}"/>
-              </a:ext>
-            </a:extLst>
-          </p:cNvPr>
+          <p:cNvPr id="4" name="Footer Placeholder 3"/>
           <p:cNvSpPr>
             <a:spLocks noGrp="1"/>
           </p:cNvSpPr>
@@ -2011,13 +3655,7 @@
       </p:sp>
       <p:sp>
         <p:nvSpPr>
-          <p:cNvPr id="5" name="Slide Number Placeholder 4">
-            <a:extLst>
-              <a:ext uri="{FF2B5EF4-FFF2-40B4-BE49-F238E27FC236}">
-                <a16:creationId xmlns:a16="http://schemas.microsoft.com/office/drawing/2014/main" id="{47A03690-9C29-48E7-8789-F7D15F7F4554}"/>
-              </a:ext>
-            </a:extLst>
-          </p:cNvPr>
+          <p:cNvPr id="5" name="Slide Number Placeholder 4"/>
           <p:cNvSpPr>
             <a:spLocks noGrp="1"/>
           </p:cNvSpPr>
@@ -2041,7 +3679,7 @@
     </p:spTree>
     <p:extLst>
       <p:ext uri="{BB962C8B-B14F-4D97-AF65-F5344CB8AC3E}">
-        <p14:creationId xmlns:p14="http://schemas.microsoft.com/office/powerpoint/2010/main" val="445002192"/>
+        <p14:creationId xmlns:p14="http://schemas.microsoft.com/office/powerpoint/2010/main" val="1356982948"/>
       </p:ext>
     </p:extLst>
   </p:cSld>
@@ -2070,13 +3708,7 @@
       </p:grpSpPr>
       <p:sp>
         <p:nvSpPr>
-          <p:cNvPr id="2" name="Date Placeholder 1">
-            <a:extLst>
-              <a:ext uri="{FF2B5EF4-FFF2-40B4-BE49-F238E27FC236}">
-                <a16:creationId xmlns:a16="http://schemas.microsoft.com/office/drawing/2014/main" id="{B141D064-39C0-460D-97D2-E9E70E09E8D5}"/>
-              </a:ext>
-            </a:extLst>
-          </p:cNvPr>
+          <p:cNvPr id="2" name="Date Placeholder 1"/>
           <p:cNvSpPr>
             <a:spLocks noGrp="1"/>
           </p:cNvSpPr>
@@ -2091,7 +3723,7 @@
           <a:p>
             <a:fld id="{2F6BFBA6-5BB3-42AA-81F5-A6946EDBE6F3}" type="datetimeFigureOut">
               <a:rPr lang="en-ZA" smtClean="0"/>
-              <a:t>2017/09/06</a:t>
+              <a:t>2017/09/22</a:t>
             </a:fld>
             <a:endParaRPr lang="en-ZA"/>
           </a:p>
@@ -2099,13 +3731,7 @@
       </p:sp>
       <p:sp>
         <p:nvSpPr>
-          <p:cNvPr id="3" name="Footer Placeholder 2">
-            <a:extLst>
-              <a:ext uri="{FF2B5EF4-FFF2-40B4-BE49-F238E27FC236}">
-                <a16:creationId xmlns:a16="http://schemas.microsoft.com/office/drawing/2014/main" id="{846B8EC1-E8E0-4886-925A-FEEB6B746985}"/>
-              </a:ext>
-            </a:extLst>
-          </p:cNvPr>
+          <p:cNvPr id="3" name="Footer Placeholder 2"/>
           <p:cNvSpPr>
             <a:spLocks noGrp="1"/>
           </p:cNvSpPr>
@@ -2124,13 +3750,7 @@
       </p:sp>
       <p:sp>
         <p:nvSpPr>
-          <p:cNvPr id="4" name="Slide Number Placeholder 3">
-            <a:extLst>
-              <a:ext uri="{FF2B5EF4-FFF2-40B4-BE49-F238E27FC236}">
-                <a16:creationId xmlns:a16="http://schemas.microsoft.com/office/drawing/2014/main" id="{A2C6449C-F7F9-4CFA-9D54-409610042223}"/>
-              </a:ext>
-            </a:extLst>
-          </p:cNvPr>
+          <p:cNvPr id="4" name="Slide Number Placeholder 3"/>
           <p:cNvSpPr>
             <a:spLocks noGrp="1"/>
           </p:cNvSpPr>
@@ -2154,7 +3774,7 @@
     </p:spTree>
     <p:extLst>
       <p:ext uri="{BB962C8B-B14F-4D97-AF65-F5344CB8AC3E}">
-        <p14:creationId xmlns:p14="http://schemas.microsoft.com/office/powerpoint/2010/main" val="2250226108"/>
+        <p14:creationId xmlns:p14="http://schemas.microsoft.com/office/powerpoint/2010/main" val="1563796268"/>
       </p:ext>
     </p:extLst>
   </p:cSld>
@@ -2183,13 +3803,7 @@
       </p:grpSpPr>
       <p:sp>
         <p:nvSpPr>
-          <p:cNvPr id="2" name="Title 1">
-            <a:extLst>
-              <a:ext uri="{FF2B5EF4-FFF2-40B4-BE49-F238E27FC236}">
-                <a16:creationId xmlns:a16="http://schemas.microsoft.com/office/drawing/2014/main" id="{918EA170-04EE-40FA-82D9-B6AF98FE5D32}"/>
-              </a:ext>
-            </a:extLst>
-          </p:cNvPr>
+          <p:cNvPr id="2" name="Title 1"/>
           <p:cNvSpPr>
             <a:spLocks noGrp="1"/>
           </p:cNvSpPr>
@@ -2199,8 +3813,8 @@
         </p:nvSpPr>
         <p:spPr>
           <a:xfrm>
-            <a:off x="839788" y="457200"/>
-            <a:ext cx="3932237" cy="1600200"/>
+            <a:off x="629841" y="457200"/>
+            <a:ext cx="2949178" cy="1600200"/>
           </a:xfrm>
         </p:spPr>
         <p:txBody>
@@ -2215,19 +3829,13 @@
               <a:rPr lang="en-US"/>
               <a:t>Click to edit Master title style</a:t>
             </a:r>
-            <a:endParaRPr lang="en-ZA"/>
-          </a:p>
-        </p:txBody>
-      </p:sp>
-      <p:sp>
-        <p:nvSpPr>
-          <p:cNvPr id="3" name="Content Placeholder 2">
-            <a:extLst>
-              <a:ext uri="{FF2B5EF4-FFF2-40B4-BE49-F238E27FC236}">
-                <a16:creationId xmlns:a16="http://schemas.microsoft.com/office/drawing/2014/main" id="{7A0D6F95-2301-4F96-9235-7168A32AA8D8}"/>
-              </a:ext>
-            </a:extLst>
-          </p:cNvPr>
+            <a:endParaRPr lang="en-US" dirty="0"/>
+          </a:p>
+        </p:txBody>
+      </p:sp>
+      <p:sp>
+        <p:nvSpPr>
+          <p:cNvPr id="3" name="Content Placeholder 2"/>
           <p:cNvSpPr>
             <a:spLocks noGrp="1"/>
           </p:cNvSpPr>
@@ -2237,8 +3845,8 @@
         </p:nvSpPr>
         <p:spPr>
           <a:xfrm>
-            <a:off x="5183188" y="987425"/>
-            <a:ext cx="6172200" cy="4873625"/>
+            <a:off x="3887391" y="987426"/>
+            <a:ext cx="4629150" cy="4873625"/>
           </a:xfrm>
         </p:spPr>
         <p:txBody>
@@ -2306,19 +3914,13 @@
               <a:rPr lang="en-US"/>
               <a:t>Fifth level</a:t>
             </a:r>
-            <a:endParaRPr lang="en-ZA"/>
-          </a:p>
-        </p:txBody>
-      </p:sp>
-      <p:sp>
-        <p:nvSpPr>
-          <p:cNvPr id="4" name="Text Placeholder 3">
-            <a:extLst>
-              <a:ext uri="{FF2B5EF4-FFF2-40B4-BE49-F238E27FC236}">
-                <a16:creationId xmlns:a16="http://schemas.microsoft.com/office/drawing/2014/main" id="{122067C3-AC7A-456E-AD6A-A13511A877F0}"/>
-              </a:ext>
-            </a:extLst>
-          </p:cNvPr>
+            <a:endParaRPr lang="en-US" dirty="0"/>
+          </a:p>
+        </p:txBody>
+      </p:sp>
+      <p:sp>
+        <p:nvSpPr>
+          <p:cNvPr id="4" name="Text Placeholder 3"/>
           <p:cNvSpPr>
             <a:spLocks noGrp="1"/>
           </p:cNvSpPr>
@@ -2328,8 +3930,8 @@
         </p:nvSpPr>
         <p:spPr>
           <a:xfrm>
-            <a:off x="839788" y="2057400"/>
-            <a:ext cx="3932237" cy="3811588"/>
+            <a:off x="629841" y="2057400"/>
+            <a:ext cx="2949178" cy="3811588"/>
           </a:xfrm>
         </p:spPr>
         <p:txBody>
@@ -2383,13 +3985,7 @@
       </p:sp>
       <p:sp>
         <p:nvSpPr>
-          <p:cNvPr id="5" name="Date Placeholder 4">
-            <a:extLst>
-              <a:ext uri="{FF2B5EF4-FFF2-40B4-BE49-F238E27FC236}">
-                <a16:creationId xmlns:a16="http://schemas.microsoft.com/office/drawing/2014/main" id="{0AC8770C-9052-4ABE-A067-7B5358540D27}"/>
-              </a:ext>
-            </a:extLst>
-          </p:cNvPr>
+          <p:cNvPr id="5" name="Date Placeholder 4"/>
           <p:cNvSpPr>
             <a:spLocks noGrp="1"/>
           </p:cNvSpPr>
@@ -2404,7 +4000,7 @@
           <a:p>
             <a:fld id="{2F6BFBA6-5BB3-42AA-81F5-A6946EDBE6F3}" type="datetimeFigureOut">
               <a:rPr lang="en-ZA" smtClean="0"/>
-              <a:t>2017/09/06</a:t>
+              <a:t>2017/09/22</a:t>
             </a:fld>
             <a:endParaRPr lang="en-ZA"/>
           </a:p>
@@ -2412,13 +4008,7 @@
       </p:sp>
       <p:sp>
         <p:nvSpPr>
-          <p:cNvPr id="6" name="Footer Placeholder 5">
-            <a:extLst>
-              <a:ext uri="{FF2B5EF4-FFF2-40B4-BE49-F238E27FC236}">
-                <a16:creationId xmlns:a16="http://schemas.microsoft.com/office/drawing/2014/main" id="{74739B8D-9458-4901-9F44-AFA6CBCFD458}"/>
-              </a:ext>
-            </a:extLst>
-          </p:cNvPr>
+          <p:cNvPr id="6" name="Footer Placeholder 5"/>
           <p:cNvSpPr>
             <a:spLocks noGrp="1"/>
           </p:cNvSpPr>
@@ -2437,13 +4027,7 @@
       </p:sp>
       <p:sp>
         <p:nvSpPr>
-          <p:cNvPr id="7" name="Slide Number Placeholder 6">
-            <a:extLst>
-              <a:ext uri="{FF2B5EF4-FFF2-40B4-BE49-F238E27FC236}">
-                <a16:creationId xmlns:a16="http://schemas.microsoft.com/office/drawing/2014/main" id="{F7FABF05-859C-41AE-9DB3-C507B9532677}"/>
-              </a:ext>
-            </a:extLst>
-          </p:cNvPr>
+          <p:cNvPr id="7" name="Slide Number Placeholder 6"/>
           <p:cNvSpPr>
             <a:spLocks noGrp="1"/>
           </p:cNvSpPr>
@@ -2467,7 +4051,7 @@
     </p:spTree>
     <p:extLst>
       <p:ext uri="{BB962C8B-B14F-4D97-AF65-F5344CB8AC3E}">
-        <p14:creationId xmlns:p14="http://schemas.microsoft.com/office/powerpoint/2010/main" val="3958137675"/>
+        <p14:creationId xmlns:p14="http://schemas.microsoft.com/office/powerpoint/2010/main" val="1893021012"/>
       </p:ext>
     </p:extLst>
   </p:cSld>
@@ -2496,13 +4080,7 @@
       </p:grpSpPr>
       <p:sp>
         <p:nvSpPr>
-          <p:cNvPr id="2" name="Title 1">
-            <a:extLst>
-              <a:ext uri="{FF2B5EF4-FFF2-40B4-BE49-F238E27FC236}">
-                <a16:creationId xmlns:a16="http://schemas.microsoft.com/office/drawing/2014/main" id="{A3B708C4-EEC6-466D-B479-8CD7EA4F1021}"/>
-              </a:ext>
-            </a:extLst>
-          </p:cNvPr>
+          <p:cNvPr id="2" name="Title 1"/>
           <p:cNvSpPr>
             <a:spLocks noGrp="1"/>
           </p:cNvSpPr>
@@ -2512,8 +4090,8 @@
         </p:nvSpPr>
         <p:spPr>
           <a:xfrm>
-            <a:off x="839788" y="457200"/>
-            <a:ext cx="3932237" cy="1600200"/>
+            <a:off x="629841" y="457200"/>
+            <a:ext cx="2949178" cy="1600200"/>
           </a:xfrm>
         </p:spPr>
         <p:txBody>
@@ -2528,21 +4106,15 @@
               <a:rPr lang="en-US"/>
               <a:t>Click to edit Master title style</a:t>
             </a:r>
-            <a:endParaRPr lang="en-ZA"/>
-          </a:p>
-        </p:txBody>
-      </p:sp>
-      <p:sp>
-        <p:nvSpPr>
-          <p:cNvPr id="3" name="Picture Placeholder 2">
-            <a:extLst>
-              <a:ext uri="{FF2B5EF4-FFF2-40B4-BE49-F238E27FC236}">
-                <a16:creationId xmlns:a16="http://schemas.microsoft.com/office/drawing/2014/main" id="{CAFBED51-94D6-4D17-ADEC-ED1B5E189E9E}"/>
-              </a:ext>
-            </a:extLst>
-          </p:cNvPr>
+            <a:endParaRPr lang="en-US" dirty="0"/>
+          </a:p>
+        </p:txBody>
+      </p:sp>
+      <p:sp>
+        <p:nvSpPr>
+          <p:cNvPr id="3" name="Picture Placeholder 2"/>
           <p:cNvSpPr>
-            <a:spLocks noGrp="1"/>
+            <a:spLocks noGrp="1" noChangeAspect="1"/>
           </p:cNvSpPr>
           <p:nvPr>
             <p:ph type="pic" idx="1"/>
@@ -2550,12 +4122,12 @@
         </p:nvSpPr>
         <p:spPr>
           <a:xfrm>
-            <a:off x="5183188" y="987425"/>
-            <a:ext cx="6172200" cy="4873625"/>
+            <a:off x="3887391" y="987426"/>
+            <a:ext cx="4629150" cy="4873625"/>
           </a:xfrm>
         </p:spPr>
         <p:txBody>
-          <a:bodyPr/>
+          <a:bodyPr anchor="t"/>
           <a:lstStyle>
             <a:lvl1pPr marL="0" indent="0">
               <a:buNone/>
@@ -2595,19 +4167,17 @@
             </a:lvl9pPr>
           </a:lstStyle>
           <a:p>
-            <a:endParaRPr lang="en-ZA"/>
-          </a:p>
-        </p:txBody>
-      </p:sp>
-      <p:sp>
-        <p:nvSpPr>
-          <p:cNvPr id="4" name="Text Placeholder 3">
-            <a:extLst>
-              <a:ext uri="{FF2B5EF4-FFF2-40B4-BE49-F238E27FC236}">
-                <a16:creationId xmlns:a16="http://schemas.microsoft.com/office/drawing/2014/main" id="{2804019B-9142-4CFF-A8BD-8AB3269B92D4}"/>
-              </a:ext>
-            </a:extLst>
-          </p:cNvPr>
+            <a:r>
+              <a:rPr lang="en-US"/>
+              <a:t>Click icon to add picture</a:t>
+            </a:r>
+            <a:endParaRPr lang="en-US" dirty="0"/>
+          </a:p>
+        </p:txBody>
+      </p:sp>
+      <p:sp>
+        <p:nvSpPr>
+          <p:cNvPr id="4" name="Text Placeholder 3"/>
           <p:cNvSpPr>
             <a:spLocks noGrp="1"/>
           </p:cNvSpPr>
@@ -2617,8 +4187,8 @@
         </p:nvSpPr>
         <p:spPr>
           <a:xfrm>
-            <a:off x="839788" y="2057400"/>
-            <a:ext cx="3932237" cy="3811588"/>
+            <a:off x="629841" y="2057400"/>
+            <a:ext cx="2949178" cy="3811588"/>
           </a:xfrm>
         </p:spPr>
         <p:txBody>
@@ -2672,13 +4242,7 @@
       </p:sp>
       <p:sp>
         <p:nvSpPr>
-          <p:cNvPr id="5" name="Date Placeholder 4">
-            <a:extLst>
-              <a:ext uri="{FF2B5EF4-FFF2-40B4-BE49-F238E27FC236}">
-                <a16:creationId xmlns:a16="http://schemas.microsoft.com/office/drawing/2014/main" id="{1B1E7601-E864-4657-9D52-C981FE03DDF5}"/>
-              </a:ext>
-            </a:extLst>
-          </p:cNvPr>
+          <p:cNvPr id="5" name="Date Placeholder 4"/>
           <p:cNvSpPr>
             <a:spLocks noGrp="1"/>
           </p:cNvSpPr>
@@ -2693,7 +4257,7 @@
           <a:p>
             <a:fld id="{2F6BFBA6-5BB3-42AA-81F5-A6946EDBE6F3}" type="datetimeFigureOut">
               <a:rPr lang="en-ZA" smtClean="0"/>
-              <a:t>2017/09/06</a:t>
+              <a:t>2017/09/22</a:t>
             </a:fld>
             <a:endParaRPr lang="en-ZA"/>
           </a:p>
@@ -2701,13 +4265,7 @@
       </p:sp>
       <p:sp>
         <p:nvSpPr>
-          <p:cNvPr id="6" name="Footer Placeholder 5">
-            <a:extLst>
-              <a:ext uri="{FF2B5EF4-FFF2-40B4-BE49-F238E27FC236}">
-                <a16:creationId xmlns:a16="http://schemas.microsoft.com/office/drawing/2014/main" id="{F31B3A05-5B60-4B16-BA6D-E507AC13C7DA}"/>
-              </a:ext>
-            </a:extLst>
-          </p:cNvPr>
+          <p:cNvPr id="6" name="Footer Placeholder 5"/>
           <p:cNvSpPr>
             <a:spLocks noGrp="1"/>
           </p:cNvSpPr>
@@ -2726,13 +4284,7 @@
       </p:sp>
       <p:sp>
         <p:nvSpPr>
-          <p:cNvPr id="7" name="Slide Number Placeholder 6">
-            <a:extLst>
-              <a:ext uri="{FF2B5EF4-FFF2-40B4-BE49-F238E27FC236}">
-                <a16:creationId xmlns:a16="http://schemas.microsoft.com/office/drawing/2014/main" id="{635C6C63-EDC0-4D79-B8CA-FB96BA4A7FF6}"/>
-              </a:ext>
-            </a:extLst>
-          </p:cNvPr>
+          <p:cNvPr id="7" name="Slide Number Placeholder 6"/>
           <p:cNvSpPr>
             <a:spLocks noGrp="1"/>
           </p:cNvSpPr>
@@ -2756,7 +4308,7 @@
     </p:spTree>
     <p:extLst>
       <p:ext uri="{BB962C8B-B14F-4D97-AF65-F5344CB8AC3E}">
-        <p14:creationId xmlns:p14="http://schemas.microsoft.com/office/powerpoint/2010/main" val="4146135110"/>
+        <p14:creationId xmlns:p14="http://schemas.microsoft.com/office/powerpoint/2010/main" val="433144774"/>
       </p:ext>
     </p:extLst>
   </p:cSld>
@@ -2790,13 +4342,7 @@
       </p:grpSpPr>
       <p:sp>
         <p:nvSpPr>
-          <p:cNvPr id="2" name="Title Placeholder 1">
-            <a:extLst>
-              <a:ext uri="{FF2B5EF4-FFF2-40B4-BE49-F238E27FC236}">
-                <a16:creationId xmlns:a16="http://schemas.microsoft.com/office/drawing/2014/main" id="{AFB91953-E20A-49E3-948D-30444433B028}"/>
-              </a:ext>
-            </a:extLst>
-          </p:cNvPr>
+          <p:cNvPr id="2" name="Title Placeholder 1"/>
           <p:cNvSpPr>
             <a:spLocks noGrp="1"/>
           </p:cNvSpPr>
@@ -2806,8 +4352,8 @@
         </p:nvSpPr>
         <p:spPr>
           <a:xfrm>
-            <a:off x="838200" y="365125"/>
-            <a:ext cx="10515600" cy="1325563"/>
+            <a:off x="628650" y="365126"/>
+            <a:ext cx="7886700" cy="1325563"/>
           </a:xfrm>
           <a:prstGeom prst="rect">
             <a:avLst/>
@@ -2823,19 +4369,13 @@
               <a:rPr lang="en-US"/>
               <a:t>Click to edit Master title style</a:t>
             </a:r>
-            <a:endParaRPr lang="en-ZA"/>
-          </a:p>
-        </p:txBody>
-      </p:sp>
-      <p:sp>
-        <p:nvSpPr>
-          <p:cNvPr id="3" name="Text Placeholder 2">
-            <a:extLst>
-              <a:ext uri="{FF2B5EF4-FFF2-40B4-BE49-F238E27FC236}">
-                <a16:creationId xmlns:a16="http://schemas.microsoft.com/office/drawing/2014/main" id="{7DD65964-86D9-4B15-A651-AFDE4E45D3F0}"/>
-              </a:ext>
-            </a:extLst>
-          </p:cNvPr>
+            <a:endParaRPr lang="en-US" dirty="0"/>
+          </a:p>
+        </p:txBody>
+      </p:sp>
+      <p:sp>
+        <p:nvSpPr>
+          <p:cNvPr id="3" name="Text Placeholder 2"/>
           <p:cNvSpPr>
             <a:spLocks noGrp="1"/>
           </p:cNvSpPr>
@@ -2845,8 +4385,8 @@
         </p:nvSpPr>
         <p:spPr>
           <a:xfrm>
-            <a:off x="838200" y="1825625"/>
-            <a:ext cx="10515600" cy="4351338"/>
+            <a:off x="628650" y="1825625"/>
+            <a:ext cx="7886700" cy="4351338"/>
           </a:xfrm>
           <a:prstGeom prst="rect">
             <a:avLst/>
@@ -2891,19 +4431,13 @@
               <a:rPr lang="en-US"/>
               <a:t>Fifth level</a:t>
             </a:r>
-            <a:endParaRPr lang="en-ZA"/>
-          </a:p>
-        </p:txBody>
-      </p:sp>
-      <p:sp>
-        <p:nvSpPr>
-          <p:cNvPr id="4" name="Date Placeholder 3">
-            <a:extLst>
-              <a:ext uri="{FF2B5EF4-FFF2-40B4-BE49-F238E27FC236}">
-                <a16:creationId xmlns:a16="http://schemas.microsoft.com/office/drawing/2014/main" id="{992C7180-C155-413A-96BE-24F18FF0AC18}"/>
-              </a:ext>
-            </a:extLst>
-          </p:cNvPr>
+            <a:endParaRPr lang="en-US" dirty="0"/>
+          </a:p>
+        </p:txBody>
+      </p:sp>
+      <p:sp>
+        <p:nvSpPr>
+          <p:cNvPr id="4" name="Date Placeholder 3"/>
           <p:cNvSpPr>
             <a:spLocks noGrp="1"/>
           </p:cNvSpPr>
@@ -2913,8 +4447,8 @@
         </p:nvSpPr>
         <p:spPr>
           <a:xfrm>
-            <a:off x="838200" y="6356350"/>
-            <a:ext cx="2743200" cy="365125"/>
+            <a:off x="628650" y="6356351"/>
+            <a:ext cx="2057400" cy="365125"/>
           </a:xfrm>
           <a:prstGeom prst="rect">
             <a:avLst/>
@@ -2936,7 +4470,7 @@
           <a:p>
             <a:fld id="{2F6BFBA6-5BB3-42AA-81F5-A6946EDBE6F3}" type="datetimeFigureOut">
               <a:rPr lang="en-ZA" smtClean="0"/>
-              <a:t>2017/09/06</a:t>
+              <a:t>2017/09/22</a:t>
             </a:fld>
             <a:endParaRPr lang="en-ZA"/>
           </a:p>
@@ -2944,13 +4478,7 @@
       </p:sp>
       <p:sp>
         <p:nvSpPr>
-          <p:cNvPr id="5" name="Footer Placeholder 4">
-            <a:extLst>
-              <a:ext uri="{FF2B5EF4-FFF2-40B4-BE49-F238E27FC236}">
-                <a16:creationId xmlns:a16="http://schemas.microsoft.com/office/drawing/2014/main" id="{E96AB6BD-3BE0-411F-A63F-9648317ED46A}"/>
-              </a:ext>
-            </a:extLst>
-          </p:cNvPr>
+          <p:cNvPr id="5" name="Footer Placeholder 4"/>
           <p:cNvSpPr>
             <a:spLocks noGrp="1"/>
           </p:cNvSpPr>
@@ -2960,8 +4488,8 @@
         </p:nvSpPr>
         <p:spPr>
           <a:xfrm>
-            <a:off x="4038600" y="6356350"/>
-            <a:ext cx="4114800" cy="365125"/>
+            <a:off x="3028950" y="6356351"/>
+            <a:ext cx="3086100" cy="365125"/>
           </a:xfrm>
           <a:prstGeom prst="rect">
             <a:avLst/>
@@ -2987,13 +4515,7 @@
       </p:sp>
       <p:sp>
         <p:nvSpPr>
-          <p:cNvPr id="6" name="Slide Number Placeholder 5">
-            <a:extLst>
-              <a:ext uri="{FF2B5EF4-FFF2-40B4-BE49-F238E27FC236}">
-                <a16:creationId xmlns:a16="http://schemas.microsoft.com/office/drawing/2014/main" id="{150783E0-DBF9-43A2-9CEA-1113B6E8CE9C}"/>
-              </a:ext>
-            </a:extLst>
-          </p:cNvPr>
+          <p:cNvPr id="6" name="Slide Number Placeholder 5"/>
           <p:cNvSpPr>
             <a:spLocks noGrp="1"/>
           </p:cNvSpPr>
@@ -3003,8 +4525,8 @@
         </p:nvSpPr>
         <p:spPr>
           <a:xfrm>
-            <a:off x="8610600" y="6356350"/>
-            <a:ext cx="2743200" cy="365125"/>
+            <a:off x="6457950" y="6356351"/>
+            <a:ext cx="2057400" cy="365125"/>
           </a:xfrm>
           <a:prstGeom prst="rect">
             <a:avLst/>
@@ -3035,23 +4557,23 @@
     </p:spTree>
     <p:extLst>
       <p:ext uri="{BB962C8B-B14F-4D97-AF65-F5344CB8AC3E}">
-        <p14:creationId xmlns:p14="http://schemas.microsoft.com/office/powerpoint/2010/main" val="3933854910"/>
+        <p14:creationId xmlns:p14="http://schemas.microsoft.com/office/powerpoint/2010/main" val="4195629696"/>
       </p:ext>
     </p:extLst>
   </p:cSld>
   <p:clrMap bg1="lt1" tx1="dk1" bg2="lt2" tx2="dk2" accent1="accent1" accent2="accent2" accent3="accent3" accent4="accent4" accent5="accent5" accent6="accent6" hlink="hlink" folHlink="folHlink"/>
   <p:sldLayoutIdLst>
-    <p:sldLayoutId id="2147483649" r:id="rId1"/>
-    <p:sldLayoutId id="2147483650" r:id="rId2"/>
-    <p:sldLayoutId id="2147483651" r:id="rId3"/>
-    <p:sldLayoutId id="2147483652" r:id="rId4"/>
-    <p:sldLayoutId id="2147483653" r:id="rId5"/>
-    <p:sldLayoutId id="2147483654" r:id="rId6"/>
-    <p:sldLayoutId id="2147483655" r:id="rId7"/>
-    <p:sldLayoutId id="2147483656" r:id="rId8"/>
-    <p:sldLayoutId id="2147483657" r:id="rId9"/>
-    <p:sldLayoutId id="2147483658" r:id="rId10"/>
-    <p:sldLayoutId id="2147483659" r:id="rId11"/>
+    <p:sldLayoutId id="2147483661" r:id="rId1"/>
+    <p:sldLayoutId id="2147483662" r:id="rId2"/>
+    <p:sldLayoutId id="2147483663" r:id="rId3"/>
+    <p:sldLayoutId id="2147483664" r:id="rId4"/>
+    <p:sldLayoutId id="2147483665" r:id="rId5"/>
+    <p:sldLayoutId id="2147483666" r:id="rId6"/>
+    <p:sldLayoutId id="2147483667" r:id="rId7"/>
+    <p:sldLayoutId id="2147483668" r:id="rId8"/>
+    <p:sldLayoutId id="2147483669" r:id="rId9"/>
+    <p:sldLayoutId id="2147483670" r:id="rId10"/>
+    <p:sldLayoutId id="2147483671" r:id="rId11"/>
   </p:sldLayoutIdLst>
   <p:txStyles>
     <p:titleStyle>
@@ -3353,6 +4875,62 @@
           <a:chExt cx="0" cy="0"/>
         </a:xfrm>
       </p:grpSpPr>
+      <p:graphicFrame>
+        <p:nvGraphicFramePr>
+          <p:cNvPr id="77" name="Chart 76">
+            <a:extLst>
+              <a:ext uri="{FF2B5EF4-FFF2-40B4-BE49-F238E27FC236}">
+                <a16:creationId xmlns:a16="http://schemas.microsoft.com/office/drawing/2014/main" id="{F2C16A0E-1A1A-4C5B-981F-4B698F8C622D}"/>
+              </a:ext>
+            </a:extLst>
+          </p:cNvPr>
+          <p:cNvGraphicFramePr/>
+          <p:nvPr>
+            <p:extLst>
+              <p:ext uri="{D42A27DB-BD31-4B8C-83A1-F6EECF244321}">
+                <p14:modId xmlns:p14="http://schemas.microsoft.com/office/powerpoint/2010/main" val="3338711499"/>
+              </p:ext>
+            </p:extLst>
+          </p:nvPr>
+        </p:nvGraphicFramePr>
+        <p:xfrm>
+          <a:off x="1" y="4770673"/>
+          <a:ext cx="9144000" cy="2148766"/>
+        </p:xfrm>
+        <a:graphic>
+          <a:graphicData uri="http://schemas.openxmlformats.org/drawingml/2006/chart">
+            <c:chart xmlns:c="http://schemas.openxmlformats.org/drawingml/2006/chart" xmlns:r="http://schemas.openxmlformats.org/officeDocument/2006/relationships" r:id="rId2"/>
+          </a:graphicData>
+        </a:graphic>
+      </p:graphicFrame>
+      <p:graphicFrame>
+        <p:nvGraphicFramePr>
+          <p:cNvPr id="76" name="Chart 75">
+            <a:extLst>
+              <a:ext uri="{FF2B5EF4-FFF2-40B4-BE49-F238E27FC236}">
+                <a16:creationId xmlns:a16="http://schemas.microsoft.com/office/drawing/2014/main" id="{0A5E9196-C6F6-468A-8E05-3BD170DA8A84}"/>
+              </a:ext>
+            </a:extLst>
+          </p:cNvPr>
+          <p:cNvGraphicFramePr/>
+          <p:nvPr>
+            <p:extLst>
+              <p:ext uri="{D42A27DB-BD31-4B8C-83A1-F6EECF244321}">
+                <p14:modId xmlns:p14="http://schemas.microsoft.com/office/powerpoint/2010/main" val="3537580133"/>
+              </p:ext>
+            </p:extLst>
+          </p:nvPr>
+        </p:nvGraphicFramePr>
+        <p:xfrm>
+          <a:off x="0" y="107798"/>
+          <a:ext cx="9143999" cy="2139259"/>
+        </p:xfrm>
+        <a:graphic>
+          <a:graphicData uri="http://schemas.openxmlformats.org/drawingml/2006/chart">
+            <c:chart xmlns:c="http://schemas.openxmlformats.org/drawingml/2006/chart" xmlns:r="http://schemas.openxmlformats.org/officeDocument/2006/relationships" r:id="rId3"/>
+          </a:graphicData>
+        </a:graphic>
+      </p:graphicFrame>
       <p:sp>
         <p:nvSpPr>
           <p:cNvPr id="4" name="Rectangle 3">
@@ -3367,33 +4945,737 @@
         </p:nvSpPr>
         <p:spPr>
           <a:xfrm>
-            <a:off x="226846" y="809024"/>
-            <a:ext cx="4077050" cy="855677"/>
+            <a:off x="518574" y="107798"/>
+            <a:ext cx="1866272" cy="393620"/>
           </a:xfrm>
           <a:prstGeom prst="rect">
             <a:avLst/>
           </a:prstGeom>
-          <a:gradFill>
+          <a:gradFill flip="none" rotWithShape="1">
             <a:gsLst>
               <a:gs pos="0">
                 <a:schemeClr val="accent1">
-                  <a:alpha val="55000"/>
-                  <a:lumMod val="90000"/>
-                  <a:lumOff val="10000"/>
+                  <a:lumMod val="89000"/>
                 </a:schemeClr>
               </a:gs>
-              <a:gs pos="44000">
-                <a:srgbClr val="7030A0">
-                  <a:alpha val="45000"/>
-                </a:srgbClr>
+              <a:gs pos="23000">
+                <a:schemeClr val="accent1">
+                  <a:lumMod val="89000"/>
+                </a:schemeClr>
               </a:gs>
-              <a:gs pos="100000">
-                <a:srgbClr val="C00000">
-                  <a:alpha val="43000"/>
-                </a:srgbClr>
+              <a:gs pos="69000">
+                <a:schemeClr val="accent1">
+                  <a:lumMod val="75000"/>
+                </a:schemeClr>
+              </a:gs>
+              <a:gs pos="97000">
+                <a:schemeClr val="accent1">
+                  <a:lumMod val="70000"/>
+                </a:schemeClr>
               </a:gs>
             </a:gsLst>
-            <a:lin ang="10800000" scaled="0"/>
+            <a:path path="circle">
+              <a:fillToRect l="50000" t="50000" r="50000" b="50000"/>
+            </a:path>
+            <a:tileRect/>
+          </a:gradFill>
+          <a:ln>
+            <a:noFill/>
+          </a:ln>
+          <a:effectLst>
+            <a:outerShdw blurRad="63500" sx="102000" sy="102000" algn="ctr" rotWithShape="0">
+              <a:prstClr val="black">
+                <a:alpha val="40000"/>
+              </a:prstClr>
+            </a:outerShdw>
+          </a:effectLst>
+        </p:spPr>
+        <p:style>
+          <a:lnRef idx="2">
+            <a:schemeClr val="accent1">
+              <a:shade val="50000"/>
+            </a:schemeClr>
+          </a:lnRef>
+          <a:fillRef idx="1">
+            <a:schemeClr val="accent1"/>
+          </a:fillRef>
+          <a:effectRef idx="0">
+            <a:schemeClr val="accent1"/>
+          </a:effectRef>
+          <a:fontRef idx="minor">
+            <a:schemeClr val="lt1"/>
+          </a:fontRef>
+        </p:style>
+        <p:txBody>
+          <a:bodyPr rtlCol="0" anchor="ctr"/>
+          <a:lstStyle/>
+          <a:p>
+            <a:pPr algn="ctr"/>
+            <a:r>
+              <a:rPr lang="en-ZA" sz="2400" b="1" dirty="0">
+                <a:latin typeface="Open Sans" panose="020B0606030504020204" pitchFamily="34" charset="0"/>
+                <a:ea typeface="Open Sans" panose="020B0606030504020204" pitchFamily="34" charset="0"/>
+                <a:cs typeface="Open Sans" panose="020B0606030504020204" pitchFamily="34" charset="0"/>
+              </a:rPr>
+              <a:t>Analyse</a:t>
+            </a:r>
+          </a:p>
+        </p:txBody>
+      </p:sp>
+      <p:sp>
+        <p:nvSpPr>
+          <p:cNvPr id="6" name="Rectangle 5">
+            <a:extLst>
+              <a:ext uri="{FF2B5EF4-FFF2-40B4-BE49-F238E27FC236}">
+                <a16:creationId xmlns:a16="http://schemas.microsoft.com/office/drawing/2014/main" id="{07283E65-2663-4C02-98C6-537C4AB868B4}"/>
+              </a:ext>
+            </a:extLst>
+          </p:cNvPr>
+          <p:cNvSpPr/>
+          <p:nvPr/>
+        </p:nvSpPr>
+        <p:spPr>
+          <a:xfrm>
+            <a:off x="4677115" y="1142468"/>
+            <a:ext cx="1866272" cy="393620"/>
+          </a:xfrm>
+          <a:prstGeom prst="rect">
+            <a:avLst/>
+          </a:prstGeom>
+          <a:gradFill flip="none" rotWithShape="1">
+            <a:gsLst>
+              <a:gs pos="0">
+                <a:schemeClr val="accent1">
+                  <a:lumMod val="89000"/>
+                </a:schemeClr>
+              </a:gs>
+              <a:gs pos="23000">
+                <a:schemeClr val="accent1">
+                  <a:lumMod val="89000"/>
+                </a:schemeClr>
+              </a:gs>
+              <a:gs pos="69000">
+                <a:schemeClr val="accent1">
+                  <a:lumMod val="75000"/>
+                </a:schemeClr>
+              </a:gs>
+              <a:gs pos="97000">
+                <a:schemeClr val="accent1">
+                  <a:lumMod val="70000"/>
+                </a:schemeClr>
+              </a:gs>
+            </a:gsLst>
+            <a:path path="circle">
+              <a:fillToRect l="50000" t="50000" r="50000" b="50000"/>
+            </a:path>
+            <a:tileRect/>
+          </a:gradFill>
+          <a:ln>
+            <a:noFill/>
+          </a:ln>
+          <a:effectLst>
+            <a:outerShdw blurRad="63500" sx="102000" sy="102000" algn="ctr" rotWithShape="0">
+              <a:prstClr val="black">
+                <a:alpha val="40000"/>
+              </a:prstClr>
+            </a:outerShdw>
+          </a:effectLst>
+        </p:spPr>
+        <p:style>
+          <a:lnRef idx="2">
+            <a:schemeClr val="accent1">
+              <a:shade val="50000"/>
+            </a:schemeClr>
+          </a:lnRef>
+          <a:fillRef idx="1">
+            <a:schemeClr val="accent1"/>
+          </a:fillRef>
+          <a:effectRef idx="0">
+            <a:schemeClr val="accent1"/>
+          </a:effectRef>
+          <a:fontRef idx="minor">
+            <a:schemeClr val="lt1"/>
+          </a:fontRef>
+        </p:style>
+        <p:txBody>
+          <a:bodyPr rtlCol="0" anchor="ctr"/>
+          <a:lstStyle/>
+          <a:p>
+            <a:pPr algn="ctr"/>
+            <a:r>
+              <a:rPr lang="en-ZA" sz="2400" b="1" dirty="0">
+                <a:latin typeface="Open Sans" panose="020B0606030504020204" pitchFamily="34" charset="0"/>
+                <a:ea typeface="Open Sans" panose="020B0606030504020204" pitchFamily="34" charset="0"/>
+                <a:cs typeface="Open Sans" panose="020B0606030504020204" pitchFamily="34" charset="0"/>
+              </a:rPr>
+              <a:t>Test</a:t>
+            </a:r>
+          </a:p>
+        </p:txBody>
+      </p:sp>
+      <p:sp>
+        <p:nvSpPr>
+          <p:cNvPr id="7" name="Rectangle 6">
+            <a:extLst>
+              <a:ext uri="{FF2B5EF4-FFF2-40B4-BE49-F238E27FC236}">
+                <a16:creationId xmlns:a16="http://schemas.microsoft.com/office/drawing/2014/main" id="{FC1802DE-7165-4AF5-A98B-2A1EA2DDF89D}"/>
+              </a:ext>
+            </a:extLst>
+          </p:cNvPr>
+          <p:cNvSpPr/>
+          <p:nvPr/>
+        </p:nvSpPr>
+        <p:spPr>
+          <a:xfrm>
+            <a:off x="6756386" y="1659802"/>
+            <a:ext cx="1866272" cy="393620"/>
+          </a:xfrm>
+          <a:prstGeom prst="rect">
+            <a:avLst/>
+          </a:prstGeom>
+          <a:gradFill flip="none" rotWithShape="1">
+            <a:gsLst>
+              <a:gs pos="0">
+                <a:schemeClr val="accent1">
+                  <a:lumMod val="89000"/>
+                </a:schemeClr>
+              </a:gs>
+              <a:gs pos="23000">
+                <a:schemeClr val="accent1">
+                  <a:lumMod val="89000"/>
+                </a:schemeClr>
+              </a:gs>
+              <a:gs pos="69000">
+                <a:schemeClr val="accent1">
+                  <a:lumMod val="75000"/>
+                </a:schemeClr>
+              </a:gs>
+              <a:gs pos="97000">
+                <a:schemeClr val="accent1">
+                  <a:lumMod val="70000"/>
+                </a:schemeClr>
+              </a:gs>
+            </a:gsLst>
+            <a:path path="circle">
+              <a:fillToRect l="50000" t="50000" r="50000" b="50000"/>
+            </a:path>
+            <a:tileRect/>
+          </a:gradFill>
+          <a:ln>
+            <a:noFill/>
+          </a:ln>
+          <a:effectLst>
+            <a:outerShdw blurRad="63500" sx="102000" sy="102000" algn="ctr" rotWithShape="0">
+              <a:prstClr val="black">
+                <a:alpha val="40000"/>
+              </a:prstClr>
+            </a:outerShdw>
+          </a:effectLst>
+        </p:spPr>
+        <p:style>
+          <a:lnRef idx="2">
+            <a:schemeClr val="accent1">
+              <a:shade val="50000"/>
+            </a:schemeClr>
+          </a:lnRef>
+          <a:fillRef idx="1">
+            <a:schemeClr val="accent1"/>
+          </a:fillRef>
+          <a:effectRef idx="0">
+            <a:schemeClr val="accent1"/>
+          </a:effectRef>
+          <a:fontRef idx="minor">
+            <a:schemeClr val="lt1"/>
+          </a:fontRef>
+        </p:style>
+        <p:txBody>
+          <a:bodyPr rtlCol="0" anchor="ctr"/>
+          <a:lstStyle/>
+          <a:p>
+            <a:pPr algn="ctr"/>
+            <a:r>
+              <a:rPr lang="en-ZA" sz="2400" b="1" dirty="0">
+                <a:latin typeface="Open Sans" panose="020B0606030504020204" pitchFamily="34" charset="0"/>
+                <a:ea typeface="Open Sans" panose="020B0606030504020204" pitchFamily="34" charset="0"/>
+                <a:cs typeface="Open Sans" panose="020B0606030504020204" pitchFamily="34" charset="0"/>
+              </a:rPr>
+              <a:t>Deploy</a:t>
+            </a:r>
+          </a:p>
+        </p:txBody>
+      </p:sp>
+      <p:cxnSp>
+        <p:nvCxnSpPr>
+          <p:cNvPr id="17" name="Connector: Curved 16">
+            <a:extLst>
+              <a:ext uri="{FF2B5EF4-FFF2-40B4-BE49-F238E27FC236}">
+                <a16:creationId xmlns:a16="http://schemas.microsoft.com/office/drawing/2014/main" id="{C17EE72D-9D5F-4E1F-AE8C-DD750A3A567D}"/>
+              </a:ext>
+            </a:extLst>
+          </p:cNvPr>
+          <p:cNvCxnSpPr>
+            <a:cxnSpLocks/>
+            <a:stCxn id="4" idx="3"/>
+            <a:endCxn id="5" idx="0"/>
+          </p:cNvCxnSpPr>
+          <p:nvPr/>
+        </p:nvCxnSpPr>
+        <p:spPr>
+          <a:xfrm>
+            <a:off x="2384846" y="304608"/>
+            <a:ext cx="1146134" cy="320525"/>
+          </a:xfrm>
+          <a:prstGeom prst="curvedConnector2">
+            <a:avLst/>
+          </a:prstGeom>
+          <a:ln w="38100">
+            <a:solidFill>
+              <a:schemeClr val="accent1">
+                <a:lumMod val="75000"/>
+              </a:schemeClr>
+            </a:solidFill>
+            <a:prstDash val="sysDot"/>
+            <a:tailEnd type="triangle"/>
+          </a:ln>
+        </p:spPr>
+        <p:style>
+          <a:lnRef idx="1">
+            <a:schemeClr val="accent3"/>
+          </a:lnRef>
+          <a:fillRef idx="0">
+            <a:schemeClr val="accent3"/>
+          </a:fillRef>
+          <a:effectRef idx="0">
+            <a:schemeClr val="accent3"/>
+          </a:effectRef>
+          <a:fontRef idx="minor">
+            <a:schemeClr val="tx1"/>
+          </a:fontRef>
+        </p:style>
+      </p:cxnSp>
+      <p:cxnSp>
+        <p:nvCxnSpPr>
+          <p:cNvPr id="22" name="Connector: Curved 21">
+            <a:extLst>
+              <a:ext uri="{FF2B5EF4-FFF2-40B4-BE49-F238E27FC236}">
+                <a16:creationId xmlns:a16="http://schemas.microsoft.com/office/drawing/2014/main" id="{5FBC3AE7-28D5-408C-A1CF-67D29F9B6764}"/>
+              </a:ext>
+            </a:extLst>
+          </p:cNvPr>
+          <p:cNvCxnSpPr>
+            <a:cxnSpLocks/>
+            <a:stCxn id="5" idx="3"/>
+            <a:endCxn id="6" idx="0"/>
+          </p:cNvCxnSpPr>
+          <p:nvPr/>
+        </p:nvCxnSpPr>
+        <p:spPr>
+          <a:xfrm>
+            <a:off x="4464116" y="821943"/>
+            <a:ext cx="1146135" cy="320525"/>
+          </a:xfrm>
+          <a:prstGeom prst="curvedConnector2">
+            <a:avLst/>
+          </a:prstGeom>
+          <a:ln w="38100">
+            <a:solidFill>
+              <a:schemeClr val="accent1">
+                <a:lumMod val="75000"/>
+              </a:schemeClr>
+            </a:solidFill>
+            <a:prstDash val="sysDot"/>
+            <a:tailEnd type="triangle"/>
+          </a:ln>
+        </p:spPr>
+        <p:style>
+          <a:lnRef idx="1">
+            <a:schemeClr val="accent3"/>
+          </a:lnRef>
+          <a:fillRef idx="0">
+            <a:schemeClr val="accent3"/>
+          </a:fillRef>
+          <a:effectRef idx="0">
+            <a:schemeClr val="accent3"/>
+          </a:effectRef>
+          <a:fontRef idx="minor">
+            <a:schemeClr val="tx1"/>
+          </a:fontRef>
+        </p:style>
+      </p:cxnSp>
+      <p:cxnSp>
+        <p:nvCxnSpPr>
+          <p:cNvPr id="25" name="Connector: Curved 24">
+            <a:extLst>
+              <a:ext uri="{FF2B5EF4-FFF2-40B4-BE49-F238E27FC236}">
+                <a16:creationId xmlns:a16="http://schemas.microsoft.com/office/drawing/2014/main" id="{92CDADE4-C179-4BA9-A205-96375A015A2C}"/>
+              </a:ext>
+            </a:extLst>
+          </p:cNvPr>
+          <p:cNvCxnSpPr>
+            <a:cxnSpLocks/>
+            <a:stCxn id="6" idx="3"/>
+            <a:endCxn id="7" idx="0"/>
+          </p:cNvCxnSpPr>
+          <p:nvPr/>
+        </p:nvCxnSpPr>
+        <p:spPr>
+          <a:xfrm>
+            <a:off x="6543387" y="1339278"/>
+            <a:ext cx="1146135" cy="320524"/>
+          </a:xfrm>
+          <a:prstGeom prst="curvedConnector2">
+            <a:avLst/>
+          </a:prstGeom>
+          <a:ln w="38100">
+            <a:solidFill>
+              <a:schemeClr val="accent1">
+                <a:lumMod val="75000"/>
+              </a:schemeClr>
+            </a:solidFill>
+            <a:prstDash val="sysDot"/>
+            <a:tailEnd type="triangle"/>
+          </a:ln>
+        </p:spPr>
+        <p:style>
+          <a:lnRef idx="1">
+            <a:schemeClr val="accent3"/>
+          </a:lnRef>
+          <a:fillRef idx="0">
+            <a:schemeClr val="accent3"/>
+          </a:fillRef>
+          <a:effectRef idx="0">
+            <a:schemeClr val="accent3"/>
+          </a:effectRef>
+          <a:fontRef idx="minor">
+            <a:schemeClr val="tx1"/>
+          </a:fontRef>
+        </p:style>
+      </p:cxnSp>
+      <p:sp>
+        <p:nvSpPr>
+          <p:cNvPr id="30" name="TextBox 29">
+            <a:extLst>
+              <a:ext uri="{FF2B5EF4-FFF2-40B4-BE49-F238E27FC236}">
+                <a16:creationId xmlns:a16="http://schemas.microsoft.com/office/drawing/2014/main" id="{D8B8739B-A1E6-48D0-A08D-D6C680A85CD1}"/>
+              </a:ext>
+            </a:extLst>
+          </p:cNvPr>
+          <p:cNvSpPr txBox="1"/>
+          <p:nvPr/>
+        </p:nvSpPr>
+        <p:spPr>
+          <a:xfrm rot="-120000">
+            <a:off x="6143509" y="3619812"/>
+            <a:ext cx="2715808" cy="707886"/>
+          </a:xfrm>
+          <a:prstGeom prst="rect">
+            <a:avLst/>
+          </a:prstGeom>
+          <a:noFill/>
+        </p:spPr>
+        <p:txBody>
+          <a:bodyPr wrap="none" rtlCol="0">
+            <a:spAutoFit/>
+          </a:bodyPr>
+          <a:lstStyle/>
+          <a:p>
+            <a:r>
+              <a:rPr lang="en-ZA" sz="4000" b="1" dirty="0">
+                <a:latin typeface="Segoe Print" panose="02000600000000000000" pitchFamily="2" charset="0"/>
+              </a:rPr>
+              <a:t>Just start</a:t>
+            </a:r>
+          </a:p>
+        </p:txBody>
+      </p:sp>
+      <p:sp>
+        <p:nvSpPr>
+          <p:cNvPr id="39" name="TextBox 38">
+            <a:extLst>
+              <a:ext uri="{FF2B5EF4-FFF2-40B4-BE49-F238E27FC236}">
+                <a16:creationId xmlns:a16="http://schemas.microsoft.com/office/drawing/2014/main" id="{86D097F4-E074-45D8-BDB7-EFCC524CB870}"/>
+              </a:ext>
+            </a:extLst>
+          </p:cNvPr>
+          <p:cNvSpPr txBox="1"/>
+          <p:nvPr/>
+        </p:nvSpPr>
+        <p:spPr>
+          <a:xfrm rot="-60000">
+            <a:off x="169767" y="2496251"/>
+            <a:ext cx="3174267" cy="707886"/>
+          </a:xfrm>
+          <a:prstGeom prst="rect">
+            <a:avLst/>
+          </a:prstGeom>
+          <a:noFill/>
+        </p:spPr>
+        <p:txBody>
+          <a:bodyPr wrap="none" rtlCol="0">
+            <a:spAutoFit/>
+          </a:bodyPr>
+          <a:lstStyle/>
+          <a:p>
+            <a:r>
+              <a:rPr lang="en-ZA" sz="4000" b="1" dirty="0">
+                <a:latin typeface="Segoe Print" panose="02000600000000000000" pitchFamily="2" charset="0"/>
+              </a:rPr>
+              <a:t>Delay start</a:t>
+            </a:r>
+          </a:p>
+        </p:txBody>
+      </p:sp>
+      <p:cxnSp>
+        <p:nvCxnSpPr>
+          <p:cNvPr id="55" name="Straight Connector 54">
+            <a:extLst>
+              <a:ext uri="{FF2B5EF4-FFF2-40B4-BE49-F238E27FC236}">
+                <a16:creationId xmlns:a16="http://schemas.microsoft.com/office/drawing/2014/main" id="{D1017CB7-4184-4E7A-8736-20B937B84997}"/>
+              </a:ext>
+            </a:extLst>
+          </p:cNvPr>
+          <p:cNvCxnSpPr>
+            <a:cxnSpLocks/>
+          </p:cNvCxnSpPr>
+          <p:nvPr/>
+        </p:nvCxnSpPr>
+        <p:spPr>
+          <a:xfrm flipV="1">
+            <a:off x="245378" y="3212086"/>
+            <a:ext cx="8599188" cy="267099"/>
+          </a:xfrm>
+          <a:prstGeom prst="line">
+            <a:avLst/>
+          </a:prstGeom>
+          <a:ln w="28575">
+            <a:headEnd type="none" w="med" len="med"/>
+            <a:tailEnd type="none" w="med" len="med"/>
+          </a:ln>
+        </p:spPr>
+        <p:style>
+          <a:lnRef idx="1">
+            <a:schemeClr val="dk1"/>
+          </a:lnRef>
+          <a:fillRef idx="0">
+            <a:schemeClr val="dk1"/>
+          </a:fillRef>
+          <a:effectRef idx="0">
+            <a:schemeClr val="dk1"/>
+          </a:effectRef>
+          <a:fontRef idx="minor">
+            <a:schemeClr val="tx1"/>
+          </a:fontRef>
+        </p:style>
+      </p:cxnSp>
+      <p:sp>
+        <p:nvSpPr>
+          <p:cNvPr id="69" name="TextBox 68">
+            <a:extLst>
+              <a:ext uri="{FF2B5EF4-FFF2-40B4-BE49-F238E27FC236}">
+                <a16:creationId xmlns:a16="http://schemas.microsoft.com/office/drawing/2014/main" id="{FE3143FF-D2C6-4243-8FA9-CB381AC8DC1D}"/>
+              </a:ext>
+            </a:extLst>
+          </p:cNvPr>
+          <p:cNvSpPr txBox="1"/>
+          <p:nvPr/>
+        </p:nvSpPr>
+        <p:spPr>
+          <a:xfrm rot="-60000">
+            <a:off x="4222158" y="3094205"/>
+            <a:ext cx="760552" cy="553998"/>
+          </a:xfrm>
+          <a:prstGeom prst="rect">
+            <a:avLst/>
+          </a:prstGeom>
+          <a:solidFill>
+            <a:schemeClr val="bg1"/>
+          </a:solidFill>
+        </p:spPr>
+        <p:txBody>
+          <a:bodyPr wrap="square" rtlCol="0">
+            <a:spAutoFit/>
+          </a:bodyPr>
+          <a:lstStyle/>
+          <a:p>
+            <a:pPr algn="ctr"/>
+            <a:r>
+              <a:rPr lang="en-ZA" sz="3000" b="1" dirty="0">
+                <a:latin typeface="Segoe Print" panose="02000600000000000000" pitchFamily="2" charset="0"/>
+              </a:rPr>
+              <a:t>vs</a:t>
+            </a:r>
+          </a:p>
+        </p:txBody>
+      </p:sp>
+      <p:sp>
+        <p:nvSpPr>
+          <p:cNvPr id="78" name="Rectangle 77">
+            <a:extLst>
+              <a:ext uri="{FF2B5EF4-FFF2-40B4-BE49-F238E27FC236}">
+                <a16:creationId xmlns:a16="http://schemas.microsoft.com/office/drawing/2014/main" id="{17DDCC45-C325-45DE-8CDD-90B9CC2A9062}"/>
+              </a:ext>
+            </a:extLst>
+          </p:cNvPr>
+          <p:cNvSpPr/>
+          <p:nvPr/>
+        </p:nvSpPr>
+        <p:spPr>
+          <a:xfrm>
+            <a:off x="956092" y="3557433"/>
+            <a:ext cx="2063692" cy="394282"/>
+          </a:xfrm>
+          <a:prstGeom prst="rect">
+            <a:avLst/>
+          </a:prstGeom>
+          <a:solidFill>
+            <a:schemeClr val="bg1"/>
+          </a:solidFill>
+          <a:ln>
+            <a:noFill/>
+          </a:ln>
+        </p:spPr>
+        <p:style>
+          <a:lnRef idx="2">
+            <a:schemeClr val="accent1">
+              <a:shade val="50000"/>
+            </a:schemeClr>
+          </a:lnRef>
+          <a:fillRef idx="1">
+            <a:schemeClr val="accent1"/>
+          </a:fillRef>
+          <a:effectRef idx="0">
+            <a:schemeClr val="accent1"/>
+          </a:effectRef>
+          <a:fontRef idx="minor">
+            <a:schemeClr val="lt1"/>
+          </a:fontRef>
+        </p:style>
+        <p:txBody>
+          <a:bodyPr rtlCol="0" anchor="ctr"/>
+          <a:lstStyle/>
+          <a:p>
+            <a:r>
+              <a:rPr lang="en-ZA" sz="1400" b="1" dirty="0">
+                <a:solidFill>
+                  <a:schemeClr val="tx1"/>
+                </a:solidFill>
+                <a:latin typeface="Open Sans" panose="020B0606030504020204" pitchFamily="34" charset="0"/>
+                <a:ea typeface="Open Sans" panose="020B0606030504020204" pitchFamily="34" charset="0"/>
+                <a:cs typeface="Open Sans" panose="020B0606030504020204" pitchFamily="34" charset="0"/>
+              </a:rPr>
+              <a:t>Learning</a:t>
+            </a:r>
+          </a:p>
+        </p:txBody>
+      </p:sp>
+      <p:sp>
+        <p:nvSpPr>
+          <p:cNvPr id="79" name="Rectangle 78">
+            <a:extLst>
+              <a:ext uri="{FF2B5EF4-FFF2-40B4-BE49-F238E27FC236}">
+                <a16:creationId xmlns:a16="http://schemas.microsoft.com/office/drawing/2014/main" id="{07BED527-335E-4910-B185-F28E91192271}"/>
+              </a:ext>
+            </a:extLst>
+          </p:cNvPr>
+          <p:cNvSpPr/>
+          <p:nvPr/>
+        </p:nvSpPr>
+        <p:spPr>
+          <a:xfrm>
+            <a:off x="956091" y="3847423"/>
+            <a:ext cx="2063692" cy="394282"/>
+          </a:xfrm>
+          <a:prstGeom prst="rect">
+            <a:avLst/>
+          </a:prstGeom>
+          <a:solidFill>
+            <a:schemeClr val="bg1"/>
+          </a:solidFill>
+          <a:ln>
+            <a:noFill/>
+          </a:ln>
+        </p:spPr>
+        <p:style>
+          <a:lnRef idx="2">
+            <a:schemeClr val="accent1">
+              <a:shade val="50000"/>
+            </a:schemeClr>
+          </a:lnRef>
+          <a:fillRef idx="1">
+            <a:schemeClr val="accent1"/>
+          </a:fillRef>
+          <a:effectRef idx="0">
+            <a:schemeClr val="accent1"/>
+          </a:effectRef>
+          <a:fontRef idx="minor">
+            <a:schemeClr val="lt1"/>
+          </a:fontRef>
+        </p:style>
+        <p:txBody>
+          <a:bodyPr rtlCol="0" anchor="ctr"/>
+          <a:lstStyle/>
+          <a:p>
+            <a:r>
+              <a:rPr lang="en-ZA" sz="1400" b="1" dirty="0">
+                <a:solidFill>
+                  <a:schemeClr val="tx1"/>
+                </a:solidFill>
+                <a:latin typeface="Open Sans" panose="020B0606030504020204" pitchFamily="34" charset="0"/>
+                <a:ea typeface="Open Sans" panose="020B0606030504020204" pitchFamily="34" charset="0"/>
+                <a:cs typeface="Open Sans" panose="020B0606030504020204" pitchFamily="34" charset="0"/>
+              </a:rPr>
+              <a:t>Negative Impact</a:t>
+            </a:r>
+          </a:p>
+        </p:txBody>
+      </p:sp>
+      <p:sp>
+        <p:nvSpPr>
+          <p:cNvPr id="80" name="Rectangle 79">
+            <a:extLst>
+              <a:ext uri="{FF2B5EF4-FFF2-40B4-BE49-F238E27FC236}">
+                <a16:creationId xmlns:a16="http://schemas.microsoft.com/office/drawing/2014/main" id="{617CAA58-F33F-49C4-BF14-47377839B6D9}"/>
+              </a:ext>
+            </a:extLst>
+          </p:cNvPr>
+          <p:cNvSpPr/>
+          <p:nvPr/>
+        </p:nvSpPr>
+        <p:spPr>
+          <a:xfrm>
+            <a:off x="686632" y="3626196"/>
+            <a:ext cx="269461" cy="268818"/>
+          </a:xfrm>
+          <a:prstGeom prst="rect">
+            <a:avLst/>
+          </a:prstGeom>
+          <a:gradFill flip="none" rotWithShape="1">
+            <a:gsLst>
+              <a:gs pos="0">
+                <a:schemeClr val="accent4">
+                  <a:lumMod val="89000"/>
+                </a:schemeClr>
+              </a:gs>
+              <a:gs pos="23000">
+                <a:schemeClr val="accent4">
+                  <a:lumMod val="89000"/>
+                </a:schemeClr>
+              </a:gs>
+              <a:gs pos="69000">
+                <a:schemeClr val="accent4">
+                  <a:lumMod val="75000"/>
+                </a:schemeClr>
+              </a:gs>
+              <a:gs pos="97000">
+                <a:schemeClr val="accent4">
+                  <a:lumMod val="70000"/>
+                </a:schemeClr>
+              </a:gs>
+            </a:gsLst>
+            <a:path path="circle">
+              <a:fillToRect l="50000" t="50000" r="50000" b="50000"/>
+            </a:path>
+            <a:tileRect/>
           </a:gradFill>
           <a:ln>
             <a:noFill/>
@@ -3419,24 +5701,23 @@
           <a:bodyPr rtlCol="0" anchor="ctr"/>
           <a:lstStyle/>
           <a:p>
-            <a:pPr algn="ctr"/>
-            <a:r>
-              <a:rPr lang="en-ZA" sz="3200" b="1" dirty="0">
-                <a:latin typeface="Open Sans" panose="020B0606030504020204" pitchFamily="34" charset="0"/>
-                <a:ea typeface="Open Sans" panose="020B0606030504020204" pitchFamily="34" charset="0"/>
-                <a:cs typeface="Open Sans" panose="020B0606030504020204" pitchFamily="34" charset="0"/>
-              </a:rPr>
-              <a:t>Analyse</a:t>
-            </a:r>
-          </a:p>
-        </p:txBody>
-      </p:sp>
-      <p:sp>
-        <p:nvSpPr>
-          <p:cNvPr id="5" name="Rectangle 4">
+            <a:endParaRPr lang="en-ZA" sz="1400" b="1" dirty="0">
+              <a:solidFill>
+                <a:schemeClr val="tx1"/>
+              </a:solidFill>
+              <a:latin typeface="Open Sans" panose="020B0606030504020204" pitchFamily="34" charset="0"/>
+              <a:ea typeface="Open Sans" panose="020B0606030504020204" pitchFamily="34" charset="0"/>
+              <a:cs typeface="Open Sans" panose="020B0606030504020204" pitchFamily="34" charset="0"/>
+            </a:endParaRPr>
+          </a:p>
+        </p:txBody>
+      </p:sp>
+      <p:sp>
+        <p:nvSpPr>
+          <p:cNvPr id="81" name="Rectangle 80">
             <a:extLst>
               <a:ext uri="{FF2B5EF4-FFF2-40B4-BE49-F238E27FC236}">
-                <a16:creationId xmlns:a16="http://schemas.microsoft.com/office/drawing/2014/main" id="{142354BF-063E-48B7-ACDB-9270FB8562D3}"/>
+                <a16:creationId xmlns:a16="http://schemas.microsoft.com/office/drawing/2014/main" id="{9AB64383-41DF-4493-92DB-3C6149112C57}"/>
               </a:ext>
             </a:extLst>
           </p:cNvPr>
@@ -3445,33 +5726,39 @@
         </p:nvSpPr>
         <p:spPr>
           <a:xfrm>
-            <a:off x="3319730" y="1664701"/>
-            <a:ext cx="4077050" cy="855677"/>
+            <a:off x="686631" y="3923115"/>
+            <a:ext cx="269461" cy="252428"/>
           </a:xfrm>
           <a:prstGeom prst="rect">
             <a:avLst/>
           </a:prstGeom>
-          <a:gradFill>
+          <a:gradFill flip="none" rotWithShape="1">
             <a:gsLst>
               <a:gs pos="0">
-                <a:schemeClr val="accent1">
-                  <a:alpha val="55000"/>
-                  <a:lumMod val="90000"/>
-                  <a:lumOff val="10000"/>
+                <a:schemeClr val="accent6">
+                  <a:lumMod val="89000"/>
                 </a:schemeClr>
               </a:gs>
-              <a:gs pos="44000">
-                <a:srgbClr val="7030A0">
-                  <a:alpha val="45000"/>
-                </a:srgbClr>
+              <a:gs pos="23000">
+                <a:schemeClr val="accent6">
+                  <a:lumMod val="89000"/>
+                </a:schemeClr>
               </a:gs>
-              <a:gs pos="100000">
-                <a:srgbClr val="C00000">
-                  <a:alpha val="43000"/>
-                </a:srgbClr>
+              <a:gs pos="69000">
+                <a:schemeClr val="accent6">
+                  <a:lumMod val="75000"/>
+                </a:schemeClr>
+              </a:gs>
+              <a:gs pos="97000">
+                <a:schemeClr val="accent6">
+                  <a:lumMod val="70000"/>
+                </a:schemeClr>
               </a:gs>
             </a:gsLst>
-            <a:lin ang="10800000" scaled="0"/>
+            <a:path path="circle">
+              <a:fillToRect l="50000" t="50000" r="50000" b="50000"/>
+            </a:path>
+            <a:tileRect/>
           </a:gradFill>
           <a:ln>
             <a:noFill/>
@@ -3497,24 +5784,23 @@
           <a:bodyPr rtlCol="0" anchor="ctr"/>
           <a:lstStyle/>
           <a:p>
-            <a:pPr algn="ctr"/>
-            <a:r>
-              <a:rPr lang="en-ZA" sz="3200" b="1" dirty="0">
-                <a:latin typeface="Open Sans" panose="020B0606030504020204" pitchFamily="34" charset="0"/>
-                <a:ea typeface="Open Sans" panose="020B0606030504020204" pitchFamily="34" charset="0"/>
-                <a:cs typeface="Open Sans" panose="020B0606030504020204" pitchFamily="34" charset="0"/>
-              </a:rPr>
-              <a:t>Build</a:t>
-            </a:r>
-          </a:p>
-        </p:txBody>
-      </p:sp>
-      <p:sp>
-        <p:nvSpPr>
-          <p:cNvPr id="6" name="Rectangle 5">
+            <a:endParaRPr lang="en-ZA" sz="1400" b="1" dirty="0">
+              <a:solidFill>
+                <a:schemeClr val="tx1"/>
+              </a:solidFill>
+              <a:latin typeface="Open Sans" panose="020B0606030504020204" pitchFamily="34" charset="0"/>
+              <a:ea typeface="Open Sans" panose="020B0606030504020204" pitchFamily="34" charset="0"/>
+              <a:cs typeface="Open Sans" panose="020B0606030504020204" pitchFamily="34" charset="0"/>
+            </a:endParaRPr>
+          </a:p>
+        </p:txBody>
+      </p:sp>
+      <p:sp>
+        <p:nvSpPr>
+          <p:cNvPr id="5" name="Rectangle 4">
             <a:extLst>
               <a:ext uri="{FF2B5EF4-FFF2-40B4-BE49-F238E27FC236}">
-                <a16:creationId xmlns:a16="http://schemas.microsoft.com/office/drawing/2014/main" id="{07283E65-2663-4C02-98C6-537C4AB868B4}"/>
+                <a16:creationId xmlns:a16="http://schemas.microsoft.com/office/drawing/2014/main" id="{142354BF-063E-48B7-ACDB-9270FB8562D3}"/>
               </a:ext>
             </a:extLst>
           </p:cNvPr>
@@ -3523,37 +5809,50 @@
         </p:nvSpPr>
         <p:spPr>
           <a:xfrm>
-            <a:off x="6412614" y="2520378"/>
-            <a:ext cx="4077050" cy="855677"/>
+            <a:off x="2597844" y="625133"/>
+            <a:ext cx="1866272" cy="393620"/>
           </a:xfrm>
           <a:prstGeom prst="rect">
             <a:avLst/>
           </a:prstGeom>
-          <a:gradFill>
+          <a:gradFill flip="none" rotWithShape="1">
             <a:gsLst>
               <a:gs pos="0">
                 <a:schemeClr val="accent1">
-                  <a:alpha val="55000"/>
-                  <a:lumMod val="90000"/>
-                  <a:lumOff val="10000"/>
+                  <a:lumMod val="89000"/>
                 </a:schemeClr>
               </a:gs>
-              <a:gs pos="44000">
-                <a:srgbClr val="7030A0">
-                  <a:alpha val="45000"/>
-                </a:srgbClr>
+              <a:gs pos="23000">
+                <a:schemeClr val="accent1">
+                  <a:lumMod val="89000"/>
+                </a:schemeClr>
               </a:gs>
-              <a:gs pos="100000">
-                <a:srgbClr val="C00000">
-                  <a:alpha val="43000"/>
-                </a:srgbClr>
+              <a:gs pos="69000">
+                <a:schemeClr val="accent1">
+                  <a:lumMod val="75000"/>
+                </a:schemeClr>
+              </a:gs>
+              <a:gs pos="97000">
+                <a:schemeClr val="accent1">
+                  <a:lumMod val="70000"/>
+                </a:schemeClr>
               </a:gs>
             </a:gsLst>
-            <a:lin ang="10800000" scaled="0"/>
+            <a:path path="circle">
+              <a:fillToRect l="50000" t="50000" r="50000" b="50000"/>
+            </a:path>
+            <a:tileRect/>
           </a:gradFill>
           <a:ln>
             <a:noFill/>
           </a:ln>
+          <a:effectLst>
+            <a:outerShdw blurRad="63500" sx="102000" sy="102000" algn="ctr" rotWithShape="0">
+              <a:prstClr val="black">
+                <a:alpha val="40000"/>
+              </a:prstClr>
+            </a:outerShdw>
+          </a:effectLst>
         </p:spPr>
         <p:style>
           <a:lnRef idx="2">
@@ -3577,22 +5876,22 @@
           <a:p>
             <a:pPr algn="ctr"/>
             <a:r>
-              <a:rPr lang="en-ZA" sz="3200" b="1" dirty="0">
+              <a:rPr lang="en-ZA" sz="2400" b="1" dirty="0">
                 <a:latin typeface="Open Sans" panose="020B0606030504020204" pitchFamily="34" charset="0"/>
                 <a:ea typeface="Open Sans" panose="020B0606030504020204" pitchFamily="34" charset="0"/>
                 <a:cs typeface="Open Sans" panose="020B0606030504020204" pitchFamily="34" charset="0"/>
               </a:rPr>
-              <a:t>Test</a:t>
-            </a:r>
-          </a:p>
-        </p:txBody>
-      </p:sp>
-      <p:sp>
-        <p:nvSpPr>
-          <p:cNvPr id="7" name="Rectangle 6">
+              <a:t>Build</a:t>
+            </a:r>
+          </a:p>
+        </p:txBody>
+      </p:sp>
+      <p:sp>
+        <p:nvSpPr>
+          <p:cNvPr id="82" name="Rectangle 81">
             <a:extLst>
               <a:ext uri="{FF2B5EF4-FFF2-40B4-BE49-F238E27FC236}">
-                <a16:creationId xmlns:a16="http://schemas.microsoft.com/office/drawing/2014/main" id="{FC1802DE-7165-4AF5-A98B-2A1EA2DDF89D}"/>
+                <a16:creationId xmlns:a16="http://schemas.microsoft.com/office/drawing/2014/main" id="{D012E674-A1E4-49D3-A91B-11940A4B7F6C}"/>
               </a:ext>
             </a:extLst>
           </p:cNvPr>
@@ -3601,37 +5900,50 @@
         </p:nvSpPr>
         <p:spPr>
           <a:xfrm>
-            <a:off x="8114950" y="3376055"/>
-            <a:ext cx="4077050" cy="855677"/>
+            <a:off x="3611836" y="4429127"/>
+            <a:ext cx="1866272" cy="393620"/>
           </a:xfrm>
           <a:prstGeom prst="rect">
             <a:avLst/>
           </a:prstGeom>
-          <a:gradFill>
+          <a:gradFill flip="none" rotWithShape="1">
             <a:gsLst>
               <a:gs pos="0">
                 <a:schemeClr val="accent1">
-                  <a:alpha val="55000"/>
-                  <a:lumMod val="90000"/>
-                  <a:lumOff val="10000"/>
+                  <a:lumMod val="89000"/>
                 </a:schemeClr>
               </a:gs>
-              <a:gs pos="44000">
-                <a:srgbClr val="7030A0">
-                  <a:alpha val="45000"/>
-                </a:srgbClr>
+              <a:gs pos="23000">
+                <a:schemeClr val="accent1">
+                  <a:lumMod val="89000"/>
+                </a:schemeClr>
               </a:gs>
-              <a:gs pos="100000">
-                <a:srgbClr val="C00000">
-                  <a:alpha val="43000"/>
-                </a:srgbClr>
+              <a:gs pos="69000">
+                <a:schemeClr val="accent1">
+                  <a:lumMod val="75000"/>
+                </a:schemeClr>
+              </a:gs>
+              <a:gs pos="97000">
+                <a:schemeClr val="accent1">
+                  <a:lumMod val="70000"/>
+                </a:schemeClr>
               </a:gs>
             </a:gsLst>
-            <a:lin ang="10800000" scaled="0"/>
+            <a:path path="circle">
+              <a:fillToRect l="50000" t="50000" r="50000" b="50000"/>
+            </a:path>
+            <a:tileRect/>
           </a:gradFill>
           <a:ln>
             <a:noFill/>
           </a:ln>
+          <a:effectLst>
+            <a:outerShdw blurRad="63500" sx="102000" sy="102000" algn="ctr" rotWithShape="0">
+              <a:prstClr val="black">
+                <a:alpha val="40000"/>
+              </a:prstClr>
+            </a:outerShdw>
+          </a:effectLst>
         </p:spPr>
         <p:style>
           <a:lnRef idx="2">
@@ -3655,172 +5967,353 @@
           <a:p>
             <a:pPr algn="ctr"/>
             <a:r>
-              <a:rPr lang="en-ZA" sz="3200" b="1" dirty="0">
+              <a:rPr lang="en-ZA" sz="2400" b="1" dirty="0">
                 <a:latin typeface="Open Sans" panose="020B0606030504020204" pitchFamily="34" charset="0"/>
                 <a:ea typeface="Open Sans" panose="020B0606030504020204" pitchFamily="34" charset="0"/>
                 <a:cs typeface="Open Sans" panose="020B0606030504020204" pitchFamily="34" charset="0"/>
               </a:rPr>
-              <a:t>Deploy</a:t>
-            </a:r>
-          </a:p>
-        </p:txBody>
-      </p:sp>
-    </p:spTree>
-    <p:extLst>
-      <p:ext uri="{BB962C8B-B14F-4D97-AF65-F5344CB8AC3E}">
-        <p14:creationId xmlns:p14="http://schemas.microsoft.com/office/powerpoint/2010/main" val="3338164042"/>
-      </p:ext>
-    </p:extLst>
-  </p:cSld>
-  <p:clrMapOvr>
-    <a:masterClrMapping/>
-  </p:clrMapOvr>
-</p:sld>
-</file>
-
-<file path=ppt/slides/slide2.xml><?xml version="1.0" encoding="utf-8"?>
-<p:sld xmlns:a="http://schemas.openxmlformats.org/drawingml/2006/main" xmlns:r="http://schemas.openxmlformats.org/officeDocument/2006/relationships" xmlns:p="http://schemas.openxmlformats.org/presentationml/2006/main">
-  <p:cSld>
-    <p:spTree>
-      <p:nvGrpSpPr>
-        <p:cNvPr id="1" name=""/>
-        <p:cNvGrpSpPr/>
-        <p:nvPr/>
-      </p:nvGrpSpPr>
-      <p:grpSpPr>
-        <a:xfrm>
-          <a:off x="0" y="0"/>
-          <a:ext cx="0" cy="0"/>
-          <a:chOff x="0" y="0"/>
-          <a:chExt cx="0" cy="0"/>
-        </a:xfrm>
-      </p:grpSpPr>
-      <p:sp>
-        <p:nvSpPr>
-          <p:cNvPr id="2" name="Title 1">
+              <a:t>Build</a:t>
+            </a:r>
+          </a:p>
+        </p:txBody>
+      </p:sp>
+      <p:sp>
+        <p:nvSpPr>
+          <p:cNvPr id="83" name="Rectangle 82">
             <a:extLst>
               <a:ext uri="{FF2B5EF4-FFF2-40B4-BE49-F238E27FC236}">
-                <a16:creationId xmlns:a16="http://schemas.microsoft.com/office/drawing/2014/main" id="{10E82371-E9C8-48F0-8C27-31B1D89F343B}"/>
+                <a16:creationId xmlns:a16="http://schemas.microsoft.com/office/drawing/2014/main" id="{E66EFA0A-748D-4AB1-9DB4-2C489CEC7814}"/>
               </a:ext>
             </a:extLst>
           </p:cNvPr>
-          <p:cNvSpPr>
-            <a:spLocks noGrp="1"/>
-          </p:cNvSpPr>
-          <p:nvPr>
-            <p:ph type="title"/>
-          </p:nvPr>
-        </p:nvSpPr>
-        <p:spPr/>
-        <p:txBody>
-          <a:bodyPr/>
+          <p:cNvSpPr/>
+          <p:nvPr/>
+        </p:nvSpPr>
+        <p:spPr>
+          <a:xfrm>
+            <a:off x="5007040" y="5373705"/>
+            <a:ext cx="1866272" cy="393620"/>
+          </a:xfrm>
+          <a:prstGeom prst="rect">
+            <a:avLst/>
+          </a:prstGeom>
+          <a:gradFill flip="none" rotWithShape="1">
+            <a:gsLst>
+              <a:gs pos="0">
+                <a:schemeClr val="accent1">
+                  <a:lumMod val="89000"/>
+                </a:schemeClr>
+              </a:gs>
+              <a:gs pos="23000">
+                <a:schemeClr val="accent1">
+                  <a:lumMod val="89000"/>
+                </a:schemeClr>
+              </a:gs>
+              <a:gs pos="69000">
+                <a:schemeClr val="accent1">
+                  <a:lumMod val="75000"/>
+                </a:schemeClr>
+              </a:gs>
+              <a:gs pos="97000">
+                <a:schemeClr val="accent1">
+                  <a:lumMod val="70000"/>
+                </a:schemeClr>
+              </a:gs>
+            </a:gsLst>
+            <a:path path="circle">
+              <a:fillToRect l="50000" t="50000" r="50000" b="50000"/>
+            </a:path>
+            <a:tileRect/>
+          </a:gradFill>
+          <a:ln>
+            <a:noFill/>
+          </a:ln>
+          <a:effectLst>
+            <a:outerShdw blurRad="63500" sx="102000" sy="102000" algn="ctr" rotWithShape="0">
+              <a:prstClr val="black">
+                <a:alpha val="40000"/>
+              </a:prstClr>
+            </a:outerShdw>
+          </a:effectLst>
+        </p:spPr>
+        <p:style>
+          <a:lnRef idx="2">
+            <a:schemeClr val="accent1">
+              <a:shade val="50000"/>
+            </a:schemeClr>
+          </a:lnRef>
+          <a:fillRef idx="1">
+            <a:schemeClr val="accent1"/>
+          </a:fillRef>
+          <a:effectRef idx="0">
+            <a:schemeClr val="accent1"/>
+          </a:effectRef>
+          <a:fontRef idx="minor">
+            <a:schemeClr val="lt1"/>
+          </a:fontRef>
+        </p:style>
+        <p:txBody>
+          <a:bodyPr rtlCol="0" anchor="ctr"/>
           <a:lstStyle/>
           <a:p>
-            <a:endParaRPr lang="en-ZA"/>
-          </a:p>
-        </p:txBody>
-      </p:sp>
-      <p:sp>
-        <p:nvSpPr>
-          <p:cNvPr id="3" name="Content Placeholder 2">
+            <a:pPr algn="ctr"/>
+            <a:r>
+              <a:rPr lang="en-ZA" sz="2400" b="1" dirty="0">
+                <a:latin typeface="Open Sans" panose="020B0606030504020204" pitchFamily="34" charset="0"/>
+                <a:ea typeface="Open Sans" panose="020B0606030504020204" pitchFamily="34" charset="0"/>
+                <a:cs typeface="Open Sans" panose="020B0606030504020204" pitchFamily="34" charset="0"/>
+              </a:rPr>
+              <a:t>Measure</a:t>
+            </a:r>
+          </a:p>
+        </p:txBody>
+      </p:sp>
+      <p:sp>
+        <p:nvSpPr>
+          <p:cNvPr id="84" name="Rectangle 83">
             <a:extLst>
               <a:ext uri="{FF2B5EF4-FFF2-40B4-BE49-F238E27FC236}">
-                <a16:creationId xmlns:a16="http://schemas.microsoft.com/office/drawing/2014/main" id="{349A231F-5EE5-439C-B80D-FF03583A95EC}"/>
+                <a16:creationId xmlns:a16="http://schemas.microsoft.com/office/drawing/2014/main" id="{19288654-7F73-42C5-842B-C966E885F2B4}"/>
               </a:ext>
             </a:extLst>
           </p:cNvPr>
-          <p:cNvSpPr>
-            <a:spLocks noGrp="1"/>
-          </p:cNvSpPr>
-          <p:nvPr>
-            <p:ph idx="1"/>
-          </p:nvPr>
-        </p:nvSpPr>
-        <p:spPr/>
-        <p:txBody>
-          <a:bodyPr/>
+          <p:cNvSpPr/>
+          <p:nvPr/>
+        </p:nvSpPr>
+        <p:spPr>
+          <a:xfrm>
+            <a:off x="2207632" y="5373705"/>
+            <a:ext cx="1866272" cy="393620"/>
+          </a:xfrm>
+          <a:prstGeom prst="rect">
+            <a:avLst/>
+          </a:prstGeom>
+          <a:gradFill flip="none" rotWithShape="1">
+            <a:gsLst>
+              <a:gs pos="0">
+                <a:schemeClr val="accent1">
+                  <a:lumMod val="89000"/>
+                </a:schemeClr>
+              </a:gs>
+              <a:gs pos="23000">
+                <a:schemeClr val="accent1">
+                  <a:lumMod val="89000"/>
+                </a:schemeClr>
+              </a:gs>
+              <a:gs pos="69000">
+                <a:schemeClr val="accent1">
+                  <a:lumMod val="75000"/>
+                </a:schemeClr>
+              </a:gs>
+              <a:gs pos="97000">
+                <a:schemeClr val="accent1">
+                  <a:lumMod val="70000"/>
+                </a:schemeClr>
+              </a:gs>
+            </a:gsLst>
+            <a:path path="circle">
+              <a:fillToRect l="50000" t="50000" r="50000" b="50000"/>
+            </a:path>
+            <a:tileRect/>
+          </a:gradFill>
+          <a:ln>
+            <a:noFill/>
+          </a:ln>
+          <a:effectLst>
+            <a:outerShdw blurRad="63500" sx="102000" sy="102000" algn="ctr" rotWithShape="0">
+              <a:prstClr val="black">
+                <a:alpha val="40000"/>
+              </a:prstClr>
+            </a:outerShdw>
+          </a:effectLst>
+        </p:spPr>
+        <p:style>
+          <a:lnRef idx="2">
+            <a:schemeClr val="accent1">
+              <a:shade val="50000"/>
+            </a:schemeClr>
+          </a:lnRef>
+          <a:fillRef idx="1">
+            <a:schemeClr val="accent1"/>
+          </a:fillRef>
+          <a:effectRef idx="0">
+            <a:schemeClr val="accent1"/>
+          </a:effectRef>
+          <a:fontRef idx="minor">
+            <a:schemeClr val="lt1"/>
+          </a:fontRef>
+        </p:style>
+        <p:txBody>
+          <a:bodyPr rtlCol="0" anchor="ctr"/>
           <a:lstStyle/>
           <a:p>
-            <a:pPr marL="0" indent="0">
-              <a:buNone/>
-            </a:pPr>
-            <a:r>
-              <a:rPr lang="en-GB" dirty="0"/>
-              <a:t>While you analyse the </a:t>
-            </a:r>
-          </a:p>
-          <a:p>
-            <a:pPr marL="0" indent="0">
-              <a:buNone/>
-            </a:pPr>
-            <a:r>
-              <a:rPr lang="en-GB" dirty="0"/>
-              <a:t>A </a:t>
-            </a:r>
-            <a:r>
-              <a:rPr lang="en-GB" dirty="0" err="1"/>
-              <a:t>thumbsuck</a:t>
-            </a:r>
-            <a:r>
-              <a:rPr lang="en-GB" dirty="0"/>
-              <a:t> if nothing changes. However, requirements do change, opportunities emerge and we have to use a process which can react and adapt. The traditional software forecast approach was to </a:t>
-            </a:r>
-            <a:r>
-              <a:rPr lang="en-GB" dirty="0" err="1"/>
-              <a:t>analyze</a:t>
-            </a:r>
-            <a:r>
-              <a:rPr lang="en-GB" dirty="0"/>
-              <a:t> for months and still venture a guess while building in a lot of leeway for change. This created waste at the analysis phase as no software was delivered and analysis without build is proven very </a:t>
-            </a:r>
-            <a:r>
-              <a:rPr lang="en-GB" dirty="0" err="1"/>
-              <a:t>innacurate</a:t>
-            </a:r>
-            <a:r>
-              <a:rPr lang="en-GB" dirty="0"/>
-              <a:t> anyway. The environment changes too fast and hence starting the build while evolving and learning along the way removes the analysis waste and minimizes the waste during build.</a:t>
-            </a:r>
-            <a:endParaRPr lang="en-ZA" dirty="0"/>
-          </a:p>
-        </p:txBody>
-      </p:sp>
-    </p:spTree>
-    <p:extLst>
-      <p:ext uri="{BB962C8B-B14F-4D97-AF65-F5344CB8AC3E}">
-        <p14:creationId xmlns:p14="http://schemas.microsoft.com/office/powerpoint/2010/main" val="2881198684"/>
-      </p:ext>
-    </p:extLst>
-  </p:cSld>
-  <p:clrMapOvr>
-    <a:masterClrMapping/>
-  </p:clrMapOvr>
-</p:sld>
-</file>
-
-<file path=ppt/slides/slide3.xml><?xml version="1.0" encoding="utf-8"?>
-<p:sld xmlns:a="http://schemas.openxmlformats.org/drawingml/2006/main" xmlns:r="http://schemas.openxmlformats.org/officeDocument/2006/relationships" xmlns:p="http://schemas.openxmlformats.org/presentationml/2006/main">
-  <p:cSld>
-    <p:spTree>
-      <p:nvGrpSpPr>
-        <p:cNvPr id="1" name=""/>
-        <p:cNvGrpSpPr/>
-        <p:nvPr/>
-      </p:nvGrpSpPr>
-      <p:grpSpPr>
-        <a:xfrm>
-          <a:off x="0" y="0"/>
-          <a:ext cx="0" cy="0"/>
-          <a:chOff x="0" y="0"/>
-          <a:chExt cx="0" cy="0"/>
-        </a:xfrm>
-      </p:grpSpPr>
+            <a:pPr algn="ctr"/>
+            <a:r>
+              <a:rPr lang="en-ZA" sz="2400" b="1" dirty="0">
+                <a:latin typeface="Open Sans" panose="020B0606030504020204" pitchFamily="34" charset="0"/>
+                <a:ea typeface="Open Sans" panose="020B0606030504020204" pitchFamily="34" charset="0"/>
+                <a:cs typeface="Open Sans" panose="020B0606030504020204" pitchFamily="34" charset="0"/>
+              </a:rPr>
+              <a:t>Learn</a:t>
+            </a:r>
+          </a:p>
+        </p:txBody>
+      </p:sp>
+      <p:cxnSp>
+        <p:nvCxnSpPr>
+          <p:cNvPr id="89" name="Connector: Curved 88">
+            <a:extLst>
+              <a:ext uri="{FF2B5EF4-FFF2-40B4-BE49-F238E27FC236}">
+                <a16:creationId xmlns:a16="http://schemas.microsoft.com/office/drawing/2014/main" id="{15CF050B-AA70-41A7-BD90-499B26757B25}"/>
+              </a:ext>
+            </a:extLst>
+          </p:cNvPr>
+          <p:cNvCxnSpPr>
+            <a:cxnSpLocks/>
+            <a:stCxn id="82" idx="3"/>
+            <a:endCxn id="83" idx="0"/>
+          </p:cNvCxnSpPr>
+          <p:nvPr/>
+        </p:nvCxnSpPr>
+        <p:spPr>
+          <a:xfrm>
+            <a:off x="5478108" y="4625937"/>
+            <a:ext cx="462068" cy="747768"/>
+          </a:xfrm>
+          <a:prstGeom prst="curvedConnector2">
+            <a:avLst/>
+          </a:prstGeom>
+          <a:ln w="38100">
+            <a:solidFill>
+              <a:schemeClr val="accent1">
+                <a:lumMod val="75000"/>
+              </a:schemeClr>
+            </a:solidFill>
+            <a:prstDash val="sysDot"/>
+            <a:tailEnd type="triangle"/>
+          </a:ln>
+        </p:spPr>
+        <p:style>
+          <a:lnRef idx="1">
+            <a:schemeClr val="accent3"/>
+          </a:lnRef>
+          <a:fillRef idx="0">
+            <a:schemeClr val="accent3"/>
+          </a:fillRef>
+          <a:effectRef idx="0">
+            <a:schemeClr val="accent3"/>
+          </a:effectRef>
+          <a:fontRef idx="minor">
+            <a:schemeClr val="tx1"/>
+          </a:fontRef>
+        </p:style>
+      </p:cxnSp>
+      <p:cxnSp>
+        <p:nvCxnSpPr>
+          <p:cNvPr id="92" name="Connector: Curved 91">
+            <a:extLst>
+              <a:ext uri="{FF2B5EF4-FFF2-40B4-BE49-F238E27FC236}">
+                <a16:creationId xmlns:a16="http://schemas.microsoft.com/office/drawing/2014/main" id="{516E43DA-7D4F-43E4-B75B-327C81B57288}"/>
+              </a:ext>
+            </a:extLst>
+          </p:cNvPr>
+          <p:cNvCxnSpPr>
+            <a:cxnSpLocks/>
+            <a:stCxn id="84" idx="0"/>
+            <a:endCxn id="82" idx="1"/>
+          </p:cNvCxnSpPr>
+          <p:nvPr/>
+        </p:nvCxnSpPr>
+        <p:spPr>
+          <a:xfrm rot="5400000" flipH="1" flipV="1">
+            <a:off x="3002418" y="4764287"/>
+            <a:ext cx="747768" cy="471068"/>
+          </a:xfrm>
+          <a:prstGeom prst="curvedConnector2">
+            <a:avLst/>
+          </a:prstGeom>
+          <a:ln w="38100">
+            <a:solidFill>
+              <a:schemeClr val="accent1">
+                <a:lumMod val="75000"/>
+              </a:schemeClr>
+            </a:solidFill>
+            <a:prstDash val="sysDot"/>
+            <a:tailEnd type="triangle"/>
+          </a:ln>
+        </p:spPr>
+        <p:style>
+          <a:lnRef idx="1">
+            <a:schemeClr val="accent3"/>
+          </a:lnRef>
+          <a:fillRef idx="0">
+            <a:schemeClr val="accent3"/>
+          </a:fillRef>
+          <a:effectRef idx="0">
+            <a:schemeClr val="accent3"/>
+          </a:effectRef>
+          <a:fontRef idx="minor">
+            <a:schemeClr val="tx1"/>
+          </a:fontRef>
+        </p:style>
+      </p:cxnSp>
+      <p:cxnSp>
+        <p:nvCxnSpPr>
+          <p:cNvPr id="95" name="Connector: Curved 94">
+            <a:extLst>
+              <a:ext uri="{FF2B5EF4-FFF2-40B4-BE49-F238E27FC236}">
+                <a16:creationId xmlns:a16="http://schemas.microsoft.com/office/drawing/2014/main" id="{974E731D-D421-4119-8A49-E2AA2B600CF7}"/>
+              </a:ext>
+            </a:extLst>
+          </p:cNvPr>
+          <p:cNvCxnSpPr>
+            <a:cxnSpLocks/>
+            <a:stCxn id="83" idx="2"/>
+            <a:endCxn id="84" idx="2"/>
+          </p:cNvCxnSpPr>
+          <p:nvPr/>
+        </p:nvCxnSpPr>
+        <p:spPr>
+          <a:xfrm rot="5400000">
+            <a:off x="4540472" y="4367621"/>
+            <a:ext cx="12700" cy="2799408"/>
+          </a:xfrm>
+          <a:prstGeom prst="curvedConnector3">
+            <a:avLst>
+              <a:gd name="adj1" fmla="val 6200386"/>
+            </a:avLst>
+          </a:prstGeom>
+          <a:ln w="38100">
+            <a:solidFill>
+              <a:schemeClr val="accent1">
+                <a:lumMod val="75000"/>
+              </a:schemeClr>
+            </a:solidFill>
+            <a:prstDash val="sysDot"/>
+            <a:tailEnd type="triangle"/>
+          </a:ln>
+        </p:spPr>
+        <p:style>
+          <a:lnRef idx="1">
+            <a:schemeClr val="accent3"/>
+          </a:lnRef>
+          <a:fillRef idx="0">
+            <a:schemeClr val="accent3"/>
+          </a:fillRef>
+          <a:effectRef idx="0">
+            <a:schemeClr val="accent3"/>
+          </a:effectRef>
+          <a:fontRef idx="minor">
+            <a:schemeClr val="tx1"/>
+          </a:fontRef>
+        </p:style>
+      </p:cxnSp>
       <p:pic>
         <p:nvPicPr>
-          <p:cNvPr id="1026" name="Picture 2" descr="Image result for design of a car">
+          <p:cNvPr id="1026" name="Picture 2" descr="Image result for start flag">
             <a:extLst>
               <a:ext uri="{FF2B5EF4-FFF2-40B4-BE49-F238E27FC236}">
-                <a16:creationId xmlns:a16="http://schemas.microsoft.com/office/drawing/2014/main" id="{9BAE8852-8DFA-48FC-AB77-85037AD49F67}"/>
+                <a16:creationId xmlns:a16="http://schemas.microsoft.com/office/drawing/2014/main" id="{62E04F2B-D72C-4FFC-9049-7879BEDF4DD6}"/>
               </a:ext>
             </a:extLst>
           </p:cNvPr>
@@ -3830,7 +6323,7 @@
           <p:nvPr/>
         </p:nvPicPr>
         <p:blipFill>
-          <a:blip r:embed="rId2">
+          <a:blip r:embed="rId4">
             <a:extLst>
               <a:ext uri="{28A0092B-C50C-407E-A947-70E740481C1C}">
                 <a14:useLocalDpi xmlns:a14="http://schemas.microsoft.com/office/drawing/2010/main" val="0"/>
@@ -3844,22 +6337,13 @@
         </p:blipFill>
         <p:spPr bwMode="auto">
           <a:xfrm>
-            <a:off x="731550" y="1275326"/>
-            <a:ext cx="3160942" cy="1778030"/>
+            <a:off x="2835176" y="1075458"/>
+            <a:ext cx="640662" cy="567566"/>
           </a:xfrm>
           <a:prstGeom prst="rect">
             <a:avLst/>
           </a:prstGeom>
-          <a:ln>
-            <a:noFill/>
-          </a:ln>
-          <a:effectLst>
-            <a:outerShdw blurRad="190500" algn="tl" rotWithShape="0">
-              <a:srgbClr val="000000">
-                <a:alpha val="70000"/>
-              </a:srgbClr>
-            </a:outerShdw>
-          </a:effectLst>
+          <a:noFill/>
           <a:extLst>
             <a:ext uri="{909E8E84-426E-40DD-AFC4-6F175D3DCCD1}">
               <a14:hiddenFill xmlns:a14="http://schemas.microsoft.com/office/drawing/2010/main">
@@ -3873,10 +6357,10 @@
       </p:pic>
       <p:pic>
         <p:nvPicPr>
-          <p:cNvPr id="1028" name="Picture 4" descr="Image result for design of a car">
+          <p:cNvPr id="125" name="Picture 2" descr="Image result for start flag">
             <a:extLst>
               <a:ext uri="{FF2B5EF4-FFF2-40B4-BE49-F238E27FC236}">
-                <a16:creationId xmlns:a16="http://schemas.microsoft.com/office/drawing/2014/main" id="{FD9649AF-3C66-4657-AAED-B9BF6D56EDC8}"/>
+                <a16:creationId xmlns:a16="http://schemas.microsoft.com/office/drawing/2014/main" id="{18282974-0D1F-4F8D-9C25-4B84A2D3B1FB}"/>
               </a:ext>
             </a:extLst>
           </p:cNvPr>
@@ -3886,7 +6370,7 @@
           <p:nvPr/>
         </p:nvPicPr>
         <p:blipFill>
-          <a:blip r:embed="rId3">
+          <a:blip r:embed="rId4">
             <a:extLst>
               <a:ext uri="{28A0092B-C50C-407E-A947-70E740481C1C}">
                 <a14:useLocalDpi xmlns:a14="http://schemas.microsoft.com/office/drawing/2010/main" val="0"/>
@@ -3900,22 +6384,13 @@
         </p:blipFill>
         <p:spPr bwMode="auto">
           <a:xfrm>
-            <a:off x="4081240" y="1275326"/>
-            <a:ext cx="3378256" cy="1778030"/>
+            <a:off x="174141" y="5519014"/>
+            <a:ext cx="640662" cy="567566"/>
           </a:xfrm>
           <a:prstGeom prst="rect">
             <a:avLst/>
           </a:prstGeom>
-          <a:ln>
-            <a:noFill/>
-          </a:ln>
-          <a:effectLst>
-            <a:outerShdw blurRad="190500" algn="tl" rotWithShape="0">
-              <a:srgbClr val="000000">
-                <a:alpha val="70000"/>
-              </a:srgbClr>
-            </a:outerShdw>
-          </a:effectLst>
+          <a:noFill/>
           <a:extLst>
             <a:ext uri="{909E8E84-426E-40DD-AFC4-6F175D3DCCD1}">
               <a14:hiddenFill xmlns:a14="http://schemas.microsoft.com/office/drawing/2010/main">
@@ -3930,7 +6405,7 @@
     </p:spTree>
     <p:extLst>
       <p:ext uri="{BB962C8B-B14F-4D97-AF65-F5344CB8AC3E}">
-        <p14:creationId xmlns:p14="http://schemas.microsoft.com/office/powerpoint/2010/main" val="2948433365"/>
+        <p14:creationId xmlns:p14="http://schemas.microsoft.com/office/powerpoint/2010/main" val="3338164042"/>
       </p:ext>
     </p:extLst>
   </p:cSld>
@@ -3943,7 +6418,7 @@
 <file path=ppt/theme/theme1.xml><?xml version="1.0" encoding="utf-8"?>
 <a:theme xmlns:a="http://schemas.openxmlformats.org/drawingml/2006/main" name="Office Theme">
   <a:themeElements>
-    <a:clrScheme name="Office">
+    <a:clrScheme name="Slipstream">
       <a:dk1>
         <a:sysClr val="windowText" lastClr="000000"/>
       </a:dk1>
@@ -3951,37 +6426,37 @@
         <a:sysClr val="window" lastClr="FFFFFF"/>
       </a:lt1>
       <a:dk2>
-        <a:srgbClr val="44546A"/>
+        <a:srgbClr val="212745"/>
       </a:dk2>
       <a:lt2>
-        <a:srgbClr val="E7E6E6"/>
+        <a:srgbClr val="B4DCFA"/>
       </a:lt2>
       <a:accent1>
-        <a:srgbClr val="4472C4"/>
+        <a:srgbClr val="4E67C8"/>
       </a:accent1>
       <a:accent2>
-        <a:srgbClr val="ED7D31"/>
+        <a:srgbClr val="5ECCF3"/>
       </a:accent2>
       <a:accent3>
-        <a:srgbClr val="A5A5A5"/>
+        <a:srgbClr val="A7EA52"/>
       </a:accent3>
       <a:accent4>
-        <a:srgbClr val="FFC000"/>
+        <a:srgbClr val="5DCEAF"/>
       </a:accent4>
       <a:accent5>
-        <a:srgbClr val="5B9BD5"/>
+        <a:srgbClr val="FF8021"/>
       </a:accent5>
       <a:accent6>
-        <a:srgbClr val="70AD47"/>
+        <a:srgbClr val="F14124"/>
       </a:accent6>
       <a:hlink>
-        <a:srgbClr val="0563C1"/>
+        <a:srgbClr val="56C7AA"/>
       </a:hlink>
       <a:folHlink>
-        <a:srgbClr val="954F72"/>
+        <a:srgbClr val="59A8D1"/>
       </a:folHlink>
     </a:clrScheme>
-    <a:fontScheme name="Office">
+    <a:fontScheme name="Office Theme">
       <a:majorFont>
         <a:latin typeface="Calibri Light" panose="020F0302020204030204"/>
         <a:ea typeface=""/>
@@ -4016,23 +6491,6 @@
         <a:font script="Viet" typeface="Times New Roman"/>
         <a:font script="Uigh" typeface="Microsoft Uighur"/>
         <a:font script="Geor" typeface="Sylfaen"/>
-        <a:font script="Armn" typeface="Arial"/>
-        <a:font script="Bugi" typeface="Leelawadee UI"/>
-        <a:font script="Bopo" typeface="Microsoft JhengHei"/>
-        <a:font script="Java" typeface="Javanese Text"/>
-        <a:font script="Lisu" typeface="Segoe UI"/>
-        <a:font script="Mymr" typeface="Myanmar Text"/>
-        <a:font script="Nkoo" typeface="Ebrima"/>
-        <a:font script="Olck" typeface="Nirmala UI"/>
-        <a:font script="Osma" typeface="Ebrima"/>
-        <a:font script="Phag" typeface="Phagspa"/>
-        <a:font script="Syrn" typeface="Estrangelo Edessa"/>
-        <a:font script="Syrj" typeface="Estrangelo Edessa"/>
-        <a:font script="Syre" typeface="Estrangelo Edessa"/>
-        <a:font script="Sora" typeface="Nirmala UI"/>
-        <a:font script="Tale" typeface="Microsoft Tai Le"/>
-        <a:font script="Talu" typeface="Microsoft New Tai Lue"/>
-        <a:font script="Tfng" typeface="Ebrima"/>
       </a:majorFont>
       <a:minorFont>
         <a:latin typeface="Calibri" panose="020F0502020204030204"/>
@@ -4068,26 +6526,9 @@
         <a:font script="Viet" typeface="Arial"/>
         <a:font script="Uigh" typeface="Microsoft Uighur"/>
         <a:font script="Geor" typeface="Sylfaen"/>
-        <a:font script="Armn" typeface="Arial"/>
-        <a:font script="Bugi" typeface="Leelawadee UI"/>
-        <a:font script="Bopo" typeface="Microsoft JhengHei"/>
-        <a:font script="Java" typeface="Javanese Text"/>
-        <a:font script="Lisu" typeface="Segoe UI"/>
-        <a:font script="Mymr" typeface="Myanmar Text"/>
-        <a:font script="Nkoo" typeface="Ebrima"/>
-        <a:font script="Olck" typeface="Nirmala UI"/>
-        <a:font script="Osma" typeface="Ebrima"/>
-        <a:font script="Phag" typeface="Phagspa"/>
-        <a:font script="Syrn" typeface="Estrangelo Edessa"/>
-        <a:font script="Syrj" typeface="Estrangelo Edessa"/>
-        <a:font script="Syre" typeface="Estrangelo Edessa"/>
-        <a:font script="Sora" typeface="Nirmala UI"/>
-        <a:font script="Tale" typeface="Microsoft Tai Le"/>
-        <a:font script="Talu" typeface="Microsoft New Tai Lue"/>
-        <a:font script="Tfng" typeface="Ebrima"/>
       </a:minorFont>
     </a:fontScheme>
-    <a:fmtScheme name="Office">
+    <a:fmtScheme name="Office Theme">
       <a:fillStyleLst>
         <a:solidFill>
           <a:schemeClr val="phClr"/>

--- a/ideas/just-start/just-start.pptx
+++ b/ideas/just-start/just-start.pptx
@@ -151,11 +151,11 @@
           <c:order val="0"/>
           <c:tx>
             <c:strRef>
-              <c:f>Sheet1!$A$1</c:f>
+              <c:f>Sheet1!$D$1</c:f>
               <c:strCache>
                 <c:ptCount val="1"/>
                 <c:pt idx="0">
-                  <c:v>Impact</c:v>
+                  <c:v>Learning</c:v>
                 </c:pt>
               </c:strCache>
             </c:strRef>
@@ -196,84 +196,84 @@
           </c:spPr>
           <c:val>
             <c:numRef>
-              <c:f>Sheet1!$A$2:$A$26</c:f>
+              <c:f>Sheet1!$D$2:$D$26</c:f>
               <c:numCache>
                 <c:formatCode>General</c:formatCode>
                 <c:ptCount val="25"/>
                 <c:pt idx="0">
-                  <c:v>13</c:v>
+                  <c:v>1</c:v>
                 </c:pt>
                 <c:pt idx="1">
-                  <c:v>13</c:v>
+                  <c:v>1</c:v>
                 </c:pt>
                 <c:pt idx="2">
-                  <c:v>13</c:v>
+                  <c:v>12</c:v>
                 </c:pt>
                 <c:pt idx="3">
-                  <c:v>13</c:v>
+                  <c:v>25</c:v>
                 </c:pt>
                 <c:pt idx="4">
-                  <c:v>13</c:v>
+                  <c:v>32</c:v>
                 </c:pt>
                 <c:pt idx="5">
-                  <c:v>15</c:v>
+                  <c:v>35</c:v>
                 </c:pt>
                 <c:pt idx="6">
-                  <c:v>15</c:v>
+                  <c:v>35</c:v>
                 </c:pt>
                 <c:pt idx="7">
-                  <c:v>15</c:v>
+                  <c:v>38</c:v>
                 </c:pt>
                 <c:pt idx="8">
-                  <c:v>15</c:v>
+                  <c:v>38</c:v>
                 </c:pt>
                 <c:pt idx="9">
-                  <c:v>15</c:v>
+                  <c:v>39</c:v>
                 </c:pt>
                 <c:pt idx="10">
-                  <c:v>16</c:v>
+                  <c:v>40</c:v>
                 </c:pt>
                 <c:pt idx="11">
-                  <c:v>17</c:v>
+                  <c:v>42</c:v>
                 </c:pt>
                 <c:pt idx="12">
-                  <c:v>19</c:v>
+                  <c:v>45</c:v>
                 </c:pt>
                 <c:pt idx="13">
-                  <c:v>19</c:v>
+                  <c:v>45</c:v>
                 </c:pt>
                 <c:pt idx="14">
-                  <c:v>19</c:v>
+                  <c:v>45</c:v>
                 </c:pt>
                 <c:pt idx="15">
-                  <c:v>23</c:v>
+                  <c:v>45</c:v>
                 </c:pt>
                 <c:pt idx="16">
-                  <c:v>25</c:v>
+                  <c:v>46</c:v>
                 </c:pt>
                 <c:pt idx="17">
-                  <c:v>25</c:v>
+                  <c:v>47</c:v>
                 </c:pt>
                 <c:pt idx="18">
-                  <c:v>25</c:v>
+                  <c:v>48</c:v>
                 </c:pt>
                 <c:pt idx="19">
-                  <c:v>27</c:v>
+                  <c:v>49</c:v>
                 </c:pt>
                 <c:pt idx="20">
-                  <c:v>28</c:v>
+                  <c:v>50</c:v>
                 </c:pt>
                 <c:pt idx="21">
-                  <c:v>29</c:v>
+                  <c:v>50</c:v>
                 </c:pt>
                 <c:pt idx="22">
-                  <c:v>30</c:v>
+                  <c:v>50</c:v>
                 </c:pt>
                 <c:pt idx="23">
-                  <c:v>30</c:v>
+                  <c:v>56</c:v>
                 </c:pt>
                 <c:pt idx="24">
-                  <c:v>30</c:v>
+                  <c:v>59</c:v>
                 </c:pt>
               </c:numCache>
             </c:numRef>
@@ -289,11 +289,11 @@
           <c:order val="1"/>
           <c:tx>
             <c:strRef>
-              <c:f>Sheet1!$B$1</c:f>
+              <c:f>Sheet1!$E$1</c:f>
               <c:strCache>
                 <c:ptCount val="1"/>
                 <c:pt idx="0">
-                  <c:v>Learning</c:v>
+                  <c:v>Impact</c:v>
                 </c:pt>
               </c:strCache>
             </c:strRef>
@@ -327,91 +327,91 @@
               </a:path>
               <a:tileRect/>
             </a:gradFill>
-            <a:ln>
+            <a:ln w="25400">
               <a:noFill/>
             </a:ln>
             <a:effectLst/>
           </c:spPr>
           <c:val>
             <c:numRef>
-              <c:f>Sheet1!$B$2:$B$26</c:f>
+              <c:f>Sheet1!$E$2:$E$26</c:f>
               <c:numCache>
                 <c:formatCode>General</c:formatCode>
                 <c:ptCount val="25"/>
                 <c:pt idx="0">
+                  <c:v>0</c:v>
+                </c:pt>
+                <c:pt idx="1">
+                  <c:v>0</c:v>
+                </c:pt>
+                <c:pt idx="2">
+                  <c:v>5</c:v>
+                </c:pt>
+                <c:pt idx="3">
+                  <c:v>7</c:v>
+                </c:pt>
+                <c:pt idx="4">
+                  <c:v>7</c:v>
+                </c:pt>
+                <c:pt idx="5">
+                  <c:v>5</c:v>
+                </c:pt>
+                <c:pt idx="6">
+                  <c:v>4</c:v>
+                </c:pt>
+                <c:pt idx="7">
                   <c:v>2</c:v>
-                </c:pt>
-                <c:pt idx="1">
-                  <c:v>3</c:v>
-                </c:pt>
-                <c:pt idx="2">
-                  <c:v>2</c:v>
-                </c:pt>
-                <c:pt idx="3">
-                  <c:v>5</c:v>
-                </c:pt>
-                <c:pt idx="4">
-                  <c:v>5</c:v>
-                </c:pt>
-                <c:pt idx="5">
-                  <c:v>2</c:v>
-                </c:pt>
-                <c:pt idx="6">
-                  <c:v>2</c:v>
-                </c:pt>
-                <c:pt idx="7">
-                  <c:v>4</c:v>
                 </c:pt>
                 <c:pt idx="8">
                   <c:v>3</c:v>
                 </c:pt>
                 <c:pt idx="9">
-                  <c:v>2</c:v>
+                  <c:v>3</c:v>
                 </c:pt>
                 <c:pt idx="10">
                   <c:v>5</c:v>
                 </c:pt>
                 <c:pt idx="11">
-                  <c:v>2</c:v>
+                  <c:v>3</c:v>
                 </c:pt>
                 <c:pt idx="12">
+                  <c:v>4</c:v>
+                </c:pt>
+                <c:pt idx="13">
+                  <c:v>5</c:v>
+                </c:pt>
+                <c:pt idx="14">
                   <c:v>6</c:v>
                 </c:pt>
-                <c:pt idx="13">
-                  <c:v>2</c:v>
-                </c:pt>
-                <c:pt idx="14">
-                  <c:v>2</c:v>
-                </c:pt>
                 <c:pt idx="15">
+                  <c:v>9</c:v>
+                </c:pt>
+                <c:pt idx="16">
+                  <c:v>8</c:v>
+                </c:pt>
+                <c:pt idx="17">
+                  <c:v>5</c:v>
+                </c:pt>
+                <c:pt idx="18">
+                  <c:v>9</c:v>
+                </c:pt>
+                <c:pt idx="19">
                   <c:v>3</c:v>
                 </c:pt>
-                <c:pt idx="16">
-                  <c:v>4</c:v>
-                </c:pt>
-                <c:pt idx="17">
-                  <c:v>2</c:v>
-                </c:pt>
-                <c:pt idx="18">
+                <c:pt idx="20">
                   <c:v>5</c:v>
                 </c:pt>
-                <c:pt idx="19">
-                  <c:v>4</c:v>
-                </c:pt>
-                <c:pt idx="20">
-                  <c:v>3</c:v>
-                </c:pt>
                 <c:pt idx="21">
-                  <c:v>2</c:v>
+                  <c:v>7</c:v>
                 </c:pt>
                 <c:pt idx="22">
-                  <c:v>4</c:v>
+                  <c:v>9</c:v>
                 </c:pt>
                 <c:pt idx="23">
-                  <c:v>2</c:v>
+                  <c:v>9</c:v>
                 </c:pt>
                 <c:pt idx="24">
-                  <c:v>3</c:v>
+                  <c:v>10</c:v>
                 </c:pt>
               </c:numCache>
             </c:numRef>
@@ -4861,6 +4861,21 @@
 <file path=ppt/slides/slide1.xml><?xml version="1.0" encoding="utf-8"?>
 <p:sld xmlns:a="http://schemas.openxmlformats.org/drawingml/2006/main" xmlns:r="http://schemas.openxmlformats.org/officeDocument/2006/relationships" xmlns:p="http://schemas.openxmlformats.org/presentationml/2006/main">
   <p:cSld>
+    <p:bg>
+      <p:bgPr>
+        <a:pattFill prst="dotGrid">
+          <a:fgClr>
+            <a:schemeClr val="bg1">
+              <a:lumMod val="95000"/>
+            </a:schemeClr>
+          </a:fgClr>
+          <a:bgClr>
+            <a:schemeClr val="bg1"/>
+          </a:bgClr>
+        </a:pattFill>
+        <a:effectLst/>
+      </p:bgPr>
+    </p:bg>
     <p:spTree>
       <p:nvGrpSpPr>
         <p:cNvPr id="1" name=""/>
@@ -4888,7 +4903,7 @@
           <p:nvPr>
             <p:extLst>
               <p:ext uri="{D42A27DB-BD31-4B8C-83A1-F6EECF244321}">
-                <p14:modId xmlns:p14="http://schemas.microsoft.com/office/powerpoint/2010/main" val="3338711499"/>
+                <p14:modId xmlns:p14="http://schemas.microsoft.com/office/powerpoint/2010/main" val="3078916157"/>
               </p:ext>
             </p:extLst>
           </p:nvPr>
@@ -5436,13 +5451,14 @@
           </p:cNvPr>
           <p:cNvCxnSpPr>
             <a:cxnSpLocks/>
+            <a:endCxn id="69" idx="1"/>
           </p:cNvCxnSpPr>
           <p:nvPr/>
         </p:nvCxnSpPr>
         <p:spPr>
           <a:xfrm flipV="1">
-            <a:off x="245378" y="3212086"/>
-            <a:ext cx="8599188" cy="267099"/>
+            <a:off x="245378" y="3377841"/>
+            <a:ext cx="3976838" cy="101346"/>
           </a:xfrm>
           <a:prstGeom prst="line">
             <a:avLst/>
@@ -5487,9 +5503,7 @@
           <a:prstGeom prst="rect">
             <a:avLst/>
           </a:prstGeom>
-          <a:solidFill>
-            <a:schemeClr val="bg1"/>
-          </a:solidFill>
+          <a:noFill/>
         </p:spPr>
         <p:txBody>
           <a:bodyPr wrap="square" rtlCol="0">
@@ -5527,9 +5541,7 @@
           <a:prstGeom prst="rect">
             <a:avLst/>
           </a:prstGeom>
-          <a:solidFill>
-            <a:schemeClr val="bg1"/>
-          </a:solidFill>
+          <a:noFill/>
           <a:ln>
             <a:noFill/>
           </a:ln>
@@ -5588,9 +5600,7 @@
           <a:prstGeom prst="rect">
             <a:avLst/>
           </a:prstGeom>
-          <a:solidFill>
-            <a:schemeClr val="bg1"/>
-          </a:solidFill>
+          <a:noFill/>
           <a:ln>
             <a:noFill/>
           </a:ln>
@@ -6384,7 +6394,7 @@
         </p:blipFill>
         <p:spPr bwMode="auto">
           <a:xfrm>
-            <a:off x="174141" y="5519014"/>
+            <a:off x="174141" y="6215301"/>
             <a:ext cx="640662" cy="567566"/>
           </a:xfrm>
           <a:prstGeom prst="rect">
@@ -6402,6 +6412,49 @@
           </a:extLst>
         </p:spPr>
       </p:pic>
+      <p:cxnSp>
+        <p:nvCxnSpPr>
+          <p:cNvPr id="27" name="Straight Connector 26">
+            <a:extLst>
+              <a:ext uri="{FF2B5EF4-FFF2-40B4-BE49-F238E27FC236}">
+                <a16:creationId xmlns:a16="http://schemas.microsoft.com/office/drawing/2014/main" id="{746E7D03-2D93-4946-A986-B477E4A9E5E0}"/>
+              </a:ext>
+            </a:extLst>
+          </p:cNvPr>
+          <p:cNvCxnSpPr>
+            <a:cxnSpLocks/>
+            <a:stCxn id="69" idx="3"/>
+          </p:cNvCxnSpPr>
+          <p:nvPr/>
+        </p:nvCxnSpPr>
+        <p:spPr>
+          <a:xfrm flipV="1">
+            <a:off x="4982652" y="3261711"/>
+            <a:ext cx="3888191" cy="102856"/>
+          </a:xfrm>
+          <a:prstGeom prst="line">
+            <a:avLst/>
+          </a:prstGeom>
+          <a:ln w="28575">
+            <a:headEnd type="none" w="med" len="med"/>
+            <a:tailEnd type="none" w="med" len="med"/>
+          </a:ln>
+        </p:spPr>
+        <p:style>
+          <a:lnRef idx="1">
+            <a:schemeClr val="dk1"/>
+          </a:lnRef>
+          <a:fillRef idx="0">
+            <a:schemeClr val="dk1"/>
+          </a:fillRef>
+          <a:effectRef idx="0">
+            <a:schemeClr val="dk1"/>
+          </a:effectRef>
+          <a:fontRef idx="minor">
+            <a:schemeClr val="tx1"/>
+          </a:fontRef>
+        </p:style>
+      </p:cxnSp>
     </p:spTree>
     <p:extLst>
       <p:ext uri="{BB962C8B-B14F-4D97-AF65-F5344CB8AC3E}">
